--- a/praca_dyplomowa.pptx
+++ b/praca_dyplomowa.pptx
@@ -211,7 +211,7 @@
           <a:p>
             <a:fld id="{5126046C-41AF-4C30-B587-8D347D278FB8}" type="datetimeFigureOut">
               <a:rPr lang="pl-PL" smtClean="0"/>
-              <a:t>2016-01-22</a:t>
+              <a:t>2016-03-12</a:t>
             </a:fld>
             <a:endParaRPr lang="pl-PL"/>
           </a:p>
@@ -3486,7 +3486,7 @@
           <a:p>
             <a:fld id="{50135757-D3A2-4B58-B5BC-E38DD5A76FD6}" type="datetimeFigureOut">
               <a:rPr lang="pl-PL" smtClean="0"/>
-              <a:t>2016-01-22</a:t>
+              <a:t>2016-03-12</a:t>
             </a:fld>
             <a:endParaRPr lang="pl-PL"/>
           </a:p>
@@ -3671,7 +3671,7 @@
           <a:p>
             <a:fld id="{50135757-D3A2-4B58-B5BC-E38DD5A76FD6}" type="datetimeFigureOut">
               <a:rPr lang="pl-PL" smtClean="0"/>
-              <a:t>2016-01-22</a:t>
+              <a:t>2016-03-12</a:t>
             </a:fld>
             <a:endParaRPr lang="pl-PL"/>
           </a:p>
@@ -3856,7 +3856,7 @@
           <a:p>
             <a:fld id="{50135757-D3A2-4B58-B5BC-E38DD5A76FD6}" type="datetimeFigureOut">
               <a:rPr lang="pl-PL" smtClean="0"/>
-              <a:t>2016-01-22</a:t>
+              <a:t>2016-03-12</a:t>
             </a:fld>
             <a:endParaRPr lang="pl-PL"/>
           </a:p>
@@ -4041,7 +4041,7 @@
           <a:p>
             <a:fld id="{50135757-D3A2-4B58-B5BC-E38DD5A76FD6}" type="datetimeFigureOut">
               <a:rPr lang="pl-PL" smtClean="0"/>
-              <a:t>2016-01-22</a:t>
+              <a:t>2016-03-12</a:t>
             </a:fld>
             <a:endParaRPr lang="pl-PL"/>
           </a:p>
@@ -4422,7 +4422,7 @@
           <a:p>
             <a:fld id="{50135757-D3A2-4B58-B5BC-E38DD5A76FD6}" type="datetimeFigureOut">
               <a:rPr lang="pl-PL" smtClean="0"/>
-              <a:t>2016-01-22</a:t>
+              <a:t>2016-03-12</a:t>
             </a:fld>
             <a:endParaRPr lang="pl-PL"/>
           </a:p>
@@ -4691,7 +4691,7 @@
           <a:p>
             <a:fld id="{50135757-D3A2-4B58-B5BC-E38DD5A76FD6}" type="datetimeFigureOut">
               <a:rPr lang="pl-PL" smtClean="0"/>
-              <a:t>2016-01-22</a:t>
+              <a:t>2016-03-12</a:t>
             </a:fld>
             <a:endParaRPr lang="pl-PL"/>
           </a:p>
@@ -5076,7 +5076,7 @@
           <a:p>
             <a:fld id="{50135757-D3A2-4B58-B5BC-E38DD5A76FD6}" type="datetimeFigureOut">
               <a:rPr lang="pl-PL" smtClean="0"/>
-              <a:t>2016-01-22</a:t>
+              <a:t>2016-03-12</a:t>
             </a:fld>
             <a:endParaRPr lang="pl-PL"/>
           </a:p>
@@ -5197,7 +5197,7 @@
           <a:p>
             <a:fld id="{50135757-D3A2-4B58-B5BC-E38DD5A76FD6}" type="datetimeFigureOut">
               <a:rPr lang="pl-PL" smtClean="0"/>
-              <a:t>2016-01-22</a:t>
+              <a:t>2016-03-12</a:t>
             </a:fld>
             <a:endParaRPr lang="pl-PL"/>
           </a:p>
@@ -5377,7 +5377,7 @@
           <a:p>
             <a:fld id="{50135757-D3A2-4B58-B5BC-E38DD5A76FD6}" type="datetimeFigureOut">
               <a:rPr lang="pl-PL" smtClean="0"/>
-              <a:t>2016-01-22</a:t>
+              <a:t>2016-03-12</a:t>
             </a:fld>
             <a:endParaRPr lang="pl-PL"/>
           </a:p>
@@ -5711,7 +5711,7 @@
           <a:p>
             <a:fld id="{50135757-D3A2-4B58-B5BC-E38DD5A76FD6}" type="datetimeFigureOut">
               <a:rPr lang="pl-PL" smtClean="0"/>
-              <a:t>2016-01-22</a:t>
+              <a:t>2016-03-12</a:t>
             </a:fld>
             <a:endParaRPr lang="pl-PL"/>
           </a:p>
@@ -6080,7 +6080,7 @@
           <a:p>
             <a:fld id="{50135757-D3A2-4B58-B5BC-E38DD5A76FD6}" type="datetimeFigureOut">
               <a:rPr lang="pl-PL" smtClean="0"/>
-              <a:t>2016-01-22</a:t>
+              <a:t>2016-03-12</a:t>
             </a:fld>
             <a:endParaRPr lang="pl-PL"/>
           </a:p>
@@ -6498,7 +6498,7 @@
           <a:p>
             <a:fld id="{50135757-D3A2-4B58-B5BC-E38DD5A76FD6}" type="datetimeFigureOut">
               <a:rPr lang="pl-PL" smtClean="0"/>
-              <a:t>2016-01-22</a:t>
+              <a:t>2016-03-12</a:t>
             </a:fld>
             <a:endParaRPr lang="pl-PL"/>
           </a:p>
@@ -7611,420 +7611,70 @@
           </a:p>
         </p:txBody>
       </p:sp>
-      <p:graphicFrame>
-        <p:nvGraphicFramePr>
-          <p:cNvPr id="5" name="Tabela 4"/>
-          <p:cNvGraphicFramePr>
-            <a:graphicFrameLocks noGrp="1"/>
-          </p:cNvGraphicFramePr>
-          <p:nvPr>
-            <p:extLst>
-              <p:ext uri="{D42A27DB-BD31-4B8C-83A1-F6EECF244321}">
-                <p14:modId xmlns:p14="http://schemas.microsoft.com/office/powerpoint/2010/main" val="3787126701"/>
-              </p:ext>
-            </p:extLst>
-          </p:nvPr>
-        </p:nvGraphicFramePr>
-        <p:xfrm>
-          <a:off x="1907704" y="1916832"/>
-          <a:ext cx="5184576" cy="2773537"/>
-        </p:xfrm>
-        <a:graphic>
-          <a:graphicData uri="http://schemas.openxmlformats.org/drawingml/2006/table">
-            <a:tbl>
-              <a:tblPr firstRow="1" firstCol="1" bandRow="1"/>
-              <a:tblGrid>
-                <a:gridCol w="2592288"/>
-                <a:gridCol w="2592288"/>
-              </a:tblGrid>
-              <a:tr h="592555">
-                <a:tc gridSpan="2">
-                  <a:txBody>
-                    <a:bodyPr/>
-                    <a:lstStyle/>
-                    <a:p>
-                      <a:pPr indent="450215" algn="ctr">
-                        <a:lnSpc>
-                          <a:spcPct val="150000"/>
-                        </a:lnSpc>
-                        <a:spcBef>
-                          <a:spcPts val="600"/>
-                        </a:spcBef>
-                        <a:spcAft>
-                          <a:spcPts val="600"/>
-                        </a:spcAft>
-                      </a:pPr>
-                      <a:r>
-                        <a:rPr lang="pl-PL" sz="2400" dirty="0">
-                          <a:effectLst/>
-                          <a:latin typeface="Times New Roman"/>
-                          <a:ea typeface="Times New Roman"/>
-                        </a:rPr>
-                        <a:t>Application</a:t>
-                      </a:r>
-                    </a:p>
-                  </a:txBody>
-                  <a:tcPr marL="68580" marR="68580" marT="0" marB="0">
-                    <a:lnL w="12700" cap="flat" cmpd="sng" algn="ctr">
-                      <a:solidFill>
-                        <a:srgbClr val="000000"/>
-                      </a:solidFill>
-                      <a:prstDash val="solid"/>
-                      <a:round/>
-                      <a:headEnd type="none" w="med" len="med"/>
-                      <a:tailEnd type="none" w="med" len="med"/>
-                    </a:lnL>
-                    <a:lnR w="12700" cap="flat" cmpd="sng" algn="ctr">
-                      <a:solidFill>
-                        <a:srgbClr val="000000"/>
-                      </a:solidFill>
-                      <a:prstDash val="solid"/>
-                      <a:round/>
-                      <a:headEnd type="none" w="med" len="med"/>
-                      <a:tailEnd type="none" w="med" len="med"/>
-                    </a:lnR>
-                    <a:lnT w="12700" cap="flat" cmpd="sng" algn="ctr">
-                      <a:solidFill>
-                        <a:srgbClr val="000000"/>
-                      </a:solidFill>
-                      <a:prstDash val="solid"/>
-                      <a:round/>
-                      <a:headEnd type="none" w="med" len="med"/>
-                      <a:tailEnd type="none" w="med" len="med"/>
-                    </a:lnT>
-                    <a:lnB w="12700" cap="flat" cmpd="sng" algn="ctr">
-                      <a:solidFill>
-                        <a:srgbClr val="000000"/>
-                      </a:solidFill>
-                      <a:prstDash val="solid"/>
-                      <a:round/>
-                      <a:headEnd type="none" w="med" len="med"/>
-                      <a:tailEnd type="none" w="med" len="med"/>
-                    </a:lnB>
-                  </a:tcPr>
-                </a:tc>
-                <a:tc hMerge="1">
-                  <a:txBody>
-                    <a:bodyPr/>
-                    <a:lstStyle/>
-                    <a:p>
-                      <a:endParaRPr lang="pl-PL"/>
-                    </a:p>
-                  </a:txBody>
-                  <a:tcPr/>
-                </a:tc>
-              </a:tr>
-              <a:tr h="579545">
-                <a:tc gridSpan="2">
-                  <a:txBody>
-                    <a:bodyPr/>
-                    <a:lstStyle/>
-                    <a:p>
-                      <a:pPr indent="450215" algn="ctr">
-                        <a:lnSpc>
-                          <a:spcPct val="150000"/>
-                        </a:lnSpc>
-                        <a:spcBef>
-                          <a:spcPts val="600"/>
-                        </a:spcBef>
-                        <a:spcAft>
-                          <a:spcPts val="600"/>
-                        </a:spcAft>
-                      </a:pPr>
-                      <a:r>
-                        <a:rPr lang="pl-PL" sz="2400">
-                          <a:effectLst/>
-                          <a:latin typeface="Times New Roman"/>
-                          <a:ea typeface="Times New Roman"/>
-                        </a:rPr>
-                        <a:t>Networking</a:t>
-                      </a:r>
-                    </a:p>
-                  </a:txBody>
-                  <a:tcPr marL="68580" marR="68580" marT="0" marB="0">
-                    <a:lnL w="12700" cap="flat" cmpd="sng" algn="ctr">
-                      <a:solidFill>
-                        <a:srgbClr val="000000"/>
-                      </a:solidFill>
-                      <a:prstDash val="solid"/>
-                      <a:round/>
-                      <a:headEnd type="none" w="med" len="med"/>
-                      <a:tailEnd type="none" w="med" len="med"/>
-                    </a:lnL>
-                    <a:lnR w="12700" cap="flat" cmpd="sng" algn="ctr">
-                      <a:solidFill>
-                        <a:srgbClr val="000000"/>
-                      </a:solidFill>
-                      <a:prstDash val="solid"/>
-                      <a:round/>
-                      <a:headEnd type="none" w="med" len="med"/>
-                      <a:tailEnd type="none" w="med" len="med"/>
-                    </a:lnR>
-                    <a:lnT w="12700" cap="flat" cmpd="sng" algn="ctr">
-                      <a:solidFill>
-                        <a:srgbClr val="000000"/>
-                      </a:solidFill>
-                      <a:prstDash val="solid"/>
-                      <a:round/>
-                      <a:headEnd type="none" w="med" len="med"/>
-                      <a:tailEnd type="none" w="med" len="med"/>
-                    </a:lnT>
-                    <a:lnB w="12700" cap="flat" cmpd="sng" algn="ctr">
-                      <a:solidFill>
-                        <a:srgbClr val="000000"/>
-                      </a:solidFill>
-                      <a:prstDash val="solid"/>
-                      <a:round/>
-                      <a:headEnd type="none" w="med" len="med"/>
-                      <a:tailEnd type="none" w="med" len="med"/>
-                    </a:lnB>
-                  </a:tcPr>
-                </a:tc>
-                <a:tc hMerge="1">
-                  <a:txBody>
-                    <a:bodyPr/>
-                    <a:lstStyle/>
-                    <a:p>
-                      <a:endParaRPr lang="pl-PL"/>
-                    </a:p>
-                  </a:txBody>
-                  <a:tcPr/>
-                </a:tc>
-              </a:tr>
-              <a:tr h="579545">
-                <a:tc gridSpan="2">
-                  <a:txBody>
-                    <a:bodyPr/>
-                    <a:lstStyle/>
-                    <a:p>
-                      <a:pPr indent="450215" algn="ctr">
-                        <a:lnSpc>
-                          <a:spcPct val="150000"/>
-                        </a:lnSpc>
-                        <a:spcBef>
-                          <a:spcPts val="600"/>
-                        </a:spcBef>
-                        <a:spcAft>
-                          <a:spcPts val="600"/>
-                        </a:spcAft>
-                      </a:pPr>
-                      <a:r>
-                        <a:rPr lang="pl-PL" sz="2400">
-                          <a:effectLst/>
-                          <a:latin typeface="Times New Roman"/>
-                          <a:ea typeface="Times New Roman"/>
-                        </a:rPr>
-                        <a:t>Persistance</a:t>
-                      </a:r>
-                    </a:p>
-                  </a:txBody>
-                  <a:tcPr marL="68580" marR="68580" marT="0" marB="0">
-                    <a:lnL w="12700" cap="flat" cmpd="sng" algn="ctr">
-                      <a:solidFill>
-                        <a:srgbClr val="000000"/>
-                      </a:solidFill>
-                      <a:prstDash val="solid"/>
-                      <a:round/>
-                      <a:headEnd type="none" w="med" len="med"/>
-                      <a:tailEnd type="none" w="med" len="med"/>
-                    </a:lnL>
-                    <a:lnR w="12700" cap="flat" cmpd="sng" algn="ctr">
-                      <a:solidFill>
-                        <a:srgbClr val="000000"/>
-                      </a:solidFill>
-                      <a:prstDash val="solid"/>
-                      <a:round/>
-                      <a:headEnd type="none" w="med" len="med"/>
-                      <a:tailEnd type="none" w="med" len="med"/>
-                    </a:lnR>
-                    <a:lnT w="12700" cap="flat" cmpd="sng" algn="ctr">
-                      <a:solidFill>
-                        <a:srgbClr val="000000"/>
-                      </a:solidFill>
-                      <a:prstDash val="solid"/>
-                      <a:round/>
-                      <a:headEnd type="none" w="med" len="med"/>
-                      <a:tailEnd type="none" w="med" len="med"/>
-                    </a:lnT>
-                    <a:lnB w="12700" cap="flat" cmpd="sng" algn="ctr">
-                      <a:solidFill>
-                        <a:srgbClr val="000000"/>
-                      </a:solidFill>
-                      <a:prstDash val="solid"/>
-                      <a:round/>
-                      <a:headEnd type="none" w="med" len="med"/>
-                      <a:tailEnd type="none" w="med" len="med"/>
-                    </a:lnB>
-                  </a:tcPr>
-                </a:tc>
-                <a:tc hMerge="1">
-                  <a:txBody>
-                    <a:bodyPr/>
-                    <a:lstStyle/>
-                    <a:p>
-                      <a:endParaRPr lang="pl-PL"/>
-                    </a:p>
-                  </a:txBody>
-                  <a:tcPr/>
-                </a:tc>
-              </a:tr>
-              <a:tr h="1021892">
-                <a:tc>
-                  <a:txBody>
-                    <a:bodyPr/>
-                    <a:lstStyle/>
-                    <a:p>
-                      <a:pPr indent="450215" algn="ctr">
-                        <a:lnSpc>
-                          <a:spcPct val="150000"/>
-                        </a:lnSpc>
-                        <a:spcBef>
-                          <a:spcPts val="600"/>
-                        </a:spcBef>
-                        <a:spcAft>
-                          <a:spcPts val="600"/>
-                        </a:spcAft>
-                      </a:pPr>
-                      <a:r>
-                        <a:rPr lang="pl-PL" sz="2400">
-                          <a:effectLst/>
-                          <a:latin typeface="Times New Roman"/>
-                          <a:ea typeface="Times New Roman"/>
-                        </a:rPr>
-                        <a:t>Android SDK</a:t>
-                      </a:r>
-                    </a:p>
-                  </a:txBody>
-                  <a:tcPr marL="68580" marR="68580" marT="0" marB="0">
-                    <a:lnL w="12700" cap="flat" cmpd="sng" algn="ctr">
-                      <a:solidFill>
-                        <a:srgbClr val="000000"/>
-                      </a:solidFill>
-                      <a:prstDash val="solid"/>
-                      <a:round/>
-                      <a:headEnd type="none" w="med" len="med"/>
-                      <a:tailEnd type="none" w="med" len="med"/>
-                    </a:lnL>
-                    <a:lnR w="12700" cap="flat" cmpd="sng" algn="ctr">
-                      <a:solidFill>
-                        <a:srgbClr val="000000"/>
-                      </a:solidFill>
-                      <a:prstDash val="solid"/>
-                      <a:round/>
-                      <a:headEnd type="none" w="med" len="med"/>
-                      <a:tailEnd type="none" w="med" len="med"/>
-                    </a:lnR>
-                    <a:lnT w="12700" cap="flat" cmpd="sng" algn="ctr">
-                      <a:solidFill>
-                        <a:srgbClr val="000000"/>
-                      </a:solidFill>
-                      <a:prstDash val="solid"/>
-                      <a:round/>
-                      <a:headEnd type="none" w="med" len="med"/>
-                      <a:tailEnd type="none" w="med" len="med"/>
-                    </a:lnT>
-                    <a:lnB w="12700" cap="flat" cmpd="sng" algn="ctr">
-                      <a:solidFill>
-                        <a:srgbClr val="000000"/>
-                      </a:solidFill>
-                      <a:prstDash val="solid"/>
-                      <a:round/>
-                      <a:headEnd type="none" w="med" len="med"/>
-                      <a:tailEnd type="none" w="med" len="med"/>
-                    </a:lnB>
-                  </a:tcPr>
-                </a:tc>
-                <a:tc>
-                  <a:txBody>
-                    <a:bodyPr/>
-                    <a:lstStyle/>
-                    <a:p>
-                      <a:pPr indent="450215" algn="ctr">
-                        <a:lnSpc>
-                          <a:spcPct val="150000"/>
-                        </a:lnSpc>
-                        <a:spcBef>
-                          <a:spcPts val="600"/>
-                        </a:spcBef>
-                        <a:spcAft>
-                          <a:spcPts val="600"/>
-                        </a:spcAft>
-                      </a:pPr>
-                      <a:r>
-                        <a:rPr lang="pl-PL" sz="2400" dirty="0" err="1">
-                          <a:effectLst/>
-                          <a:latin typeface="Times New Roman"/>
-                          <a:ea typeface="Times New Roman"/>
-                        </a:rPr>
-                        <a:t>Models</a:t>
-                      </a:r>
-                      <a:r>
-                        <a:rPr lang="pl-PL" sz="2400" dirty="0">
-                          <a:effectLst/>
-                          <a:latin typeface="Times New Roman"/>
-                          <a:ea typeface="Times New Roman"/>
-                        </a:rPr>
-                        <a:t>/</a:t>
-                      </a:r>
-                      <a:r>
-                        <a:rPr lang="pl-PL" sz="2400" dirty="0" err="1">
-                          <a:effectLst/>
-                          <a:latin typeface="Times New Roman"/>
-                          <a:ea typeface="Times New Roman"/>
-                        </a:rPr>
-                        <a:t>Domain</a:t>
-                      </a:r>
-                      <a:endParaRPr lang="pl-PL" sz="2400" dirty="0">
-                        <a:effectLst/>
-                        <a:latin typeface="Times New Roman"/>
-                        <a:ea typeface="Times New Roman"/>
-                      </a:endParaRPr>
-                    </a:p>
-                  </a:txBody>
-                  <a:tcPr marL="68580" marR="68580" marT="0" marB="0">
-                    <a:lnL w="12700" cap="flat" cmpd="sng" algn="ctr">
-                      <a:solidFill>
-                        <a:srgbClr val="000000"/>
-                      </a:solidFill>
-                      <a:prstDash val="solid"/>
-                      <a:round/>
-                      <a:headEnd type="none" w="med" len="med"/>
-                      <a:tailEnd type="none" w="med" len="med"/>
-                    </a:lnL>
-                    <a:lnR w="12700" cap="flat" cmpd="sng" algn="ctr">
-                      <a:solidFill>
-                        <a:srgbClr val="000000"/>
-                      </a:solidFill>
-                      <a:prstDash val="solid"/>
-                      <a:round/>
-                      <a:headEnd type="none" w="med" len="med"/>
-                      <a:tailEnd type="none" w="med" len="med"/>
-                    </a:lnR>
-                    <a:lnT w="12700" cap="flat" cmpd="sng" algn="ctr">
-                      <a:solidFill>
-                        <a:srgbClr val="000000"/>
-                      </a:solidFill>
-                      <a:prstDash val="solid"/>
-                      <a:round/>
-                      <a:headEnd type="none" w="med" len="med"/>
-                      <a:tailEnd type="none" w="med" len="med"/>
-                    </a:lnT>
-                    <a:lnB w="12700" cap="flat" cmpd="sng" algn="ctr">
-                      <a:solidFill>
-                        <a:srgbClr val="000000"/>
-                      </a:solidFill>
-                      <a:prstDash val="solid"/>
-                      <a:round/>
-                      <a:headEnd type="none" w="med" len="med"/>
-                      <a:tailEnd type="none" w="med" len="med"/>
-                    </a:lnB>
-                  </a:tcPr>
-                </a:tc>
-              </a:tr>
-            </a:tbl>
-          </a:graphicData>
-        </a:graphic>
-      </p:graphicFrame>
+      <p:pic>
+        <p:nvPicPr>
+          <p:cNvPr id="1027" name="Picture 3"/>
+          <p:cNvPicPr>
+            <a:picLocks noChangeAspect="1" noChangeArrowheads="1"/>
+          </p:cNvPicPr>
+          <p:nvPr/>
+        </p:nvPicPr>
+        <p:blipFill>
+          <a:blip r:embed="rId3" cstate="print">
+            <a:extLst>
+              <a:ext uri="{28A0092B-C50C-407E-A947-70E740481C1C}">
+                <a14:useLocalDpi xmlns:a14="http://schemas.microsoft.com/office/drawing/2010/main" val="0"/>
+              </a:ext>
+            </a:extLst>
+          </a:blip>
+          <a:srcRect/>
+          <a:stretch>
+            <a:fillRect/>
+          </a:stretch>
+        </p:blipFill>
+        <p:spPr bwMode="auto">
+          <a:xfrm>
+            <a:off x="1115616" y="2323257"/>
+            <a:ext cx="5895975" cy="2401887"/>
+          </a:xfrm>
+          <a:prstGeom prst="rect">
+            <a:avLst/>
+          </a:prstGeom>
+          <a:noFill/>
+          <a:ln>
+            <a:noFill/>
+          </a:ln>
+          <a:effectLst/>
+          <a:extLst>
+            <a:ext uri="{909E8E84-426E-40DD-AFC4-6F175D3DCCD1}">
+              <a14:hiddenFill xmlns:a14="http://schemas.microsoft.com/office/drawing/2010/main">
+                <a:solidFill>
+                  <a:schemeClr val="accent1"/>
+                </a:solidFill>
+              </a14:hiddenFill>
+            </a:ext>
+            <a:ext uri="{91240B29-F687-4F45-9708-019B960494DF}">
+              <a14:hiddenLine xmlns:a14="http://schemas.microsoft.com/office/drawing/2010/main" w="9525">
+                <a:solidFill>
+                  <a:schemeClr val="tx1"/>
+                </a:solidFill>
+                <a:miter lim="800000"/>
+                <a:headEnd/>
+                <a:tailEnd/>
+              </a14:hiddenLine>
+            </a:ext>
+            <a:ext uri="{AF507438-7753-43E0-B8FC-AC1667EBCBE1}">
+              <a14:hiddenEffects xmlns:a14="http://schemas.microsoft.com/office/drawing/2010/main">
+                <a:effectLst>
+                  <a:outerShdw dist="35921" dir="2700000" algn="ctr" rotWithShape="0">
+                    <a:schemeClr val="bg2"/>
+                  </a:outerShdw>
+                </a:effectLst>
+              </a14:hiddenEffects>
+            </a:ext>
+          </a:extLst>
+        </p:spPr>
+      </p:pic>
     </p:spTree>
     <p:extLst>
       <p:ext uri="{BB962C8B-B14F-4D97-AF65-F5344CB8AC3E}">
@@ -8719,1181 +8369,6 @@
           </a:p>
         </p:txBody>
       </p:sp>
-      <p:graphicFrame>
-        <p:nvGraphicFramePr>
-          <p:cNvPr id="6" name="Tabela 5"/>
-          <p:cNvGraphicFramePr>
-            <a:graphicFrameLocks noGrp="1"/>
-          </p:cNvGraphicFramePr>
-          <p:nvPr>
-            <p:extLst>
-              <p:ext uri="{D42A27DB-BD31-4B8C-83A1-F6EECF244321}">
-                <p14:modId xmlns:p14="http://schemas.microsoft.com/office/powerpoint/2010/main" val="3961986642"/>
-              </p:ext>
-            </p:extLst>
-          </p:nvPr>
-        </p:nvGraphicFramePr>
-        <p:xfrm>
-          <a:off x="467544" y="1484784"/>
-          <a:ext cx="8208912" cy="3600400"/>
-        </p:xfrm>
-        <a:graphic>
-          <a:graphicData uri="http://schemas.openxmlformats.org/drawingml/2006/table">
-            <a:tbl>
-              <a:tblPr firstRow="1" firstCol="1" bandRow="1"/>
-              <a:tblGrid>
-                <a:gridCol w="1421640"/>
-                <a:gridCol w="2308397"/>
-                <a:gridCol w="877033"/>
-                <a:gridCol w="2002497"/>
-                <a:gridCol w="1599345"/>
-              </a:tblGrid>
-              <a:tr h="562106">
-                <a:tc gridSpan="2">
-                  <a:txBody>
-                    <a:bodyPr/>
-                    <a:lstStyle/>
-                    <a:p>
-                      <a:pPr indent="450215" algn="ctr">
-                        <a:lnSpc>
-                          <a:spcPct val="150000"/>
-                        </a:lnSpc>
-                        <a:spcBef>
-                          <a:spcPts val="600"/>
-                        </a:spcBef>
-                        <a:spcAft>
-                          <a:spcPts val="600"/>
-                        </a:spcAft>
-                      </a:pPr>
-                      <a:r>
-                        <a:rPr lang="pl-PL" sz="1600" baseline="0" dirty="0">
-                          <a:effectLst/>
-                          <a:latin typeface="Times New Roman"/>
-                          <a:ea typeface="Times New Roman"/>
-                        </a:rPr>
-                        <a:t>Application</a:t>
-                      </a:r>
-                    </a:p>
-                  </a:txBody>
-                  <a:tcPr marL="68580" marR="68580" marT="0" marB="0" anchor="ctr">
-                    <a:lnL w="12700" cap="flat" cmpd="sng" algn="ctr">
-                      <a:solidFill>
-                        <a:srgbClr val="000000"/>
-                      </a:solidFill>
-                      <a:prstDash val="solid"/>
-                      <a:round/>
-                      <a:headEnd type="none" w="med" len="med"/>
-                      <a:tailEnd type="none" w="med" len="med"/>
-                    </a:lnL>
-                    <a:lnR w="12700" cap="flat" cmpd="sng" algn="ctr">
-                      <a:solidFill>
-                        <a:srgbClr val="000000"/>
-                      </a:solidFill>
-                      <a:prstDash val="solid"/>
-                      <a:round/>
-                      <a:headEnd type="none" w="med" len="med"/>
-                      <a:tailEnd type="none" w="med" len="med"/>
-                    </a:lnR>
-                    <a:lnT w="12700" cap="flat" cmpd="sng" algn="ctr">
-                      <a:solidFill>
-                        <a:srgbClr val="000000"/>
-                      </a:solidFill>
-                      <a:prstDash val="solid"/>
-                      <a:round/>
-                      <a:headEnd type="none" w="med" len="med"/>
-                      <a:tailEnd type="none" w="med" len="med"/>
-                    </a:lnT>
-                    <a:lnB w="12700" cap="flat" cmpd="sng" algn="ctr">
-                      <a:solidFill>
-                        <a:srgbClr val="000000"/>
-                      </a:solidFill>
-                      <a:prstDash val="solid"/>
-                      <a:round/>
-                      <a:headEnd type="none" w="med" len="med"/>
-                      <a:tailEnd type="none" w="med" len="med"/>
-                    </a:lnB>
-                  </a:tcPr>
-                </a:tc>
-                <a:tc hMerge="1">
-                  <a:txBody>
-                    <a:bodyPr/>
-                    <a:lstStyle/>
-                    <a:p>
-                      <a:endParaRPr lang="pl-PL"/>
-                    </a:p>
-                  </a:txBody>
-                  <a:tcPr/>
-                </a:tc>
-                <a:tc>
-                  <a:txBody>
-                    <a:bodyPr/>
-                    <a:lstStyle/>
-                    <a:p>
-                      <a:pPr indent="450215" algn="ctr">
-                        <a:lnSpc>
-                          <a:spcPct val="150000"/>
-                        </a:lnSpc>
-                        <a:spcBef>
-                          <a:spcPts val="600"/>
-                        </a:spcBef>
-                        <a:spcAft>
-                          <a:spcPts val="600"/>
-                        </a:spcAft>
-                      </a:pPr>
-                      <a:r>
-                        <a:rPr lang="pl-PL" sz="1600" baseline="0">
-                          <a:effectLst/>
-                          <a:latin typeface="Times New Roman"/>
-                          <a:ea typeface="Times New Roman"/>
-                        </a:rPr>
-                        <a:t> </a:t>
-                      </a:r>
-                    </a:p>
-                  </a:txBody>
-                  <a:tcPr marL="68580" marR="68580" marT="0" marB="0" anchor="ctr">
-                    <a:lnL w="12700" cap="flat" cmpd="sng" algn="ctr">
-                      <a:solidFill>
-                        <a:srgbClr val="000000"/>
-                      </a:solidFill>
-                      <a:prstDash val="solid"/>
-                      <a:round/>
-                      <a:headEnd type="none" w="med" len="med"/>
-                      <a:tailEnd type="none" w="med" len="med"/>
-                    </a:lnL>
-                    <a:lnR w="12700" cap="flat" cmpd="sng" algn="ctr">
-                      <a:solidFill>
-                        <a:srgbClr val="000000"/>
-                      </a:solidFill>
-                      <a:prstDash val="solid"/>
-                      <a:round/>
-                      <a:headEnd type="none" w="med" len="med"/>
-                      <a:tailEnd type="none" w="med" len="med"/>
-                    </a:lnR>
-                    <a:lnT>
-                      <a:noFill/>
-                    </a:lnT>
-                    <a:lnB>
-                      <a:noFill/>
-                    </a:lnB>
-                  </a:tcPr>
-                </a:tc>
-                <a:tc gridSpan="2">
-                  <a:txBody>
-                    <a:bodyPr/>
-                    <a:lstStyle/>
-                    <a:p>
-                      <a:pPr indent="450215" algn="ctr">
-                        <a:lnSpc>
-                          <a:spcPct val="150000"/>
-                        </a:lnSpc>
-                        <a:spcBef>
-                          <a:spcPts val="600"/>
-                        </a:spcBef>
-                        <a:spcAft>
-                          <a:spcPts val="600"/>
-                        </a:spcAft>
-                      </a:pPr>
-                      <a:r>
-                        <a:rPr lang="pl-PL" sz="1600" baseline="0">
-                          <a:effectLst/>
-                          <a:latin typeface="Times New Roman"/>
-                          <a:ea typeface="Times New Roman"/>
-                        </a:rPr>
-                        <a:t>Android Application</a:t>
-                      </a:r>
-                    </a:p>
-                  </a:txBody>
-                  <a:tcPr marL="68580" marR="68580" marT="0" marB="0" anchor="ctr">
-                    <a:lnL w="12700" cap="flat" cmpd="sng" algn="ctr">
-                      <a:solidFill>
-                        <a:srgbClr val="000000"/>
-                      </a:solidFill>
-                      <a:prstDash val="solid"/>
-                      <a:round/>
-                      <a:headEnd type="none" w="med" len="med"/>
-                      <a:tailEnd type="none" w="med" len="med"/>
-                    </a:lnL>
-                    <a:lnR w="12700" cap="flat" cmpd="sng" algn="ctr">
-                      <a:solidFill>
-                        <a:srgbClr val="000000"/>
-                      </a:solidFill>
-                      <a:prstDash val="solid"/>
-                      <a:round/>
-                      <a:headEnd type="none" w="med" len="med"/>
-                      <a:tailEnd type="none" w="med" len="med"/>
-                    </a:lnR>
-                    <a:lnT w="12700" cap="flat" cmpd="sng" algn="ctr">
-                      <a:solidFill>
-                        <a:srgbClr val="000000"/>
-                      </a:solidFill>
-                      <a:prstDash val="solid"/>
-                      <a:round/>
-                      <a:headEnd type="none" w="med" len="med"/>
-                      <a:tailEnd type="none" w="med" len="med"/>
-                    </a:lnT>
-                    <a:lnB w="12700" cap="flat" cmpd="sng" algn="ctr">
-                      <a:solidFill>
-                        <a:srgbClr val="000000"/>
-                      </a:solidFill>
-                      <a:prstDash val="solid"/>
-                      <a:round/>
-                      <a:headEnd type="none" w="med" len="med"/>
-                      <a:tailEnd type="none" w="med" len="med"/>
-                    </a:lnB>
-                  </a:tcPr>
-                </a:tc>
-                <a:tc hMerge="1">
-                  <a:txBody>
-                    <a:bodyPr/>
-                    <a:lstStyle/>
-                    <a:p>
-                      <a:endParaRPr lang="pl-PL"/>
-                    </a:p>
-                  </a:txBody>
-                  <a:tcPr/>
-                </a:tc>
-              </a:tr>
-              <a:tr h="549766">
-                <a:tc gridSpan="2">
-                  <a:txBody>
-                    <a:bodyPr/>
-                    <a:lstStyle/>
-                    <a:p>
-                      <a:pPr indent="450215" algn="ctr">
-                        <a:lnSpc>
-                          <a:spcPct val="150000"/>
-                        </a:lnSpc>
-                        <a:spcBef>
-                          <a:spcPts val="600"/>
-                        </a:spcBef>
-                        <a:spcAft>
-                          <a:spcPts val="600"/>
-                        </a:spcAft>
-                      </a:pPr>
-                      <a:r>
-                        <a:rPr lang="pl-PL" sz="1600" baseline="0" dirty="0">
-                          <a:effectLst/>
-                          <a:latin typeface="Times New Roman"/>
-                          <a:ea typeface="Times New Roman"/>
-                        </a:rPr>
-                        <a:t>Networking</a:t>
-                      </a:r>
-                    </a:p>
-                  </a:txBody>
-                  <a:tcPr marL="68580" marR="68580" marT="0" marB="0" anchor="ctr">
-                    <a:lnL w="12700" cap="flat" cmpd="sng" algn="ctr">
-                      <a:solidFill>
-                        <a:srgbClr val="000000"/>
-                      </a:solidFill>
-                      <a:prstDash val="solid"/>
-                      <a:round/>
-                      <a:headEnd type="none" w="med" len="med"/>
-                      <a:tailEnd type="none" w="med" len="med"/>
-                    </a:lnL>
-                    <a:lnR w="12700" cap="flat" cmpd="sng" algn="ctr">
-                      <a:solidFill>
-                        <a:srgbClr val="000000"/>
-                      </a:solidFill>
-                      <a:prstDash val="solid"/>
-                      <a:round/>
-                      <a:headEnd type="none" w="med" len="med"/>
-                      <a:tailEnd type="none" w="med" len="med"/>
-                    </a:lnR>
-                    <a:lnT w="12700" cap="flat" cmpd="sng" algn="ctr">
-                      <a:solidFill>
-                        <a:srgbClr val="000000"/>
-                      </a:solidFill>
-                      <a:prstDash val="solid"/>
-                      <a:round/>
-                      <a:headEnd type="none" w="med" len="med"/>
-                      <a:tailEnd type="none" w="med" len="med"/>
-                    </a:lnT>
-                    <a:lnB w="12700" cap="flat" cmpd="sng" algn="ctr">
-                      <a:solidFill>
-                        <a:srgbClr val="000000"/>
-                      </a:solidFill>
-                      <a:prstDash val="solid"/>
-                      <a:round/>
-                      <a:headEnd type="none" w="med" len="med"/>
-                      <a:tailEnd type="none" w="med" len="med"/>
-                    </a:lnB>
-                  </a:tcPr>
-                </a:tc>
-                <a:tc hMerge="1">
-                  <a:txBody>
-                    <a:bodyPr/>
-                    <a:lstStyle/>
-                    <a:p>
-                      <a:endParaRPr lang="pl-PL"/>
-                    </a:p>
-                  </a:txBody>
-                  <a:tcPr/>
-                </a:tc>
-                <a:tc>
-                  <a:txBody>
-                    <a:bodyPr/>
-                    <a:lstStyle/>
-                    <a:p>
-                      <a:pPr indent="450215" algn="ctr">
-                        <a:lnSpc>
-                          <a:spcPct val="150000"/>
-                        </a:lnSpc>
-                        <a:spcBef>
-                          <a:spcPts val="600"/>
-                        </a:spcBef>
-                        <a:spcAft>
-                          <a:spcPts val="600"/>
-                        </a:spcAft>
-                      </a:pPr>
-                      <a:r>
-                        <a:rPr lang="pl-PL" sz="1600" baseline="0">
-                          <a:effectLst/>
-                          <a:latin typeface="Times New Roman"/>
-                          <a:ea typeface="Times New Roman"/>
-                        </a:rPr>
-                        <a:t> </a:t>
-                      </a:r>
-                    </a:p>
-                  </a:txBody>
-                  <a:tcPr marL="68580" marR="68580" marT="0" marB="0" anchor="ctr">
-                    <a:lnL w="12700" cap="flat" cmpd="sng" algn="ctr">
-                      <a:solidFill>
-                        <a:srgbClr val="000000"/>
-                      </a:solidFill>
-                      <a:prstDash val="solid"/>
-                      <a:round/>
-                      <a:headEnd type="none" w="med" len="med"/>
-                      <a:tailEnd type="none" w="med" len="med"/>
-                    </a:lnL>
-                    <a:lnR w="12700" cap="flat" cmpd="sng" algn="ctr">
-                      <a:solidFill>
-                        <a:srgbClr val="000000"/>
-                      </a:solidFill>
-                      <a:prstDash val="solid"/>
-                      <a:round/>
-                      <a:headEnd type="none" w="med" len="med"/>
-                      <a:tailEnd type="none" w="med" len="med"/>
-                    </a:lnR>
-                    <a:lnT>
-                      <a:noFill/>
-                    </a:lnT>
-                    <a:lnB>
-                      <a:noFill/>
-                    </a:lnB>
-                  </a:tcPr>
-                </a:tc>
-                <a:tc>
-                  <a:txBody>
-                    <a:bodyPr/>
-                    <a:lstStyle/>
-                    <a:p>
-                      <a:pPr indent="450215" algn="ctr">
-                        <a:lnSpc>
-                          <a:spcPct val="150000"/>
-                        </a:lnSpc>
-                        <a:spcBef>
-                          <a:spcPts val="600"/>
-                        </a:spcBef>
-                        <a:spcAft>
-                          <a:spcPts val="600"/>
-                        </a:spcAft>
-                      </a:pPr>
-                      <a:r>
-                        <a:rPr lang="pl-PL" sz="1600" baseline="0">
-                          <a:effectLst/>
-                          <a:latin typeface="Times New Roman"/>
-                          <a:ea typeface="Times New Roman"/>
-                        </a:rPr>
-                        <a:t>Application</a:t>
-                      </a:r>
-                    </a:p>
-                  </a:txBody>
-                  <a:tcPr marL="68580" marR="68580" marT="0" marB="0" anchor="ctr">
-                    <a:lnL w="12700" cap="flat" cmpd="sng" algn="ctr">
-                      <a:solidFill>
-                        <a:srgbClr val="000000"/>
-                      </a:solidFill>
-                      <a:prstDash val="solid"/>
-                      <a:round/>
-                      <a:headEnd type="none" w="med" len="med"/>
-                      <a:tailEnd type="none" w="med" len="med"/>
-                    </a:lnL>
-                    <a:lnR w="12700" cap="flat" cmpd="sng" algn="ctr">
-                      <a:solidFill>
-                        <a:srgbClr val="000000"/>
-                      </a:solidFill>
-                      <a:prstDash val="solid"/>
-                      <a:round/>
-                      <a:headEnd type="none" w="med" len="med"/>
-                      <a:tailEnd type="none" w="med" len="med"/>
-                    </a:lnR>
-                    <a:lnT w="12700" cap="flat" cmpd="sng" algn="ctr">
-                      <a:solidFill>
-                        <a:srgbClr val="000000"/>
-                      </a:solidFill>
-                      <a:prstDash val="solid"/>
-                      <a:round/>
-                      <a:headEnd type="none" w="med" len="med"/>
-                      <a:tailEnd type="none" w="med" len="med"/>
-                    </a:lnT>
-                    <a:lnB w="12700" cap="flat" cmpd="sng" algn="ctr">
-                      <a:solidFill>
-                        <a:srgbClr val="000000"/>
-                      </a:solidFill>
-                      <a:prstDash val="solid"/>
-                      <a:round/>
-                      <a:headEnd type="none" w="med" len="med"/>
-                      <a:tailEnd type="none" w="med" len="med"/>
-                    </a:lnB>
-                  </a:tcPr>
-                </a:tc>
-                <a:tc rowSpan="4">
-                  <a:txBody>
-                    <a:bodyPr/>
-                    <a:lstStyle/>
-                    <a:p>
-                      <a:pPr indent="450215" algn="ctr">
-                        <a:lnSpc>
-                          <a:spcPct val="150000"/>
-                        </a:lnSpc>
-                        <a:spcBef>
-                          <a:spcPts val="600"/>
-                        </a:spcBef>
-                        <a:spcAft>
-                          <a:spcPts val="600"/>
-                        </a:spcAft>
-                      </a:pPr>
-                      <a:r>
-                        <a:rPr lang="pl-PL" sz="1600" baseline="0" dirty="0">
-                          <a:effectLst/>
-                          <a:latin typeface="Times New Roman"/>
-                          <a:ea typeface="Times New Roman"/>
-                        </a:rPr>
-                        <a:t>Android SDK</a:t>
-                      </a:r>
-                    </a:p>
-                  </a:txBody>
-                  <a:tcPr marL="68580" marR="68580" marT="0" marB="0" anchor="ctr">
-                    <a:lnL w="12700" cap="flat" cmpd="sng" algn="ctr">
-                      <a:solidFill>
-                        <a:srgbClr val="000000"/>
-                      </a:solidFill>
-                      <a:prstDash val="solid"/>
-                      <a:round/>
-                      <a:headEnd type="none" w="med" len="med"/>
-                      <a:tailEnd type="none" w="med" len="med"/>
-                    </a:lnL>
-                    <a:lnR w="12700" cap="flat" cmpd="sng" algn="ctr">
-                      <a:solidFill>
-                        <a:srgbClr val="000000"/>
-                      </a:solidFill>
-                      <a:prstDash val="solid"/>
-                      <a:round/>
-                      <a:headEnd type="none" w="med" len="med"/>
-                      <a:tailEnd type="none" w="med" len="med"/>
-                    </a:lnR>
-                    <a:lnT w="12700" cap="flat" cmpd="sng" algn="ctr">
-                      <a:solidFill>
-                        <a:srgbClr val="000000"/>
-                      </a:solidFill>
-                      <a:prstDash val="solid"/>
-                      <a:round/>
-                      <a:headEnd type="none" w="med" len="med"/>
-                      <a:tailEnd type="none" w="med" len="med"/>
-                    </a:lnT>
-                    <a:lnB w="12700" cap="flat" cmpd="sng" algn="ctr">
-                      <a:solidFill>
-                        <a:srgbClr val="000000"/>
-                      </a:solidFill>
-                      <a:prstDash val="solid"/>
-                      <a:round/>
-                      <a:headEnd type="none" w="med" len="med"/>
-                      <a:tailEnd type="none" w="med" len="med"/>
-                    </a:lnB>
-                  </a:tcPr>
-                </a:tc>
-              </a:tr>
-              <a:tr h="549766">
-                <a:tc gridSpan="2">
-                  <a:txBody>
-                    <a:bodyPr/>
-                    <a:lstStyle/>
-                    <a:p>
-                      <a:pPr indent="450215" algn="ctr">
-                        <a:lnSpc>
-                          <a:spcPct val="150000"/>
-                        </a:lnSpc>
-                        <a:spcBef>
-                          <a:spcPts val="600"/>
-                        </a:spcBef>
-                        <a:spcAft>
-                          <a:spcPts val="600"/>
-                        </a:spcAft>
-                      </a:pPr>
-                      <a:r>
-                        <a:rPr lang="pl-PL" sz="1600" baseline="0" dirty="0" err="1">
-                          <a:effectLst/>
-                          <a:latin typeface="Times New Roman"/>
-                          <a:ea typeface="Times New Roman"/>
-                        </a:rPr>
-                        <a:t>Persistance</a:t>
-                      </a:r>
-                      <a:endParaRPr lang="pl-PL" sz="1600" baseline="0" dirty="0">
-                        <a:effectLst/>
-                        <a:latin typeface="Times New Roman"/>
-                        <a:ea typeface="Times New Roman"/>
-                      </a:endParaRPr>
-                    </a:p>
-                  </a:txBody>
-                  <a:tcPr marL="68580" marR="68580" marT="0" marB="0" anchor="ctr">
-                    <a:lnL w="12700" cap="flat" cmpd="sng" algn="ctr">
-                      <a:solidFill>
-                        <a:srgbClr val="000000"/>
-                      </a:solidFill>
-                      <a:prstDash val="solid"/>
-                      <a:round/>
-                      <a:headEnd type="none" w="med" len="med"/>
-                      <a:tailEnd type="none" w="med" len="med"/>
-                    </a:lnL>
-                    <a:lnR w="12700" cap="flat" cmpd="sng" algn="ctr">
-                      <a:solidFill>
-                        <a:srgbClr val="000000"/>
-                      </a:solidFill>
-                      <a:prstDash val="solid"/>
-                      <a:round/>
-                      <a:headEnd type="none" w="med" len="med"/>
-                      <a:tailEnd type="none" w="med" len="med"/>
-                    </a:lnR>
-                    <a:lnT w="12700" cap="flat" cmpd="sng" algn="ctr">
-                      <a:solidFill>
-                        <a:srgbClr val="000000"/>
-                      </a:solidFill>
-                      <a:prstDash val="solid"/>
-                      <a:round/>
-                      <a:headEnd type="none" w="med" len="med"/>
-                      <a:tailEnd type="none" w="med" len="med"/>
-                    </a:lnT>
-                    <a:lnB w="12700" cap="flat" cmpd="sng" algn="ctr">
-                      <a:solidFill>
-                        <a:srgbClr val="000000"/>
-                      </a:solidFill>
-                      <a:prstDash val="solid"/>
-                      <a:round/>
-                      <a:headEnd type="none" w="med" len="med"/>
-                      <a:tailEnd type="none" w="med" len="med"/>
-                    </a:lnB>
-                  </a:tcPr>
-                </a:tc>
-                <a:tc hMerge="1">
-                  <a:txBody>
-                    <a:bodyPr/>
-                    <a:lstStyle/>
-                    <a:p>
-                      <a:endParaRPr lang="pl-PL"/>
-                    </a:p>
-                  </a:txBody>
-                  <a:tcPr/>
-                </a:tc>
-                <a:tc>
-                  <a:txBody>
-                    <a:bodyPr/>
-                    <a:lstStyle/>
-                    <a:p>
-                      <a:pPr indent="450215" algn="ctr">
-                        <a:lnSpc>
-                          <a:spcPct val="150000"/>
-                        </a:lnSpc>
-                        <a:spcBef>
-                          <a:spcPts val="600"/>
-                        </a:spcBef>
-                        <a:spcAft>
-                          <a:spcPts val="600"/>
-                        </a:spcAft>
-                      </a:pPr>
-                      <a:endParaRPr lang="pl-PL" sz="1600" baseline="0">
-                        <a:effectLst/>
-                        <a:latin typeface="Times New Roman"/>
-                        <a:ea typeface="Times New Roman"/>
-                      </a:endParaRPr>
-                    </a:p>
-                  </a:txBody>
-                  <a:tcPr marL="68580" marR="68580" marT="0" marB="0" anchor="ctr">
-                    <a:lnL w="12700" cap="flat" cmpd="sng" algn="ctr">
-                      <a:solidFill>
-                        <a:srgbClr val="000000"/>
-                      </a:solidFill>
-                      <a:prstDash val="solid"/>
-                      <a:round/>
-                      <a:headEnd type="none" w="med" len="med"/>
-                      <a:tailEnd type="none" w="med" len="med"/>
-                    </a:lnL>
-                    <a:lnR w="12700" cap="flat" cmpd="sng" algn="ctr">
-                      <a:solidFill>
-                        <a:srgbClr val="000000"/>
-                      </a:solidFill>
-                      <a:prstDash val="solid"/>
-                      <a:round/>
-                      <a:headEnd type="none" w="med" len="med"/>
-                      <a:tailEnd type="none" w="med" len="med"/>
-                    </a:lnR>
-                    <a:lnT>
-                      <a:noFill/>
-                    </a:lnT>
-                    <a:lnB>
-                      <a:noFill/>
-                    </a:lnB>
-                  </a:tcPr>
-                </a:tc>
-                <a:tc>
-                  <a:txBody>
-                    <a:bodyPr/>
-                    <a:lstStyle/>
-                    <a:p>
-                      <a:pPr indent="450215" algn="ctr">
-                        <a:lnSpc>
-                          <a:spcPct val="150000"/>
-                        </a:lnSpc>
-                        <a:spcBef>
-                          <a:spcPts val="600"/>
-                        </a:spcBef>
-                        <a:spcAft>
-                          <a:spcPts val="600"/>
-                        </a:spcAft>
-                      </a:pPr>
-                      <a:r>
-                        <a:rPr lang="pl-PL" sz="1600" baseline="0">
-                          <a:effectLst/>
-                          <a:latin typeface="Times New Roman"/>
-                          <a:ea typeface="Times New Roman"/>
-                        </a:rPr>
-                        <a:t>Networking</a:t>
-                      </a:r>
-                    </a:p>
-                  </a:txBody>
-                  <a:tcPr marL="68580" marR="68580" marT="0" marB="0" anchor="ctr">
-                    <a:lnL w="12700" cap="flat" cmpd="sng" algn="ctr">
-                      <a:solidFill>
-                        <a:srgbClr val="000000"/>
-                      </a:solidFill>
-                      <a:prstDash val="solid"/>
-                      <a:round/>
-                      <a:headEnd type="none" w="med" len="med"/>
-                      <a:tailEnd type="none" w="med" len="med"/>
-                    </a:lnL>
-                    <a:lnR w="12700" cap="flat" cmpd="sng" algn="ctr">
-                      <a:solidFill>
-                        <a:srgbClr val="000000"/>
-                      </a:solidFill>
-                      <a:prstDash val="solid"/>
-                      <a:round/>
-                      <a:headEnd type="none" w="med" len="med"/>
-                      <a:tailEnd type="none" w="med" len="med"/>
-                    </a:lnR>
-                    <a:lnT w="12700" cap="flat" cmpd="sng" algn="ctr">
-                      <a:solidFill>
-                        <a:srgbClr val="000000"/>
-                      </a:solidFill>
-                      <a:prstDash val="solid"/>
-                      <a:round/>
-                      <a:headEnd type="none" w="med" len="med"/>
-                      <a:tailEnd type="none" w="med" len="med"/>
-                    </a:lnT>
-                    <a:lnB w="12700" cap="flat" cmpd="sng" algn="ctr">
-                      <a:solidFill>
-                        <a:srgbClr val="000000"/>
-                      </a:solidFill>
-                      <a:prstDash val="solid"/>
-                      <a:round/>
-                      <a:headEnd type="none" w="med" len="med"/>
-                      <a:tailEnd type="none" w="med" len="med"/>
-                    </a:lnB>
-                  </a:tcPr>
-                </a:tc>
-                <a:tc vMerge="1">
-                  <a:txBody>
-                    <a:bodyPr/>
-                    <a:lstStyle/>
-                    <a:p>
-                      <a:endParaRPr lang="pl-PL"/>
-                    </a:p>
-                  </a:txBody>
-                  <a:tcPr/>
-                </a:tc>
-              </a:tr>
-              <a:tr h="969381">
-                <a:tc>
-                  <a:txBody>
-                    <a:bodyPr/>
-                    <a:lstStyle/>
-                    <a:p>
-                      <a:pPr indent="450215" algn="ctr">
-                        <a:lnSpc>
-                          <a:spcPct val="150000"/>
-                        </a:lnSpc>
-                        <a:spcBef>
-                          <a:spcPts val="600"/>
-                        </a:spcBef>
-                        <a:spcAft>
-                          <a:spcPts val="600"/>
-                        </a:spcAft>
-                      </a:pPr>
-                      <a:r>
-                        <a:rPr lang="pl-PL" sz="1600" baseline="0" dirty="0" smtClean="0">
-                          <a:effectLst/>
-                          <a:latin typeface="Times New Roman"/>
-                          <a:ea typeface="Times New Roman"/>
-                        </a:rPr>
-                        <a:t>Android </a:t>
-                      </a:r>
-                      <a:r>
-                        <a:rPr lang="pl-PL" sz="1600" baseline="0" dirty="0">
-                          <a:effectLst/>
-                          <a:latin typeface="Times New Roman"/>
-                          <a:ea typeface="Times New Roman"/>
-                        </a:rPr>
-                        <a:t>SDK</a:t>
-                      </a:r>
-                    </a:p>
-                  </a:txBody>
-                  <a:tcPr marL="68580" marR="68580" marT="0" marB="0" anchor="ctr">
-                    <a:lnL w="12700" cap="flat" cmpd="sng" algn="ctr">
-                      <a:solidFill>
-                        <a:srgbClr val="000000"/>
-                      </a:solidFill>
-                      <a:prstDash val="solid"/>
-                      <a:round/>
-                      <a:headEnd type="none" w="med" len="med"/>
-                      <a:tailEnd type="none" w="med" len="med"/>
-                    </a:lnL>
-                    <a:lnR w="12700" cap="flat" cmpd="sng" algn="ctr">
-                      <a:solidFill>
-                        <a:srgbClr val="000000"/>
-                      </a:solidFill>
-                      <a:prstDash val="solid"/>
-                      <a:round/>
-                      <a:headEnd type="none" w="med" len="med"/>
-                      <a:tailEnd type="none" w="med" len="med"/>
-                    </a:lnR>
-                    <a:lnT w="12700" cap="flat" cmpd="sng" algn="ctr">
-                      <a:solidFill>
-                        <a:srgbClr val="000000"/>
-                      </a:solidFill>
-                      <a:prstDash val="solid"/>
-                      <a:round/>
-                      <a:headEnd type="none" w="med" len="med"/>
-                      <a:tailEnd type="none" w="med" len="med"/>
-                    </a:lnT>
-                    <a:lnB w="12700" cap="flat" cmpd="sng" algn="ctr">
-                      <a:solidFill>
-                        <a:srgbClr val="000000"/>
-                      </a:solidFill>
-                      <a:prstDash val="solid"/>
-                      <a:round/>
-                      <a:headEnd type="none" w="med" len="med"/>
-                      <a:tailEnd type="none" w="med" len="med"/>
-                    </a:lnB>
-                  </a:tcPr>
-                </a:tc>
-                <a:tc>
-                  <a:txBody>
-                    <a:bodyPr/>
-                    <a:lstStyle/>
-                    <a:p>
-                      <a:pPr indent="450215" algn="ctr">
-                        <a:lnSpc>
-                          <a:spcPct val="150000"/>
-                        </a:lnSpc>
-                        <a:spcBef>
-                          <a:spcPts val="600"/>
-                        </a:spcBef>
-                        <a:spcAft>
-                          <a:spcPts val="600"/>
-                        </a:spcAft>
-                      </a:pPr>
-                      <a:r>
-                        <a:rPr lang="pl-PL" sz="1600" baseline="0">
-                          <a:effectLst/>
-                          <a:latin typeface="Times New Roman"/>
-                          <a:ea typeface="Times New Roman"/>
-                        </a:rPr>
-                        <a:t>Models/Domain</a:t>
-                      </a:r>
-                    </a:p>
-                  </a:txBody>
-                  <a:tcPr marL="68580" marR="68580" marT="0" marB="0" anchor="ctr">
-                    <a:lnL w="12700" cap="flat" cmpd="sng" algn="ctr">
-                      <a:solidFill>
-                        <a:srgbClr val="000000"/>
-                      </a:solidFill>
-                      <a:prstDash val="solid"/>
-                      <a:round/>
-                      <a:headEnd type="none" w="med" len="med"/>
-                      <a:tailEnd type="none" w="med" len="med"/>
-                    </a:lnL>
-                    <a:lnR w="12700" cap="flat" cmpd="sng" algn="ctr">
-                      <a:solidFill>
-                        <a:srgbClr val="000000"/>
-                      </a:solidFill>
-                      <a:prstDash val="solid"/>
-                      <a:round/>
-                      <a:headEnd type="none" w="med" len="med"/>
-                      <a:tailEnd type="none" w="med" len="med"/>
-                    </a:lnR>
-                    <a:lnT w="12700" cap="flat" cmpd="sng" algn="ctr">
-                      <a:solidFill>
-                        <a:srgbClr val="000000"/>
-                      </a:solidFill>
-                      <a:prstDash val="solid"/>
-                      <a:round/>
-                      <a:headEnd type="none" w="med" len="med"/>
-                      <a:tailEnd type="none" w="med" len="med"/>
-                    </a:lnT>
-                    <a:lnB w="12700" cap="flat" cmpd="sng" algn="ctr">
-                      <a:solidFill>
-                        <a:srgbClr val="000000"/>
-                      </a:solidFill>
-                      <a:prstDash val="solid"/>
-                      <a:round/>
-                      <a:headEnd type="none" w="med" len="med"/>
-                      <a:tailEnd type="none" w="med" len="med"/>
-                    </a:lnB>
-                  </a:tcPr>
-                </a:tc>
-                <a:tc>
-                  <a:txBody>
-                    <a:bodyPr/>
-                    <a:lstStyle/>
-                    <a:p>
-                      <a:pPr indent="450215" algn="ctr">
-                        <a:lnSpc>
-                          <a:spcPct val="150000"/>
-                        </a:lnSpc>
-                        <a:spcBef>
-                          <a:spcPts val="600"/>
-                        </a:spcBef>
-                        <a:spcAft>
-                          <a:spcPts val="600"/>
-                        </a:spcAft>
-                      </a:pPr>
-                      <a:r>
-                        <a:rPr lang="pl-PL" sz="1600" baseline="0">
-                          <a:effectLst/>
-                          <a:latin typeface="Times New Roman"/>
-                          <a:ea typeface="Times New Roman"/>
-                        </a:rPr>
-                        <a:t> </a:t>
-                      </a:r>
-                    </a:p>
-                  </a:txBody>
-                  <a:tcPr marL="68580" marR="68580" marT="0" marB="0" anchor="ctr">
-                    <a:lnL w="12700" cap="flat" cmpd="sng" algn="ctr">
-                      <a:solidFill>
-                        <a:srgbClr val="000000"/>
-                      </a:solidFill>
-                      <a:prstDash val="solid"/>
-                      <a:round/>
-                      <a:headEnd type="none" w="med" len="med"/>
-                      <a:tailEnd type="none" w="med" len="med"/>
-                    </a:lnL>
-                    <a:lnR w="12700" cap="flat" cmpd="sng" algn="ctr">
-                      <a:solidFill>
-                        <a:srgbClr val="000000"/>
-                      </a:solidFill>
-                      <a:prstDash val="solid"/>
-                      <a:round/>
-                      <a:headEnd type="none" w="med" len="med"/>
-                      <a:tailEnd type="none" w="med" len="med"/>
-                    </a:lnR>
-                    <a:lnT>
-                      <a:noFill/>
-                    </a:lnT>
-                    <a:lnB>
-                      <a:noFill/>
-                    </a:lnB>
-                  </a:tcPr>
-                </a:tc>
-                <a:tc>
-                  <a:txBody>
-                    <a:bodyPr/>
-                    <a:lstStyle/>
-                    <a:p>
-                      <a:pPr indent="450215" algn="ctr">
-                        <a:lnSpc>
-                          <a:spcPct val="150000"/>
-                        </a:lnSpc>
-                        <a:spcBef>
-                          <a:spcPts val="600"/>
-                        </a:spcBef>
-                        <a:spcAft>
-                          <a:spcPts val="600"/>
-                        </a:spcAft>
-                      </a:pPr>
-                      <a:r>
-                        <a:rPr lang="pl-PL" sz="1600" baseline="0">
-                          <a:effectLst/>
-                          <a:latin typeface="Times New Roman"/>
-                          <a:ea typeface="Times New Roman"/>
-                        </a:rPr>
-                        <a:t>Persistance</a:t>
-                      </a:r>
-                    </a:p>
-                  </a:txBody>
-                  <a:tcPr marL="68580" marR="68580" marT="0" marB="0" anchor="ctr">
-                    <a:lnL w="12700" cap="flat" cmpd="sng" algn="ctr">
-                      <a:solidFill>
-                        <a:srgbClr val="000000"/>
-                      </a:solidFill>
-                      <a:prstDash val="solid"/>
-                      <a:round/>
-                      <a:headEnd type="none" w="med" len="med"/>
-                      <a:tailEnd type="none" w="med" len="med"/>
-                    </a:lnL>
-                    <a:lnR w="12700" cap="flat" cmpd="sng" algn="ctr">
-                      <a:solidFill>
-                        <a:srgbClr val="000000"/>
-                      </a:solidFill>
-                      <a:prstDash val="solid"/>
-                      <a:round/>
-                      <a:headEnd type="none" w="med" len="med"/>
-                      <a:tailEnd type="none" w="med" len="med"/>
-                    </a:lnR>
-                    <a:lnT w="12700" cap="flat" cmpd="sng" algn="ctr">
-                      <a:solidFill>
-                        <a:srgbClr val="000000"/>
-                      </a:solidFill>
-                      <a:prstDash val="solid"/>
-                      <a:round/>
-                      <a:headEnd type="none" w="med" len="med"/>
-                      <a:tailEnd type="none" w="med" len="med"/>
-                    </a:lnT>
-                    <a:lnB w="12700" cap="flat" cmpd="sng" algn="ctr">
-                      <a:solidFill>
-                        <a:srgbClr val="000000"/>
-                      </a:solidFill>
-                      <a:prstDash val="solid"/>
-                      <a:round/>
-                      <a:headEnd type="none" w="med" len="med"/>
-                      <a:tailEnd type="none" w="med" len="med"/>
-                    </a:lnB>
-                  </a:tcPr>
-                </a:tc>
-                <a:tc vMerge="1">
-                  <a:txBody>
-                    <a:bodyPr/>
-                    <a:lstStyle/>
-                    <a:p>
-                      <a:endParaRPr lang="pl-PL"/>
-                    </a:p>
-                  </a:txBody>
-                  <a:tcPr/>
-                </a:tc>
-              </a:tr>
-              <a:tr h="969381">
-                <a:tc gridSpan="2">
-                  <a:txBody>
-                    <a:bodyPr/>
-                    <a:lstStyle/>
-                    <a:p>
-                      <a:pPr indent="450215" algn="ctr">
-                        <a:lnSpc>
-                          <a:spcPct val="150000"/>
-                        </a:lnSpc>
-                        <a:spcBef>
-                          <a:spcPts val="600"/>
-                        </a:spcBef>
-                        <a:spcAft>
-                          <a:spcPts val="600"/>
-                        </a:spcAft>
-                      </a:pPr>
-                      <a:r>
-                        <a:rPr lang="pl-PL" sz="1600" baseline="0" dirty="0">
-                          <a:effectLst/>
-                          <a:latin typeface="Times New Roman"/>
-                          <a:ea typeface="Times New Roman"/>
-                        </a:rPr>
-                        <a:t> </a:t>
-                      </a:r>
-                    </a:p>
-                  </a:txBody>
-                  <a:tcPr marL="68580" marR="68580" marT="0" marB="0" anchor="ctr">
-                    <a:lnL>
-                      <a:noFill/>
-                    </a:lnL>
-                    <a:lnR>
-                      <a:noFill/>
-                    </a:lnR>
-                    <a:lnT w="12700" cap="flat" cmpd="sng" algn="ctr">
-                      <a:solidFill>
-                        <a:srgbClr val="000000"/>
-                      </a:solidFill>
-                      <a:prstDash val="solid"/>
-                      <a:round/>
-                      <a:headEnd type="none" w="med" len="med"/>
-                      <a:tailEnd type="none" w="med" len="med"/>
-                    </a:lnT>
-                    <a:lnB>
-                      <a:noFill/>
-                    </a:lnB>
-                  </a:tcPr>
-                </a:tc>
-                <a:tc hMerge="1">
-                  <a:txBody>
-                    <a:bodyPr/>
-                    <a:lstStyle/>
-                    <a:p>
-                      <a:endParaRPr lang="pl-PL"/>
-                    </a:p>
-                  </a:txBody>
-                  <a:tcPr/>
-                </a:tc>
-                <a:tc>
-                  <a:txBody>
-                    <a:bodyPr/>
-                    <a:lstStyle/>
-                    <a:p>
-                      <a:pPr indent="450215" algn="ctr">
-                        <a:lnSpc>
-                          <a:spcPct val="150000"/>
-                        </a:lnSpc>
-                        <a:spcBef>
-                          <a:spcPts val="600"/>
-                        </a:spcBef>
-                        <a:spcAft>
-                          <a:spcPts val="600"/>
-                        </a:spcAft>
-                      </a:pPr>
-                      <a:r>
-                        <a:rPr lang="pl-PL" sz="1600" baseline="0">
-                          <a:effectLst/>
-                          <a:latin typeface="Times New Roman"/>
-                          <a:ea typeface="Times New Roman"/>
-                        </a:rPr>
-                        <a:t> </a:t>
-                      </a:r>
-                    </a:p>
-                  </a:txBody>
-                  <a:tcPr marL="68580" marR="68580" marT="0" marB="0" anchor="ctr">
-                    <a:lnL>
-                      <a:noFill/>
-                    </a:lnL>
-                    <a:lnR w="12700" cap="flat" cmpd="sng" algn="ctr">
-                      <a:solidFill>
-                        <a:srgbClr val="000000"/>
-                      </a:solidFill>
-                      <a:prstDash val="solid"/>
-                      <a:round/>
-                      <a:headEnd type="none" w="med" len="med"/>
-                      <a:tailEnd type="none" w="med" len="med"/>
-                    </a:lnR>
-                    <a:lnT>
-                      <a:noFill/>
-                    </a:lnT>
-                    <a:lnB>
-                      <a:noFill/>
-                    </a:lnB>
-                  </a:tcPr>
-                </a:tc>
-                <a:tc>
-                  <a:txBody>
-                    <a:bodyPr/>
-                    <a:lstStyle/>
-                    <a:p>
-                      <a:pPr indent="450215" algn="ctr">
-                        <a:lnSpc>
-                          <a:spcPct val="150000"/>
-                        </a:lnSpc>
-                        <a:spcBef>
-                          <a:spcPts val="600"/>
-                        </a:spcBef>
-                        <a:spcAft>
-                          <a:spcPts val="600"/>
-                        </a:spcAft>
-                      </a:pPr>
-                      <a:r>
-                        <a:rPr lang="pl-PL" sz="1600" baseline="0" dirty="0" err="1">
-                          <a:effectLst/>
-                          <a:latin typeface="Times New Roman"/>
-                          <a:ea typeface="Times New Roman"/>
-                        </a:rPr>
-                        <a:t>Models</a:t>
-                      </a:r>
-                      <a:r>
-                        <a:rPr lang="pl-PL" sz="1600" baseline="0" dirty="0">
-                          <a:effectLst/>
-                          <a:latin typeface="Times New Roman"/>
-                          <a:ea typeface="Times New Roman"/>
-                        </a:rPr>
-                        <a:t>/</a:t>
-                      </a:r>
-                      <a:r>
-                        <a:rPr lang="pl-PL" sz="1600" baseline="0" dirty="0" err="1">
-                          <a:effectLst/>
-                          <a:latin typeface="Times New Roman"/>
-                          <a:ea typeface="Times New Roman"/>
-                        </a:rPr>
-                        <a:t>Domain</a:t>
-                      </a:r>
-                      <a:endParaRPr lang="pl-PL" sz="1600" baseline="0" dirty="0">
-                        <a:effectLst/>
-                        <a:latin typeface="Times New Roman"/>
-                        <a:ea typeface="Times New Roman"/>
-                      </a:endParaRPr>
-                    </a:p>
-                  </a:txBody>
-                  <a:tcPr marL="68580" marR="68580" marT="0" marB="0" anchor="ctr">
-                    <a:lnL w="12700" cap="flat" cmpd="sng" algn="ctr">
-                      <a:solidFill>
-                        <a:srgbClr val="000000"/>
-                      </a:solidFill>
-                      <a:prstDash val="solid"/>
-                      <a:round/>
-                      <a:headEnd type="none" w="med" len="med"/>
-                      <a:tailEnd type="none" w="med" len="med"/>
-                    </a:lnL>
-                    <a:lnR w="12700" cap="flat" cmpd="sng" algn="ctr">
-                      <a:solidFill>
-                        <a:srgbClr val="000000"/>
-                      </a:solidFill>
-                      <a:prstDash val="solid"/>
-                      <a:round/>
-                      <a:headEnd type="none" w="med" len="med"/>
-                      <a:tailEnd type="none" w="med" len="med"/>
-                    </a:lnR>
-                    <a:lnT w="12700" cap="flat" cmpd="sng" algn="ctr">
-                      <a:solidFill>
-                        <a:srgbClr val="000000"/>
-                      </a:solidFill>
-                      <a:prstDash val="solid"/>
-                      <a:round/>
-                      <a:headEnd type="none" w="med" len="med"/>
-                      <a:tailEnd type="none" w="med" len="med"/>
-                    </a:lnT>
-                    <a:lnB w="12700" cap="flat" cmpd="sng" algn="ctr">
-                      <a:solidFill>
-                        <a:srgbClr val="000000"/>
-                      </a:solidFill>
-                      <a:prstDash val="solid"/>
-                      <a:round/>
-                      <a:headEnd type="none" w="med" len="med"/>
-                      <a:tailEnd type="none" w="med" len="med"/>
-                    </a:lnB>
-                  </a:tcPr>
-                </a:tc>
-                <a:tc vMerge="1">
-                  <a:txBody>
-                    <a:bodyPr/>
-                    <a:lstStyle/>
-                    <a:p>
-                      <a:endParaRPr lang="pl-PL"/>
-                    </a:p>
-                  </a:txBody>
-                  <a:tcPr/>
-                </a:tc>
-              </a:tr>
-            </a:tbl>
-          </a:graphicData>
-        </a:graphic>
-      </p:graphicFrame>
       <p:sp>
         <p:nvSpPr>
           <p:cNvPr id="7" name="AutoShape 2"/>
@@ -9939,6 +8414,70 @@
           </a:p>
         </p:txBody>
       </p:sp>
+      <p:pic>
+        <p:nvPicPr>
+          <p:cNvPr id="2050" name="Picture 2"/>
+          <p:cNvPicPr>
+            <a:picLocks noChangeAspect="1" noChangeArrowheads="1"/>
+          </p:cNvPicPr>
+          <p:nvPr/>
+        </p:nvPicPr>
+        <p:blipFill>
+          <a:blip r:embed="rId3" cstate="print">
+            <a:extLst>
+              <a:ext uri="{28A0092B-C50C-407E-A947-70E740481C1C}">
+                <a14:useLocalDpi xmlns:a14="http://schemas.microsoft.com/office/drawing/2010/main" val="0"/>
+              </a:ext>
+            </a:extLst>
+          </a:blip>
+          <a:srcRect/>
+          <a:stretch>
+            <a:fillRect/>
+          </a:stretch>
+        </p:blipFill>
+        <p:spPr bwMode="auto">
+          <a:xfrm>
+            <a:off x="1624013" y="1638300"/>
+            <a:ext cx="5895975" cy="3581400"/>
+          </a:xfrm>
+          <a:prstGeom prst="rect">
+            <a:avLst/>
+          </a:prstGeom>
+          <a:noFill/>
+          <a:ln>
+            <a:noFill/>
+          </a:ln>
+          <a:effectLst/>
+          <a:extLst>
+            <a:ext uri="{909E8E84-426E-40DD-AFC4-6F175D3DCCD1}">
+              <a14:hiddenFill xmlns:a14="http://schemas.microsoft.com/office/drawing/2010/main">
+                <a:solidFill>
+                  <a:schemeClr val="accent1"/>
+                </a:solidFill>
+              </a14:hiddenFill>
+            </a:ext>
+            <a:ext uri="{91240B29-F687-4F45-9708-019B960494DF}">
+              <a14:hiddenLine xmlns:a14="http://schemas.microsoft.com/office/drawing/2010/main" w="9525">
+                <a:solidFill>
+                  <a:schemeClr val="tx1"/>
+                </a:solidFill>
+                <a:miter lim="800000"/>
+                <a:headEnd/>
+                <a:tailEnd/>
+              </a14:hiddenLine>
+            </a:ext>
+            <a:ext uri="{AF507438-7753-43E0-B8FC-AC1667EBCBE1}">
+              <a14:hiddenEffects xmlns:a14="http://schemas.microsoft.com/office/drawing/2010/main">
+                <a:effectLst>
+                  <a:outerShdw dist="35921" dir="2700000" algn="ctr" rotWithShape="0">
+                    <a:schemeClr val="bg2"/>
+                  </a:outerShdw>
+                </a:effectLst>
+              </a14:hiddenEffects>
+            </a:ext>
+          </a:extLst>
+        </p:spPr>
+      </p:pic>
     </p:spTree>
     <p:extLst>
       <p:ext uri="{BB962C8B-B14F-4D97-AF65-F5344CB8AC3E}">
@@ -10283,7 +8822,6 @@
               <a:rPr lang="pl-PL" sz="2400" dirty="0"/>
               <a:t>testowalna, w oderwaniu od warstwy zawierającej interfejsy wymienione powyżej, czyli od wszystkiego, co czyni testy na Androidzie trudnymi.</a:t>
             </a:r>
-            <a:endParaRPr lang="pl-PL" sz="2400" dirty="0"/>
           </a:p>
         </p:txBody>
       </p:sp>

--- a/praca_dyplomowa.pptx
+++ b/praca_dyplomowa.pptx
@@ -5,7 +5,7 @@
     <p:sldMasterId id="2147483660" r:id="rId1"/>
   </p:sldMasterIdLst>
   <p:notesMasterIdLst>
-    <p:notesMasterId r:id="rId22"/>
+    <p:notesMasterId r:id="rId20"/>
   </p:notesMasterIdLst>
   <p:sldIdLst>
     <p:sldId id="256" r:id="rId2"/>
@@ -15,19 +15,17 @@
     <p:sldId id="258" r:id="rId6"/>
     <p:sldId id="259" r:id="rId7"/>
     <p:sldId id="260" r:id="rId8"/>
-    <p:sldId id="261" r:id="rId9"/>
-    <p:sldId id="262" r:id="rId10"/>
-    <p:sldId id="263" r:id="rId11"/>
-    <p:sldId id="264" r:id="rId12"/>
-    <p:sldId id="265" r:id="rId13"/>
-    <p:sldId id="269" r:id="rId14"/>
-    <p:sldId id="270" r:id="rId15"/>
-    <p:sldId id="271" r:id="rId16"/>
-    <p:sldId id="272" r:id="rId17"/>
-    <p:sldId id="273" r:id="rId18"/>
-    <p:sldId id="274" r:id="rId19"/>
-    <p:sldId id="276" r:id="rId20"/>
-    <p:sldId id="266" r:id="rId21"/>
+    <p:sldId id="262" r:id="rId9"/>
+    <p:sldId id="263" r:id="rId10"/>
+    <p:sldId id="277" r:id="rId11"/>
+    <p:sldId id="272" r:id="rId12"/>
+    <p:sldId id="271" r:id="rId13"/>
+    <p:sldId id="278" r:id="rId14"/>
+    <p:sldId id="279" r:id="rId15"/>
+    <p:sldId id="280" r:id="rId16"/>
+    <p:sldId id="281" r:id="rId17"/>
+    <p:sldId id="282" r:id="rId18"/>
+    <p:sldId id="266" r:id="rId19"/>
   </p:sldIdLst>
   <p:sldSz cx="9144000" cy="6858000" type="screen4x3"/>
   <p:notesSz cx="6858000" cy="9144000"/>
@@ -211,7 +209,7 @@
           <a:p>
             <a:fld id="{5126046C-41AF-4C30-B587-8D347D278FB8}" type="datetimeFigureOut">
               <a:rPr lang="pl-PL" smtClean="0"/>
-              <a:t>2016-03-12</a:t>
+              <a:t>2016-05-01</a:t>
             </a:fld>
             <a:endParaRPr lang="pl-PL"/>
           </a:p>
@@ -691,133 +689,6 @@
           <a:bodyPr/>
           <a:lstStyle/>
           <a:p>
-            <a:r>
-              <a:rPr lang="en-US" b="1" dirty="0" smtClean="0"/>
-              <a:t>Android Architecture</a:t>
-            </a:r>
-          </a:p>
-          <a:p>
-            <a:r>
-              <a:rPr lang="en-US" dirty="0" smtClean="0"/>
-              <a:t>The objective is the </a:t>
-            </a:r>
-            <a:r>
-              <a:rPr lang="en-US" sz="1200" b="1" kern="1200" dirty="0" smtClean="0">
-                <a:solidFill>
-                  <a:schemeClr val="tx1"/>
-                </a:solidFill>
-                <a:effectLst/>
-                <a:latin typeface="+mn-lt"/>
-                <a:ea typeface="+mn-ea"/>
-                <a:cs typeface="+mn-cs"/>
-              </a:rPr>
-              <a:t>separation of concerns</a:t>
-            </a:r>
-            <a:r>
-              <a:rPr lang="en-US" dirty="0" smtClean="0"/>
-              <a:t> by keeping the business rules not knowing anything at all about the outside world, thus, they can </a:t>
-            </a:r>
-            <a:r>
-              <a:rPr lang="en-US" dirty="0" err="1" smtClean="0"/>
-              <a:t>can</a:t>
-            </a:r>
-            <a:r>
-              <a:rPr lang="en-US" dirty="0" smtClean="0"/>
-              <a:t> be tested without any dependency to any external element.</a:t>
-            </a:r>
-            <a:br>
-              <a:rPr lang="en-US" dirty="0" smtClean="0"/>
-            </a:br>
-            <a:r>
-              <a:rPr lang="en-US" dirty="0" smtClean="0"/>
-              <a:t>To achieve this, </a:t>
-            </a:r>
-            <a:r>
-              <a:rPr lang="en-US" sz="1200" b="1" kern="1200" dirty="0" smtClean="0">
-                <a:solidFill>
-                  <a:schemeClr val="tx1"/>
-                </a:solidFill>
-                <a:effectLst/>
-                <a:latin typeface="+mn-lt"/>
-                <a:ea typeface="+mn-ea"/>
-                <a:cs typeface="+mn-cs"/>
-              </a:rPr>
-              <a:t>my proposal is about breaking up the project into 3 different layers,</a:t>
-            </a:r>
-            <a:r>
-              <a:rPr lang="en-US" dirty="0" smtClean="0"/>
-              <a:t> in which each one has its own purpose and works separately from the others.</a:t>
-            </a:r>
-            <a:br>
-              <a:rPr lang="en-US" dirty="0" smtClean="0"/>
-            </a:br>
-            <a:r>
-              <a:rPr lang="en-US" dirty="0" smtClean="0"/>
-              <a:t>It is worth mentioning that each layer uses its own data model so this independence can be reached (you will see in code that a data mapper is needed in order to accomplish data transformation, a price to be paid if you do not want to cross the use of your models over the entire application).</a:t>
-            </a:r>
-            <a:br>
-              <a:rPr lang="en-US" dirty="0" smtClean="0"/>
-            </a:br>
-            <a:r>
-              <a:rPr lang="en-US" dirty="0" smtClean="0"/>
-              <a:t>Here is an schema so you can see how it looks like:</a:t>
-            </a:r>
-          </a:p>
-          <a:p>
-            <a:endParaRPr lang="pl-PL" dirty="0" smtClean="0"/>
-          </a:p>
-          <a:p>
-            <a:endParaRPr lang="pl-PL" dirty="0" smtClean="0"/>
-          </a:p>
-          <a:p>
-            <a:pPr marL="0" marR="0" indent="0" algn="l" defTabSz="914400" rtl="0" eaLnBrk="1" fontAlgn="auto" latinLnBrk="0" hangingPunct="1">
-              <a:lnSpc>
-                <a:spcPct val="100000"/>
-              </a:lnSpc>
-              <a:spcBef>
-                <a:spcPts val="0"/>
-              </a:spcBef>
-              <a:spcAft>
-                <a:spcPts val="0"/>
-              </a:spcAft>
-              <a:buClrTx/>
-              <a:buSzTx/>
-              <a:buFontTx/>
-              <a:buNone/>
-              <a:tabLst/>
-              <a:defRPr/>
-            </a:pPr>
-            <a:r>
-              <a:rPr lang="pl-PL" altLang="pl-PL" sz="1200" dirty="0" smtClean="0"/>
-              <a:t>Czy nowoczesne podejście do programowania w Android, tzw. </a:t>
-            </a:r>
-            <a:r>
-              <a:rPr lang="pl-PL" sz="1200" b="1" dirty="0" smtClean="0"/>
-              <a:t>“the </a:t>
-            </a:r>
-            <a:r>
-              <a:rPr lang="pl-PL" sz="1200" b="1" dirty="0" err="1" smtClean="0"/>
-              <a:t>clean</a:t>
-            </a:r>
-            <a:r>
-              <a:rPr lang="pl-PL" sz="1200" b="1" dirty="0" smtClean="0"/>
-              <a:t> </a:t>
-            </a:r>
-            <a:r>
-              <a:rPr lang="pl-PL" sz="1200" b="1" dirty="0" err="1" smtClean="0"/>
-              <a:t>architecture</a:t>
-            </a:r>
-            <a:r>
-              <a:rPr lang="pl-PL" sz="1200" b="1" dirty="0" smtClean="0"/>
-              <a:t>”</a:t>
-            </a:r>
-            <a:r>
-              <a:rPr lang="pl-PL" sz="1200" dirty="0" smtClean="0"/>
-              <a:t>, będzie miało wpływ na poprawienie testowalności i pielęgnowalności aplikacji</a:t>
-            </a:r>
-            <a:endParaRPr lang="pl-PL" altLang="pl-PL" sz="1200" dirty="0" smtClean="0"/>
-          </a:p>
-          <a:p>
             <a:endParaRPr lang="pl-PL" dirty="0"/>
           </a:p>
         </p:txBody>
@@ -902,133 +773,6 @@
           <a:bodyPr/>
           <a:lstStyle/>
           <a:p>
-            <a:r>
-              <a:rPr lang="en-US" b="1" dirty="0" smtClean="0"/>
-              <a:t>Android Architecture</a:t>
-            </a:r>
-          </a:p>
-          <a:p>
-            <a:r>
-              <a:rPr lang="en-US" dirty="0" smtClean="0"/>
-              <a:t>The objective is the </a:t>
-            </a:r>
-            <a:r>
-              <a:rPr lang="en-US" sz="1200" b="1" kern="1200" dirty="0" smtClean="0">
-                <a:solidFill>
-                  <a:schemeClr val="tx1"/>
-                </a:solidFill>
-                <a:effectLst/>
-                <a:latin typeface="+mn-lt"/>
-                <a:ea typeface="+mn-ea"/>
-                <a:cs typeface="+mn-cs"/>
-              </a:rPr>
-              <a:t>separation of concerns</a:t>
-            </a:r>
-            <a:r>
-              <a:rPr lang="en-US" dirty="0" smtClean="0"/>
-              <a:t> by keeping the business rules not knowing anything at all about the outside world, thus, they can </a:t>
-            </a:r>
-            <a:r>
-              <a:rPr lang="en-US" dirty="0" err="1" smtClean="0"/>
-              <a:t>can</a:t>
-            </a:r>
-            <a:r>
-              <a:rPr lang="en-US" dirty="0" smtClean="0"/>
-              <a:t> be tested without any dependency to any external element.</a:t>
-            </a:r>
-            <a:br>
-              <a:rPr lang="en-US" dirty="0" smtClean="0"/>
-            </a:br>
-            <a:r>
-              <a:rPr lang="en-US" dirty="0" smtClean="0"/>
-              <a:t>To achieve this, </a:t>
-            </a:r>
-            <a:r>
-              <a:rPr lang="en-US" sz="1200" b="1" kern="1200" dirty="0" smtClean="0">
-                <a:solidFill>
-                  <a:schemeClr val="tx1"/>
-                </a:solidFill>
-                <a:effectLst/>
-                <a:latin typeface="+mn-lt"/>
-                <a:ea typeface="+mn-ea"/>
-                <a:cs typeface="+mn-cs"/>
-              </a:rPr>
-              <a:t>my proposal is about breaking up the project into 3 different layers,</a:t>
-            </a:r>
-            <a:r>
-              <a:rPr lang="en-US" dirty="0" smtClean="0"/>
-              <a:t> in which each one has its own purpose and works separately from the others.</a:t>
-            </a:r>
-            <a:br>
-              <a:rPr lang="en-US" dirty="0" smtClean="0"/>
-            </a:br>
-            <a:r>
-              <a:rPr lang="en-US" dirty="0" smtClean="0"/>
-              <a:t>It is worth mentioning that each layer uses its own data model so this independence can be reached (you will see in code that a data mapper is needed in order to accomplish data transformation, a price to be paid if you do not want to cross the use of your models over the entire application).</a:t>
-            </a:r>
-            <a:br>
-              <a:rPr lang="en-US" dirty="0" smtClean="0"/>
-            </a:br>
-            <a:r>
-              <a:rPr lang="en-US" dirty="0" smtClean="0"/>
-              <a:t>Here is an schema so you can see how it looks like:</a:t>
-            </a:r>
-          </a:p>
-          <a:p>
-            <a:endParaRPr lang="pl-PL" dirty="0" smtClean="0"/>
-          </a:p>
-          <a:p>
-            <a:endParaRPr lang="pl-PL" dirty="0" smtClean="0"/>
-          </a:p>
-          <a:p>
-            <a:pPr marL="0" marR="0" indent="0" algn="l" defTabSz="914400" rtl="0" eaLnBrk="1" fontAlgn="auto" latinLnBrk="0" hangingPunct="1">
-              <a:lnSpc>
-                <a:spcPct val="100000"/>
-              </a:lnSpc>
-              <a:spcBef>
-                <a:spcPts val="0"/>
-              </a:spcBef>
-              <a:spcAft>
-                <a:spcPts val="0"/>
-              </a:spcAft>
-              <a:buClrTx/>
-              <a:buSzTx/>
-              <a:buFontTx/>
-              <a:buNone/>
-              <a:tabLst/>
-              <a:defRPr/>
-            </a:pPr>
-            <a:r>
-              <a:rPr lang="pl-PL" altLang="pl-PL" sz="1200" dirty="0" smtClean="0"/>
-              <a:t>Czy nowoczesne podejście do programowania w Android, tzw. </a:t>
-            </a:r>
-            <a:r>
-              <a:rPr lang="pl-PL" sz="1200" b="1" dirty="0" smtClean="0"/>
-              <a:t>“the </a:t>
-            </a:r>
-            <a:r>
-              <a:rPr lang="pl-PL" sz="1200" b="1" dirty="0" err="1" smtClean="0"/>
-              <a:t>clean</a:t>
-            </a:r>
-            <a:r>
-              <a:rPr lang="pl-PL" sz="1200" b="1" dirty="0" smtClean="0"/>
-              <a:t> </a:t>
-            </a:r>
-            <a:r>
-              <a:rPr lang="pl-PL" sz="1200" b="1" dirty="0" err="1" smtClean="0"/>
-              <a:t>architecture</a:t>
-            </a:r>
-            <a:r>
-              <a:rPr lang="pl-PL" sz="1200" b="1" dirty="0" smtClean="0"/>
-              <a:t>”</a:t>
-            </a:r>
-            <a:r>
-              <a:rPr lang="pl-PL" sz="1200" dirty="0" smtClean="0"/>
-              <a:t>, będzie miało wpływ na poprawienie testowalności i pielęgnowalności aplikacji</a:t>
-            </a:r>
-            <a:endParaRPr lang="pl-PL" altLang="pl-PL" sz="1200" dirty="0" smtClean="0"/>
-          </a:p>
-          <a:p>
             <a:endParaRPr lang="pl-PL" dirty="0"/>
           </a:p>
         </p:txBody>
@@ -1113,133 +857,6 @@
           <a:bodyPr/>
           <a:lstStyle/>
           <a:p>
-            <a:r>
-              <a:rPr lang="en-US" b="1" dirty="0" smtClean="0"/>
-              <a:t>Android Architecture</a:t>
-            </a:r>
-          </a:p>
-          <a:p>
-            <a:r>
-              <a:rPr lang="en-US" dirty="0" smtClean="0"/>
-              <a:t>The objective is the </a:t>
-            </a:r>
-            <a:r>
-              <a:rPr lang="en-US" sz="1200" b="1" kern="1200" dirty="0" smtClean="0">
-                <a:solidFill>
-                  <a:schemeClr val="tx1"/>
-                </a:solidFill>
-                <a:effectLst/>
-                <a:latin typeface="+mn-lt"/>
-                <a:ea typeface="+mn-ea"/>
-                <a:cs typeface="+mn-cs"/>
-              </a:rPr>
-              <a:t>separation of concerns</a:t>
-            </a:r>
-            <a:r>
-              <a:rPr lang="en-US" dirty="0" smtClean="0"/>
-              <a:t> by keeping the business rules not knowing anything at all about the outside world, thus, they can </a:t>
-            </a:r>
-            <a:r>
-              <a:rPr lang="en-US" dirty="0" err="1" smtClean="0"/>
-              <a:t>can</a:t>
-            </a:r>
-            <a:r>
-              <a:rPr lang="en-US" dirty="0" smtClean="0"/>
-              <a:t> be tested without any dependency to any external element.</a:t>
-            </a:r>
-            <a:br>
-              <a:rPr lang="en-US" dirty="0" smtClean="0"/>
-            </a:br>
-            <a:r>
-              <a:rPr lang="en-US" dirty="0" smtClean="0"/>
-              <a:t>To achieve this, </a:t>
-            </a:r>
-            <a:r>
-              <a:rPr lang="en-US" sz="1200" b="1" kern="1200" dirty="0" smtClean="0">
-                <a:solidFill>
-                  <a:schemeClr val="tx1"/>
-                </a:solidFill>
-                <a:effectLst/>
-                <a:latin typeface="+mn-lt"/>
-                <a:ea typeface="+mn-ea"/>
-                <a:cs typeface="+mn-cs"/>
-              </a:rPr>
-              <a:t>my proposal is about breaking up the project into 3 different layers,</a:t>
-            </a:r>
-            <a:r>
-              <a:rPr lang="en-US" dirty="0" smtClean="0"/>
-              <a:t> in which each one has its own purpose and works separately from the others.</a:t>
-            </a:r>
-            <a:br>
-              <a:rPr lang="en-US" dirty="0" smtClean="0"/>
-            </a:br>
-            <a:r>
-              <a:rPr lang="en-US" dirty="0" smtClean="0"/>
-              <a:t>It is worth mentioning that each layer uses its own data model so this independence can be reached (you will see in code that a data mapper is needed in order to accomplish data transformation, a price to be paid if you do not want to cross the use of your models over the entire application).</a:t>
-            </a:r>
-            <a:br>
-              <a:rPr lang="en-US" dirty="0" smtClean="0"/>
-            </a:br>
-            <a:r>
-              <a:rPr lang="en-US" dirty="0" smtClean="0"/>
-              <a:t>Here is an schema so you can see how it looks like:</a:t>
-            </a:r>
-          </a:p>
-          <a:p>
-            <a:endParaRPr lang="pl-PL" dirty="0" smtClean="0"/>
-          </a:p>
-          <a:p>
-            <a:endParaRPr lang="pl-PL" dirty="0" smtClean="0"/>
-          </a:p>
-          <a:p>
-            <a:pPr marL="0" marR="0" indent="0" algn="l" defTabSz="914400" rtl="0" eaLnBrk="1" fontAlgn="auto" latinLnBrk="0" hangingPunct="1">
-              <a:lnSpc>
-                <a:spcPct val="100000"/>
-              </a:lnSpc>
-              <a:spcBef>
-                <a:spcPts val="0"/>
-              </a:spcBef>
-              <a:spcAft>
-                <a:spcPts val="0"/>
-              </a:spcAft>
-              <a:buClrTx/>
-              <a:buSzTx/>
-              <a:buFontTx/>
-              <a:buNone/>
-              <a:tabLst/>
-              <a:defRPr/>
-            </a:pPr>
-            <a:r>
-              <a:rPr lang="pl-PL" altLang="pl-PL" sz="1200" dirty="0" smtClean="0"/>
-              <a:t>Czy nowoczesne podejście do programowania w Android, tzw. </a:t>
-            </a:r>
-            <a:r>
-              <a:rPr lang="pl-PL" sz="1200" b="1" dirty="0" smtClean="0"/>
-              <a:t>“the </a:t>
-            </a:r>
-            <a:r>
-              <a:rPr lang="pl-PL" sz="1200" b="1" dirty="0" err="1" smtClean="0"/>
-              <a:t>clean</a:t>
-            </a:r>
-            <a:r>
-              <a:rPr lang="pl-PL" sz="1200" b="1" dirty="0" smtClean="0"/>
-              <a:t> </a:t>
-            </a:r>
-            <a:r>
-              <a:rPr lang="pl-PL" sz="1200" b="1" dirty="0" err="1" smtClean="0"/>
-              <a:t>architecture</a:t>
-            </a:r>
-            <a:r>
-              <a:rPr lang="pl-PL" sz="1200" b="1" dirty="0" smtClean="0"/>
-              <a:t>”</a:t>
-            </a:r>
-            <a:r>
-              <a:rPr lang="pl-PL" sz="1200" dirty="0" smtClean="0"/>
-              <a:t>, będzie miało wpływ na poprawienie testowalności i pielęgnowalności aplikacji</a:t>
-            </a:r>
-            <a:endParaRPr lang="pl-PL" altLang="pl-PL" sz="1200" dirty="0" smtClean="0"/>
-          </a:p>
-          <a:p>
             <a:endParaRPr lang="pl-PL" dirty="0"/>
           </a:p>
         </p:txBody>
@@ -1261,1146 +878,7 @@
           <a:p>
             <a:fld id="{22743367-B784-4F71-8C29-C0F62797FE66}" type="slidenum">
               <a:rPr lang="pl-PL" smtClean="0"/>
-              <a:t>14</a:t>
-            </a:fld>
-            <a:endParaRPr lang="pl-PL"/>
-          </a:p>
-        </p:txBody>
-      </p:sp>
-    </p:spTree>
-    <p:extLst>
-      <p:ext uri="{BB962C8B-B14F-4D97-AF65-F5344CB8AC3E}">
-        <p14:creationId xmlns:p14="http://schemas.microsoft.com/office/powerpoint/2010/main" val="2236322427"/>
-      </p:ext>
-    </p:extLst>
-  </p:cSld>
-  <p:clrMapOvr>
-    <a:masterClrMapping/>
-  </p:clrMapOvr>
-</p:notes>
-</file>
-
-<file path=ppt/notesSlides/notesSlide14.xml><?xml version="1.0" encoding="utf-8"?>
-<p:notes xmlns:a="http://schemas.openxmlformats.org/drawingml/2006/main" xmlns:r="http://schemas.openxmlformats.org/officeDocument/2006/relationships" xmlns:p="http://schemas.openxmlformats.org/presentationml/2006/main">
-  <p:cSld>
-    <p:spTree>
-      <p:nvGrpSpPr>
-        <p:cNvPr id="1" name=""/>
-        <p:cNvGrpSpPr/>
-        <p:nvPr/>
-      </p:nvGrpSpPr>
-      <p:grpSpPr>
-        <a:xfrm>
-          <a:off x="0" y="0"/>
-          <a:ext cx="0" cy="0"/>
-          <a:chOff x="0" y="0"/>
-          <a:chExt cx="0" cy="0"/>
-        </a:xfrm>
-      </p:grpSpPr>
-      <p:sp>
-        <p:nvSpPr>
-          <p:cNvPr id="2" name="Symbol zastępczy obrazu slajdu 1"/>
-          <p:cNvSpPr>
-            <a:spLocks noGrp="1" noRot="1" noChangeAspect="1"/>
-          </p:cNvSpPr>
-          <p:nvPr>
-            <p:ph type="sldImg"/>
-          </p:nvPr>
-        </p:nvSpPr>
-        <p:spPr/>
-      </p:sp>
-      <p:sp>
-        <p:nvSpPr>
-          <p:cNvPr id="3" name="Symbol zastępczy notatek 2"/>
-          <p:cNvSpPr>
-            <a:spLocks noGrp="1"/>
-          </p:cNvSpPr>
-          <p:nvPr>
-            <p:ph type="body" idx="1"/>
-          </p:nvPr>
-        </p:nvSpPr>
-        <p:spPr/>
-        <p:txBody>
-          <a:bodyPr/>
-          <a:lstStyle/>
-          <a:p>
-            <a:r>
-              <a:rPr lang="en-US" b="1" dirty="0" smtClean="0"/>
-              <a:t>Android Architecture</a:t>
-            </a:r>
-          </a:p>
-          <a:p>
-            <a:r>
-              <a:rPr lang="en-US" dirty="0" smtClean="0"/>
-              <a:t>The objective is the </a:t>
-            </a:r>
-            <a:r>
-              <a:rPr lang="en-US" sz="1200" b="1" kern="1200" dirty="0" smtClean="0">
-                <a:solidFill>
-                  <a:schemeClr val="tx1"/>
-                </a:solidFill>
-                <a:effectLst/>
-                <a:latin typeface="+mn-lt"/>
-                <a:ea typeface="+mn-ea"/>
-                <a:cs typeface="+mn-cs"/>
-              </a:rPr>
-              <a:t>separation of concerns</a:t>
-            </a:r>
-            <a:r>
-              <a:rPr lang="en-US" dirty="0" smtClean="0"/>
-              <a:t> by keeping the business rules not knowing anything at all about the outside world, thus, they can </a:t>
-            </a:r>
-            <a:r>
-              <a:rPr lang="en-US" dirty="0" err="1" smtClean="0"/>
-              <a:t>can</a:t>
-            </a:r>
-            <a:r>
-              <a:rPr lang="en-US" dirty="0" smtClean="0"/>
-              <a:t> be tested without any dependency to any external element.</a:t>
-            </a:r>
-            <a:br>
-              <a:rPr lang="en-US" dirty="0" smtClean="0"/>
-            </a:br>
-            <a:r>
-              <a:rPr lang="en-US" dirty="0" smtClean="0"/>
-              <a:t>To achieve this, </a:t>
-            </a:r>
-            <a:r>
-              <a:rPr lang="en-US" sz="1200" b="1" kern="1200" dirty="0" smtClean="0">
-                <a:solidFill>
-                  <a:schemeClr val="tx1"/>
-                </a:solidFill>
-                <a:effectLst/>
-                <a:latin typeface="+mn-lt"/>
-                <a:ea typeface="+mn-ea"/>
-                <a:cs typeface="+mn-cs"/>
-              </a:rPr>
-              <a:t>my proposal is about breaking up the project into 3 different layers,</a:t>
-            </a:r>
-            <a:r>
-              <a:rPr lang="en-US" dirty="0" smtClean="0"/>
-              <a:t> in which each one has its own purpose and works separately from the others.</a:t>
-            </a:r>
-            <a:br>
-              <a:rPr lang="en-US" dirty="0" smtClean="0"/>
-            </a:br>
-            <a:r>
-              <a:rPr lang="en-US" dirty="0" smtClean="0"/>
-              <a:t>It is worth mentioning that each layer uses its own data model so this independence can be reached (you will see in code that a data mapper is needed in order to accomplish data transformation, a price to be paid if you do not want to cross the use of your models over the entire application).</a:t>
-            </a:r>
-            <a:br>
-              <a:rPr lang="en-US" dirty="0" smtClean="0"/>
-            </a:br>
-            <a:r>
-              <a:rPr lang="en-US" dirty="0" smtClean="0"/>
-              <a:t>Here is an schema so you can see how it looks like:</a:t>
-            </a:r>
-          </a:p>
-          <a:p>
-            <a:endParaRPr lang="pl-PL" dirty="0" smtClean="0"/>
-          </a:p>
-          <a:p>
-            <a:endParaRPr lang="pl-PL" dirty="0" smtClean="0"/>
-          </a:p>
-          <a:p>
-            <a:pPr marL="0" marR="0" indent="0" algn="l" defTabSz="914400" rtl="0" eaLnBrk="1" fontAlgn="auto" latinLnBrk="0" hangingPunct="1">
-              <a:lnSpc>
-                <a:spcPct val="100000"/>
-              </a:lnSpc>
-              <a:spcBef>
-                <a:spcPts val="0"/>
-              </a:spcBef>
-              <a:spcAft>
-                <a:spcPts val="0"/>
-              </a:spcAft>
-              <a:buClrTx/>
-              <a:buSzTx/>
-              <a:buFontTx/>
-              <a:buNone/>
-              <a:tabLst/>
-              <a:defRPr/>
-            </a:pPr>
-            <a:r>
-              <a:rPr lang="pl-PL" altLang="pl-PL" sz="1200" dirty="0" smtClean="0"/>
-              <a:t>Czy nowoczesne podejście do programowania w Android, tzw. </a:t>
-            </a:r>
-            <a:r>
-              <a:rPr lang="pl-PL" sz="1200" b="1" dirty="0" smtClean="0"/>
-              <a:t>“the </a:t>
-            </a:r>
-            <a:r>
-              <a:rPr lang="pl-PL" sz="1200" b="1" dirty="0" err="1" smtClean="0"/>
-              <a:t>clean</a:t>
-            </a:r>
-            <a:r>
-              <a:rPr lang="pl-PL" sz="1200" b="1" dirty="0" smtClean="0"/>
-              <a:t> </a:t>
-            </a:r>
-            <a:r>
-              <a:rPr lang="pl-PL" sz="1200" b="1" dirty="0" err="1" smtClean="0"/>
-              <a:t>architecture</a:t>
-            </a:r>
-            <a:r>
-              <a:rPr lang="pl-PL" sz="1200" b="1" dirty="0" smtClean="0"/>
-              <a:t>”</a:t>
-            </a:r>
-            <a:r>
-              <a:rPr lang="pl-PL" sz="1200" dirty="0" smtClean="0"/>
-              <a:t>, będzie miało wpływ na poprawienie testowalności i pielęgnowalności aplikacji</a:t>
-            </a:r>
-            <a:endParaRPr lang="pl-PL" altLang="pl-PL" sz="1200" dirty="0" smtClean="0"/>
-          </a:p>
-          <a:p>
-            <a:endParaRPr lang="pl-PL" dirty="0"/>
-          </a:p>
-        </p:txBody>
-      </p:sp>
-      <p:sp>
-        <p:nvSpPr>
-          <p:cNvPr id="4" name="Symbol zastępczy numeru slajdu 3"/>
-          <p:cNvSpPr>
-            <a:spLocks noGrp="1"/>
-          </p:cNvSpPr>
-          <p:nvPr>
-            <p:ph type="sldNum" sz="quarter" idx="10"/>
-          </p:nvPr>
-        </p:nvSpPr>
-        <p:spPr/>
-        <p:txBody>
-          <a:bodyPr/>
-          <a:lstStyle/>
-          <a:p>
-            <a:fld id="{22743367-B784-4F71-8C29-C0F62797FE66}" type="slidenum">
-              <a:rPr lang="pl-PL" smtClean="0"/>
-              <a:t>15</a:t>
-            </a:fld>
-            <a:endParaRPr lang="pl-PL"/>
-          </a:p>
-        </p:txBody>
-      </p:sp>
-    </p:spTree>
-    <p:extLst>
-      <p:ext uri="{BB962C8B-B14F-4D97-AF65-F5344CB8AC3E}">
-        <p14:creationId xmlns:p14="http://schemas.microsoft.com/office/powerpoint/2010/main" val="2236322427"/>
-      </p:ext>
-    </p:extLst>
-  </p:cSld>
-  <p:clrMapOvr>
-    <a:masterClrMapping/>
-  </p:clrMapOvr>
-</p:notes>
-</file>
-
-<file path=ppt/notesSlides/notesSlide15.xml><?xml version="1.0" encoding="utf-8"?>
-<p:notes xmlns:a="http://schemas.openxmlformats.org/drawingml/2006/main" xmlns:r="http://schemas.openxmlformats.org/officeDocument/2006/relationships" xmlns:p="http://schemas.openxmlformats.org/presentationml/2006/main">
-  <p:cSld>
-    <p:spTree>
-      <p:nvGrpSpPr>
-        <p:cNvPr id="1" name=""/>
-        <p:cNvGrpSpPr/>
-        <p:nvPr/>
-      </p:nvGrpSpPr>
-      <p:grpSpPr>
-        <a:xfrm>
-          <a:off x="0" y="0"/>
-          <a:ext cx="0" cy="0"/>
-          <a:chOff x="0" y="0"/>
-          <a:chExt cx="0" cy="0"/>
-        </a:xfrm>
-      </p:grpSpPr>
-      <p:sp>
-        <p:nvSpPr>
-          <p:cNvPr id="2" name="Symbol zastępczy obrazu slajdu 1"/>
-          <p:cNvSpPr>
-            <a:spLocks noGrp="1" noRot="1" noChangeAspect="1"/>
-          </p:cNvSpPr>
-          <p:nvPr>
-            <p:ph type="sldImg"/>
-          </p:nvPr>
-        </p:nvSpPr>
-        <p:spPr/>
-      </p:sp>
-      <p:sp>
-        <p:nvSpPr>
-          <p:cNvPr id="3" name="Symbol zastępczy notatek 2"/>
-          <p:cNvSpPr>
-            <a:spLocks noGrp="1"/>
-          </p:cNvSpPr>
-          <p:nvPr>
-            <p:ph type="body" idx="1"/>
-          </p:nvPr>
-        </p:nvSpPr>
-        <p:spPr/>
-        <p:txBody>
-          <a:bodyPr/>
-          <a:lstStyle/>
-          <a:p>
-            <a:r>
-              <a:rPr lang="en-US" b="1" dirty="0" smtClean="0"/>
-              <a:t>Android Architecture</a:t>
-            </a:r>
-          </a:p>
-          <a:p>
-            <a:r>
-              <a:rPr lang="en-US" dirty="0" smtClean="0"/>
-              <a:t>The objective is the </a:t>
-            </a:r>
-            <a:r>
-              <a:rPr lang="en-US" sz="1200" b="1" kern="1200" dirty="0" smtClean="0">
-                <a:solidFill>
-                  <a:schemeClr val="tx1"/>
-                </a:solidFill>
-                <a:effectLst/>
-                <a:latin typeface="+mn-lt"/>
-                <a:ea typeface="+mn-ea"/>
-                <a:cs typeface="+mn-cs"/>
-              </a:rPr>
-              <a:t>separation of concerns</a:t>
-            </a:r>
-            <a:r>
-              <a:rPr lang="en-US" dirty="0" smtClean="0"/>
-              <a:t> by keeping the business rules not knowing anything at all about the outside world, thus, they can </a:t>
-            </a:r>
-            <a:r>
-              <a:rPr lang="en-US" dirty="0" err="1" smtClean="0"/>
-              <a:t>can</a:t>
-            </a:r>
-            <a:r>
-              <a:rPr lang="en-US" dirty="0" smtClean="0"/>
-              <a:t> be tested without any dependency to any external element.</a:t>
-            </a:r>
-            <a:br>
-              <a:rPr lang="en-US" dirty="0" smtClean="0"/>
-            </a:br>
-            <a:r>
-              <a:rPr lang="en-US" dirty="0" smtClean="0"/>
-              <a:t>To achieve this, </a:t>
-            </a:r>
-            <a:r>
-              <a:rPr lang="en-US" sz="1200" b="1" kern="1200" dirty="0" smtClean="0">
-                <a:solidFill>
-                  <a:schemeClr val="tx1"/>
-                </a:solidFill>
-                <a:effectLst/>
-                <a:latin typeface="+mn-lt"/>
-                <a:ea typeface="+mn-ea"/>
-                <a:cs typeface="+mn-cs"/>
-              </a:rPr>
-              <a:t>my proposal is about breaking up the project into 3 different layers,</a:t>
-            </a:r>
-            <a:r>
-              <a:rPr lang="en-US" dirty="0" smtClean="0"/>
-              <a:t> in which each one has its own purpose and works separately from the others.</a:t>
-            </a:r>
-            <a:br>
-              <a:rPr lang="en-US" dirty="0" smtClean="0"/>
-            </a:br>
-            <a:r>
-              <a:rPr lang="en-US" dirty="0" smtClean="0"/>
-              <a:t>It is worth mentioning that each layer uses its own data model so this independence can be reached (you will see in code that a data mapper is needed in order to accomplish data transformation, a price to be paid if you do not want to cross the use of your models over the entire application).</a:t>
-            </a:r>
-            <a:br>
-              <a:rPr lang="en-US" dirty="0" smtClean="0"/>
-            </a:br>
-            <a:r>
-              <a:rPr lang="en-US" dirty="0" smtClean="0"/>
-              <a:t>Here is an schema so you can see how it looks like:</a:t>
-            </a:r>
-          </a:p>
-          <a:p>
-            <a:endParaRPr lang="pl-PL" dirty="0" smtClean="0"/>
-          </a:p>
-          <a:p>
-            <a:endParaRPr lang="pl-PL" dirty="0" smtClean="0"/>
-          </a:p>
-          <a:p>
-            <a:pPr marL="0" marR="0" indent="0" algn="l" defTabSz="914400" rtl="0" eaLnBrk="1" fontAlgn="auto" latinLnBrk="0" hangingPunct="1">
-              <a:lnSpc>
-                <a:spcPct val="100000"/>
-              </a:lnSpc>
-              <a:spcBef>
-                <a:spcPts val="0"/>
-              </a:spcBef>
-              <a:spcAft>
-                <a:spcPts val="0"/>
-              </a:spcAft>
-              <a:buClrTx/>
-              <a:buSzTx/>
-              <a:buFontTx/>
-              <a:buNone/>
-              <a:tabLst/>
-              <a:defRPr/>
-            </a:pPr>
-            <a:r>
-              <a:rPr lang="pl-PL" altLang="pl-PL" sz="1200" dirty="0" smtClean="0"/>
-              <a:t>Czy nowoczesne podejście do programowania w Android, tzw. </a:t>
-            </a:r>
-            <a:r>
-              <a:rPr lang="pl-PL" sz="1200" b="1" dirty="0" smtClean="0"/>
-              <a:t>“the </a:t>
-            </a:r>
-            <a:r>
-              <a:rPr lang="pl-PL" sz="1200" b="1" dirty="0" err="1" smtClean="0"/>
-              <a:t>clean</a:t>
-            </a:r>
-            <a:r>
-              <a:rPr lang="pl-PL" sz="1200" b="1" dirty="0" smtClean="0"/>
-              <a:t> </a:t>
-            </a:r>
-            <a:r>
-              <a:rPr lang="pl-PL" sz="1200" b="1" dirty="0" err="1" smtClean="0"/>
-              <a:t>architecture</a:t>
-            </a:r>
-            <a:r>
-              <a:rPr lang="pl-PL" sz="1200" b="1" dirty="0" smtClean="0"/>
-              <a:t>”</a:t>
-            </a:r>
-            <a:r>
-              <a:rPr lang="pl-PL" sz="1200" dirty="0" smtClean="0"/>
-              <a:t>, będzie miało wpływ na poprawienie testowalności i pielęgnowalności aplikacji</a:t>
-            </a:r>
-            <a:endParaRPr lang="pl-PL" altLang="pl-PL" sz="1200" dirty="0" smtClean="0"/>
-          </a:p>
-          <a:p>
-            <a:endParaRPr lang="pl-PL" dirty="0"/>
-          </a:p>
-        </p:txBody>
-      </p:sp>
-      <p:sp>
-        <p:nvSpPr>
-          <p:cNvPr id="4" name="Symbol zastępczy numeru slajdu 3"/>
-          <p:cNvSpPr>
-            <a:spLocks noGrp="1"/>
-          </p:cNvSpPr>
-          <p:nvPr>
-            <p:ph type="sldNum" sz="quarter" idx="10"/>
-          </p:nvPr>
-        </p:nvSpPr>
-        <p:spPr/>
-        <p:txBody>
-          <a:bodyPr/>
-          <a:lstStyle/>
-          <a:p>
-            <a:fld id="{22743367-B784-4F71-8C29-C0F62797FE66}" type="slidenum">
-              <a:rPr lang="pl-PL" smtClean="0"/>
-              <a:t>16</a:t>
-            </a:fld>
-            <a:endParaRPr lang="pl-PL"/>
-          </a:p>
-        </p:txBody>
-      </p:sp>
-    </p:spTree>
-    <p:extLst>
-      <p:ext uri="{BB962C8B-B14F-4D97-AF65-F5344CB8AC3E}">
-        <p14:creationId xmlns:p14="http://schemas.microsoft.com/office/powerpoint/2010/main" val="2236322427"/>
-      </p:ext>
-    </p:extLst>
-  </p:cSld>
-  <p:clrMapOvr>
-    <a:masterClrMapping/>
-  </p:clrMapOvr>
-</p:notes>
-</file>
-
-<file path=ppt/notesSlides/notesSlide16.xml><?xml version="1.0" encoding="utf-8"?>
-<p:notes xmlns:a="http://schemas.openxmlformats.org/drawingml/2006/main" xmlns:r="http://schemas.openxmlformats.org/officeDocument/2006/relationships" xmlns:p="http://schemas.openxmlformats.org/presentationml/2006/main">
-  <p:cSld>
-    <p:spTree>
-      <p:nvGrpSpPr>
-        <p:cNvPr id="1" name=""/>
-        <p:cNvGrpSpPr/>
-        <p:nvPr/>
-      </p:nvGrpSpPr>
-      <p:grpSpPr>
-        <a:xfrm>
-          <a:off x="0" y="0"/>
-          <a:ext cx="0" cy="0"/>
-          <a:chOff x="0" y="0"/>
-          <a:chExt cx="0" cy="0"/>
-        </a:xfrm>
-      </p:grpSpPr>
-      <p:sp>
-        <p:nvSpPr>
-          <p:cNvPr id="2" name="Symbol zastępczy obrazu slajdu 1"/>
-          <p:cNvSpPr>
-            <a:spLocks noGrp="1" noRot="1" noChangeAspect="1"/>
-          </p:cNvSpPr>
-          <p:nvPr>
-            <p:ph type="sldImg"/>
-          </p:nvPr>
-        </p:nvSpPr>
-        <p:spPr/>
-      </p:sp>
-      <p:sp>
-        <p:nvSpPr>
-          <p:cNvPr id="3" name="Symbol zastępczy notatek 2"/>
-          <p:cNvSpPr>
-            <a:spLocks noGrp="1"/>
-          </p:cNvSpPr>
-          <p:nvPr>
-            <p:ph type="body" idx="1"/>
-          </p:nvPr>
-        </p:nvSpPr>
-        <p:spPr/>
-        <p:txBody>
-          <a:bodyPr/>
-          <a:lstStyle/>
-          <a:p>
-            <a:r>
-              <a:rPr lang="en-US" b="1" dirty="0" smtClean="0"/>
-              <a:t>Android Architecture</a:t>
-            </a:r>
-          </a:p>
-          <a:p>
-            <a:r>
-              <a:rPr lang="en-US" dirty="0" smtClean="0"/>
-              <a:t>The objective is the </a:t>
-            </a:r>
-            <a:r>
-              <a:rPr lang="en-US" sz="1200" b="1" kern="1200" dirty="0" smtClean="0">
-                <a:solidFill>
-                  <a:schemeClr val="tx1"/>
-                </a:solidFill>
-                <a:effectLst/>
-                <a:latin typeface="+mn-lt"/>
-                <a:ea typeface="+mn-ea"/>
-                <a:cs typeface="+mn-cs"/>
-              </a:rPr>
-              <a:t>separation of concerns</a:t>
-            </a:r>
-            <a:r>
-              <a:rPr lang="en-US" dirty="0" smtClean="0"/>
-              <a:t> by keeping the business rules not knowing anything at all about the outside world, thus, they can </a:t>
-            </a:r>
-            <a:r>
-              <a:rPr lang="en-US" dirty="0" err="1" smtClean="0"/>
-              <a:t>can</a:t>
-            </a:r>
-            <a:r>
-              <a:rPr lang="en-US" dirty="0" smtClean="0"/>
-              <a:t> be tested without any dependency to any external element.</a:t>
-            </a:r>
-            <a:br>
-              <a:rPr lang="en-US" dirty="0" smtClean="0"/>
-            </a:br>
-            <a:r>
-              <a:rPr lang="en-US" dirty="0" smtClean="0"/>
-              <a:t>To achieve this, </a:t>
-            </a:r>
-            <a:r>
-              <a:rPr lang="en-US" sz="1200" b="1" kern="1200" dirty="0" smtClean="0">
-                <a:solidFill>
-                  <a:schemeClr val="tx1"/>
-                </a:solidFill>
-                <a:effectLst/>
-                <a:latin typeface="+mn-lt"/>
-                <a:ea typeface="+mn-ea"/>
-                <a:cs typeface="+mn-cs"/>
-              </a:rPr>
-              <a:t>my proposal is about breaking up the project into 3 different layers,</a:t>
-            </a:r>
-            <a:r>
-              <a:rPr lang="en-US" dirty="0" smtClean="0"/>
-              <a:t> in which each one has its own purpose and works separately from the others.</a:t>
-            </a:r>
-            <a:br>
-              <a:rPr lang="en-US" dirty="0" smtClean="0"/>
-            </a:br>
-            <a:r>
-              <a:rPr lang="en-US" dirty="0" smtClean="0"/>
-              <a:t>It is worth mentioning that each layer uses its own data model so this independence can be reached (you will see in code that a data mapper is needed in order to accomplish data transformation, a price to be paid if you do not want to cross the use of your models over the entire application).</a:t>
-            </a:r>
-            <a:br>
-              <a:rPr lang="en-US" dirty="0" smtClean="0"/>
-            </a:br>
-            <a:r>
-              <a:rPr lang="en-US" dirty="0" smtClean="0"/>
-              <a:t>Here is an schema so you can see how it looks like:</a:t>
-            </a:r>
-          </a:p>
-          <a:p>
-            <a:endParaRPr lang="pl-PL" dirty="0" smtClean="0"/>
-          </a:p>
-          <a:p>
-            <a:endParaRPr lang="pl-PL" dirty="0" smtClean="0"/>
-          </a:p>
-          <a:p>
-            <a:pPr marL="0" marR="0" indent="0" algn="l" defTabSz="914400" rtl="0" eaLnBrk="1" fontAlgn="auto" latinLnBrk="0" hangingPunct="1">
-              <a:lnSpc>
-                <a:spcPct val="100000"/>
-              </a:lnSpc>
-              <a:spcBef>
-                <a:spcPts val="0"/>
-              </a:spcBef>
-              <a:spcAft>
-                <a:spcPts val="0"/>
-              </a:spcAft>
-              <a:buClrTx/>
-              <a:buSzTx/>
-              <a:buFontTx/>
-              <a:buNone/>
-              <a:tabLst/>
-              <a:defRPr/>
-            </a:pPr>
-            <a:r>
-              <a:rPr lang="pl-PL" altLang="pl-PL" sz="1200" dirty="0" smtClean="0"/>
-              <a:t>Czy nowoczesne podejście do programowania w Android, tzw. </a:t>
-            </a:r>
-            <a:r>
-              <a:rPr lang="pl-PL" sz="1200" b="1" dirty="0" smtClean="0"/>
-              <a:t>“the </a:t>
-            </a:r>
-            <a:r>
-              <a:rPr lang="pl-PL" sz="1200" b="1" dirty="0" err="1" smtClean="0"/>
-              <a:t>clean</a:t>
-            </a:r>
-            <a:r>
-              <a:rPr lang="pl-PL" sz="1200" b="1" dirty="0" smtClean="0"/>
-              <a:t> </a:t>
-            </a:r>
-            <a:r>
-              <a:rPr lang="pl-PL" sz="1200" b="1" dirty="0" err="1" smtClean="0"/>
-              <a:t>architecture</a:t>
-            </a:r>
-            <a:r>
-              <a:rPr lang="pl-PL" sz="1200" b="1" dirty="0" smtClean="0"/>
-              <a:t>”</a:t>
-            </a:r>
-            <a:r>
-              <a:rPr lang="pl-PL" sz="1200" dirty="0" smtClean="0"/>
-              <a:t>, będzie miało wpływ na poprawienie testowalności i pielęgnowalności aplikacji</a:t>
-            </a:r>
-            <a:endParaRPr lang="pl-PL" altLang="pl-PL" sz="1200" dirty="0" smtClean="0"/>
-          </a:p>
-          <a:p>
-            <a:endParaRPr lang="pl-PL" dirty="0"/>
-          </a:p>
-        </p:txBody>
-      </p:sp>
-      <p:sp>
-        <p:nvSpPr>
-          <p:cNvPr id="4" name="Symbol zastępczy numeru slajdu 3"/>
-          <p:cNvSpPr>
-            <a:spLocks noGrp="1"/>
-          </p:cNvSpPr>
-          <p:nvPr>
-            <p:ph type="sldNum" sz="quarter" idx="10"/>
-          </p:nvPr>
-        </p:nvSpPr>
-        <p:spPr/>
-        <p:txBody>
-          <a:bodyPr/>
-          <a:lstStyle/>
-          <a:p>
-            <a:fld id="{22743367-B784-4F71-8C29-C0F62797FE66}" type="slidenum">
-              <a:rPr lang="pl-PL" smtClean="0"/>
-              <a:t>17</a:t>
-            </a:fld>
-            <a:endParaRPr lang="pl-PL"/>
-          </a:p>
-        </p:txBody>
-      </p:sp>
-    </p:spTree>
-    <p:extLst>
-      <p:ext uri="{BB962C8B-B14F-4D97-AF65-F5344CB8AC3E}">
-        <p14:creationId xmlns:p14="http://schemas.microsoft.com/office/powerpoint/2010/main" val="2236322427"/>
-      </p:ext>
-    </p:extLst>
-  </p:cSld>
-  <p:clrMapOvr>
-    <a:masterClrMapping/>
-  </p:clrMapOvr>
-</p:notes>
-</file>
-
-<file path=ppt/notesSlides/notesSlide17.xml><?xml version="1.0" encoding="utf-8"?>
-<p:notes xmlns:a="http://schemas.openxmlformats.org/drawingml/2006/main" xmlns:r="http://schemas.openxmlformats.org/officeDocument/2006/relationships" xmlns:p="http://schemas.openxmlformats.org/presentationml/2006/main">
-  <p:cSld>
-    <p:spTree>
-      <p:nvGrpSpPr>
-        <p:cNvPr id="1" name=""/>
-        <p:cNvGrpSpPr/>
-        <p:nvPr/>
-      </p:nvGrpSpPr>
-      <p:grpSpPr>
-        <a:xfrm>
-          <a:off x="0" y="0"/>
-          <a:ext cx="0" cy="0"/>
-          <a:chOff x="0" y="0"/>
-          <a:chExt cx="0" cy="0"/>
-        </a:xfrm>
-      </p:grpSpPr>
-      <p:sp>
-        <p:nvSpPr>
-          <p:cNvPr id="2" name="Symbol zastępczy obrazu slajdu 1"/>
-          <p:cNvSpPr>
-            <a:spLocks noGrp="1" noRot="1" noChangeAspect="1"/>
-          </p:cNvSpPr>
-          <p:nvPr>
-            <p:ph type="sldImg"/>
-          </p:nvPr>
-        </p:nvSpPr>
-        <p:spPr/>
-      </p:sp>
-      <p:sp>
-        <p:nvSpPr>
-          <p:cNvPr id="3" name="Symbol zastępczy notatek 2"/>
-          <p:cNvSpPr>
-            <a:spLocks noGrp="1"/>
-          </p:cNvSpPr>
-          <p:nvPr>
-            <p:ph type="body" idx="1"/>
-          </p:nvPr>
-        </p:nvSpPr>
-        <p:spPr/>
-        <p:txBody>
-          <a:bodyPr/>
-          <a:lstStyle/>
-          <a:p>
-            <a:r>
-              <a:rPr lang="en-US" b="1" dirty="0" smtClean="0"/>
-              <a:t>Android Architecture</a:t>
-            </a:r>
-          </a:p>
-          <a:p>
-            <a:r>
-              <a:rPr lang="en-US" dirty="0" smtClean="0"/>
-              <a:t>The objective is the </a:t>
-            </a:r>
-            <a:r>
-              <a:rPr lang="en-US" sz="1200" b="1" kern="1200" dirty="0" smtClean="0">
-                <a:solidFill>
-                  <a:schemeClr val="tx1"/>
-                </a:solidFill>
-                <a:effectLst/>
-                <a:latin typeface="+mn-lt"/>
-                <a:ea typeface="+mn-ea"/>
-                <a:cs typeface="+mn-cs"/>
-              </a:rPr>
-              <a:t>separation of concerns</a:t>
-            </a:r>
-            <a:r>
-              <a:rPr lang="en-US" dirty="0" smtClean="0"/>
-              <a:t> by keeping the business rules not knowing anything at all about the outside world, thus, they can </a:t>
-            </a:r>
-            <a:r>
-              <a:rPr lang="en-US" dirty="0" err="1" smtClean="0"/>
-              <a:t>can</a:t>
-            </a:r>
-            <a:r>
-              <a:rPr lang="en-US" dirty="0" smtClean="0"/>
-              <a:t> be tested without any dependency to any external element.</a:t>
-            </a:r>
-            <a:br>
-              <a:rPr lang="en-US" dirty="0" smtClean="0"/>
-            </a:br>
-            <a:r>
-              <a:rPr lang="en-US" dirty="0" smtClean="0"/>
-              <a:t>To achieve this, </a:t>
-            </a:r>
-            <a:r>
-              <a:rPr lang="en-US" sz="1200" b="1" kern="1200" dirty="0" smtClean="0">
-                <a:solidFill>
-                  <a:schemeClr val="tx1"/>
-                </a:solidFill>
-                <a:effectLst/>
-                <a:latin typeface="+mn-lt"/>
-                <a:ea typeface="+mn-ea"/>
-                <a:cs typeface="+mn-cs"/>
-              </a:rPr>
-              <a:t>my proposal is about breaking up the project into 3 different layers,</a:t>
-            </a:r>
-            <a:r>
-              <a:rPr lang="en-US" dirty="0" smtClean="0"/>
-              <a:t> in which each one has its own purpose and works separately from the others.</a:t>
-            </a:r>
-            <a:br>
-              <a:rPr lang="en-US" dirty="0" smtClean="0"/>
-            </a:br>
-            <a:r>
-              <a:rPr lang="en-US" dirty="0" smtClean="0"/>
-              <a:t>It is worth mentioning that each layer uses its own data model so this independence can be reached (you will see in code that a data mapper is needed in order to accomplish data transformation, a price to be paid if you do not want to cross the use of your models over the entire application).</a:t>
-            </a:r>
-            <a:br>
-              <a:rPr lang="en-US" dirty="0" smtClean="0"/>
-            </a:br>
-            <a:r>
-              <a:rPr lang="en-US" dirty="0" smtClean="0"/>
-              <a:t>Here is an schema so you can see how it looks like:</a:t>
-            </a:r>
-          </a:p>
-          <a:p>
-            <a:endParaRPr lang="pl-PL" dirty="0" smtClean="0"/>
-          </a:p>
-          <a:p>
-            <a:endParaRPr lang="pl-PL" dirty="0" smtClean="0"/>
-          </a:p>
-          <a:p>
-            <a:pPr marL="0" marR="0" indent="0" algn="l" defTabSz="914400" rtl="0" eaLnBrk="1" fontAlgn="auto" latinLnBrk="0" hangingPunct="1">
-              <a:lnSpc>
-                <a:spcPct val="100000"/>
-              </a:lnSpc>
-              <a:spcBef>
-                <a:spcPts val="0"/>
-              </a:spcBef>
-              <a:spcAft>
-                <a:spcPts val="0"/>
-              </a:spcAft>
-              <a:buClrTx/>
-              <a:buSzTx/>
-              <a:buFontTx/>
-              <a:buNone/>
-              <a:tabLst/>
-              <a:defRPr/>
-            </a:pPr>
-            <a:r>
-              <a:rPr lang="pl-PL" altLang="pl-PL" sz="1200" dirty="0" smtClean="0"/>
-              <a:t>Czy nowoczesne podejście do programowania w Android, tzw. </a:t>
-            </a:r>
-            <a:r>
-              <a:rPr lang="pl-PL" sz="1200" b="1" dirty="0" smtClean="0"/>
-              <a:t>“the </a:t>
-            </a:r>
-            <a:r>
-              <a:rPr lang="pl-PL" sz="1200" b="1" dirty="0" err="1" smtClean="0"/>
-              <a:t>clean</a:t>
-            </a:r>
-            <a:r>
-              <a:rPr lang="pl-PL" sz="1200" b="1" dirty="0" smtClean="0"/>
-              <a:t> </a:t>
-            </a:r>
-            <a:r>
-              <a:rPr lang="pl-PL" sz="1200" b="1" dirty="0" err="1" smtClean="0"/>
-              <a:t>architecture</a:t>
-            </a:r>
-            <a:r>
-              <a:rPr lang="pl-PL" sz="1200" b="1" dirty="0" smtClean="0"/>
-              <a:t>”</a:t>
-            </a:r>
-            <a:r>
-              <a:rPr lang="pl-PL" sz="1200" dirty="0" smtClean="0"/>
-              <a:t>, będzie miało wpływ na poprawienie testowalności i pielęgnowalności aplikacji</a:t>
-            </a:r>
-            <a:endParaRPr lang="pl-PL" altLang="pl-PL" sz="1200" dirty="0" smtClean="0"/>
-          </a:p>
-          <a:p>
-            <a:endParaRPr lang="pl-PL" dirty="0"/>
-          </a:p>
-        </p:txBody>
-      </p:sp>
-      <p:sp>
-        <p:nvSpPr>
-          <p:cNvPr id="4" name="Symbol zastępczy numeru slajdu 3"/>
-          <p:cNvSpPr>
-            <a:spLocks noGrp="1"/>
-          </p:cNvSpPr>
-          <p:nvPr>
-            <p:ph type="sldNum" sz="quarter" idx="10"/>
-          </p:nvPr>
-        </p:nvSpPr>
-        <p:spPr/>
-        <p:txBody>
-          <a:bodyPr/>
-          <a:lstStyle/>
-          <a:p>
-            <a:fld id="{22743367-B784-4F71-8C29-C0F62797FE66}" type="slidenum">
-              <a:rPr lang="pl-PL" smtClean="0"/>
               <a:t>18</a:t>
-            </a:fld>
-            <a:endParaRPr lang="pl-PL"/>
-          </a:p>
-        </p:txBody>
-      </p:sp>
-    </p:spTree>
-    <p:extLst>
-      <p:ext uri="{BB962C8B-B14F-4D97-AF65-F5344CB8AC3E}">
-        <p14:creationId xmlns:p14="http://schemas.microsoft.com/office/powerpoint/2010/main" val="2236322427"/>
-      </p:ext>
-    </p:extLst>
-  </p:cSld>
-  <p:clrMapOvr>
-    <a:masterClrMapping/>
-  </p:clrMapOvr>
-</p:notes>
-</file>
-
-<file path=ppt/notesSlides/notesSlide18.xml><?xml version="1.0" encoding="utf-8"?>
-<p:notes xmlns:a="http://schemas.openxmlformats.org/drawingml/2006/main" xmlns:r="http://schemas.openxmlformats.org/officeDocument/2006/relationships" xmlns:p="http://schemas.openxmlformats.org/presentationml/2006/main">
-  <p:cSld>
-    <p:spTree>
-      <p:nvGrpSpPr>
-        <p:cNvPr id="1" name=""/>
-        <p:cNvGrpSpPr/>
-        <p:nvPr/>
-      </p:nvGrpSpPr>
-      <p:grpSpPr>
-        <a:xfrm>
-          <a:off x="0" y="0"/>
-          <a:ext cx="0" cy="0"/>
-          <a:chOff x="0" y="0"/>
-          <a:chExt cx="0" cy="0"/>
-        </a:xfrm>
-      </p:grpSpPr>
-      <p:sp>
-        <p:nvSpPr>
-          <p:cNvPr id="2" name="Symbol zastępczy obrazu slajdu 1"/>
-          <p:cNvSpPr>
-            <a:spLocks noGrp="1" noRot="1" noChangeAspect="1"/>
-          </p:cNvSpPr>
-          <p:nvPr>
-            <p:ph type="sldImg"/>
-          </p:nvPr>
-        </p:nvSpPr>
-        <p:spPr/>
-      </p:sp>
-      <p:sp>
-        <p:nvSpPr>
-          <p:cNvPr id="3" name="Symbol zastępczy notatek 2"/>
-          <p:cNvSpPr>
-            <a:spLocks noGrp="1"/>
-          </p:cNvSpPr>
-          <p:nvPr>
-            <p:ph type="body" idx="1"/>
-          </p:nvPr>
-        </p:nvSpPr>
-        <p:spPr/>
-        <p:txBody>
-          <a:bodyPr/>
-          <a:lstStyle/>
-          <a:p>
-            <a:r>
-              <a:rPr lang="en-US" b="1" dirty="0" smtClean="0"/>
-              <a:t>Android Architecture</a:t>
-            </a:r>
-          </a:p>
-          <a:p>
-            <a:r>
-              <a:rPr lang="en-US" dirty="0" smtClean="0"/>
-              <a:t>The objective is the </a:t>
-            </a:r>
-            <a:r>
-              <a:rPr lang="en-US" sz="1200" b="1" kern="1200" dirty="0" smtClean="0">
-                <a:solidFill>
-                  <a:schemeClr val="tx1"/>
-                </a:solidFill>
-                <a:effectLst/>
-                <a:latin typeface="+mn-lt"/>
-                <a:ea typeface="+mn-ea"/>
-                <a:cs typeface="+mn-cs"/>
-              </a:rPr>
-              <a:t>separation of concerns</a:t>
-            </a:r>
-            <a:r>
-              <a:rPr lang="en-US" dirty="0" smtClean="0"/>
-              <a:t> by keeping the business rules not knowing anything at all about the outside world, thus, they can </a:t>
-            </a:r>
-            <a:r>
-              <a:rPr lang="en-US" dirty="0" err="1" smtClean="0"/>
-              <a:t>can</a:t>
-            </a:r>
-            <a:r>
-              <a:rPr lang="en-US" dirty="0" smtClean="0"/>
-              <a:t> be tested without any dependency to any external element.</a:t>
-            </a:r>
-            <a:br>
-              <a:rPr lang="en-US" dirty="0" smtClean="0"/>
-            </a:br>
-            <a:r>
-              <a:rPr lang="en-US" dirty="0" smtClean="0"/>
-              <a:t>To achieve this, </a:t>
-            </a:r>
-            <a:r>
-              <a:rPr lang="en-US" sz="1200" b="1" kern="1200" dirty="0" smtClean="0">
-                <a:solidFill>
-                  <a:schemeClr val="tx1"/>
-                </a:solidFill>
-                <a:effectLst/>
-                <a:latin typeface="+mn-lt"/>
-                <a:ea typeface="+mn-ea"/>
-                <a:cs typeface="+mn-cs"/>
-              </a:rPr>
-              <a:t>my proposal is about breaking up the project into 3 different layers,</a:t>
-            </a:r>
-            <a:r>
-              <a:rPr lang="en-US" dirty="0" smtClean="0"/>
-              <a:t> in which each one has its own purpose and works separately from the others.</a:t>
-            </a:r>
-            <a:br>
-              <a:rPr lang="en-US" dirty="0" smtClean="0"/>
-            </a:br>
-            <a:r>
-              <a:rPr lang="en-US" dirty="0" smtClean="0"/>
-              <a:t>It is worth mentioning that each layer uses its own data model so this independence can be reached (you will see in code that a data mapper is needed in order to accomplish data transformation, a price to be paid if you do not want to cross the use of your models over the entire application).</a:t>
-            </a:r>
-            <a:br>
-              <a:rPr lang="en-US" dirty="0" smtClean="0"/>
-            </a:br>
-            <a:r>
-              <a:rPr lang="en-US" dirty="0" smtClean="0"/>
-              <a:t>Here is an schema so you can see how it looks like:</a:t>
-            </a:r>
-          </a:p>
-          <a:p>
-            <a:endParaRPr lang="pl-PL" dirty="0" smtClean="0"/>
-          </a:p>
-          <a:p>
-            <a:endParaRPr lang="pl-PL" dirty="0" smtClean="0"/>
-          </a:p>
-          <a:p>
-            <a:pPr marL="0" marR="0" indent="0" algn="l" defTabSz="914400" rtl="0" eaLnBrk="1" fontAlgn="auto" latinLnBrk="0" hangingPunct="1">
-              <a:lnSpc>
-                <a:spcPct val="100000"/>
-              </a:lnSpc>
-              <a:spcBef>
-                <a:spcPts val="0"/>
-              </a:spcBef>
-              <a:spcAft>
-                <a:spcPts val="0"/>
-              </a:spcAft>
-              <a:buClrTx/>
-              <a:buSzTx/>
-              <a:buFontTx/>
-              <a:buNone/>
-              <a:tabLst/>
-              <a:defRPr/>
-            </a:pPr>
-            <a:r>
-              <a:rPr lang="pl-PL" altLang="pl-PL" sz="1200" dirty="0" smtClean="0"/>
-              <a:t>Czy nowoczesne podejście do programowania w Android, tzw. </a:t>
-            </a:r>
-            <a:r>
-              <a:rPr lang="pl-PL" sz="1200" b="1" dirty="0" smtClean="0"/>
-              <a:t>“the </a:t>
-            </a:r>
-            <a:r>
-              <a:rPr lang="pl-PL" sz="1200" b="1" dirty="0" err="1" smtClean="0"/>
-              <a:t>clean</a:t>
-            </a:r>
-            <a:r>
-              <a:rPr lang="pl-PL" sz="1200" b="1" dirty="0" smtClean="0"/>
-              <a:t> </a:t>
-            </a:r>
-            <a:r>
-              <a:rPr lang="pl-PL" sz="1200" b="1" dirty="0" err="1" smtClean="0"/>
-              <a:t>architecture</a:t>
-            </a:r>
-            <a:r>
-              <a:rPr lang="pl-PL" sz="1200" b="1" dirty="0" smtClean="0"/>
-              <a:t>”</a:t>
-            </a:r>
-            <a:r>
-              <a:rPr lang="pl-PL" sz="1200" dirty="0" smtClean="0"/>
-              <a:t>, będzie miało wpływ na poprawienie testowalności i pielęgnowalności aplikacji</a:t>
-            </a:r>
-            <a:endParaRPr lang="pl-PL" altLang="pl-PL" sz="1200" dirty="0" smtClean="0"/>
-          </a:p>
-          <a:p>
-            <a:endParaRPr lang="pl-PL" dirty="0"/>
-          </a:p>
-        </p:txBody>
-      </p:sp>
-      <p:sp>
-        <p:nvSpPr>
-          <p:cNvPr id="4" name="Symbol zastępczy numeru slajdu 3"/>
-          <p:cNvSpPr>
-            <a:spLocks noGrp="1"/>
-          </p:cNvSpPr>
-          <p:nvPr>
-            <p:ph type="sldNum" sz="quarter" idx="10"/>
-          </p:nvPr>
-        </p:nvSpPr>
-        <p:spPr/>
-        <p:txBody>
-          <a:bodyPr/>
-          <a:lstStyle/>
-          <a:p>
-            <a:fld id="{22743367-B784-4F71-8C29-C0F62797FE66}" type="slidenum">
-              <a:rPr lang="pl-PL" smtClean="0"/>
-              <a:t>19</a:t>
-            </a:fld>
-            <a:endParaRPr lang="pl-PL"/>
-          </a:p>
-        </p:txBody>
-      </p:sp>
-    </p:spTree>
-    <p:extLst>
-      <p:ext uri="{BB962C8B-B14F-4D97-AF65-F5344CB8AC3E}">
-        <p14:creationId xmlns:p14="http://schemas.microsoft.com/office/powerpoint/2010/main" val="2236322427"/>
-      </p:ext>
-    </p:extLst>
-  </p:cSld>
-  <p:clrMapOvr>
-    <a:masterClrMapping/>
-  </p:clrMapOvr>
-</p:notes>
-</file>
-
-<file path=ppt/notesSlides/notesSlide19.xml><?xml version="1.0" encoding="utf-8"?>
-<p:notes xmlns:a="http://schemas.openxmlformats.org/drawingml/2006/main" xmlns:r="http://schemas.openxmlformats.org/officeDocument/2006/relationships" xmlns:p="http://schemas.openxmlformats.org/presentationml/2006/main">
-  <p:cSld>
-    <p:spTree>
-      <p:nvGrpSpPr>
-        <p:cNvPr id="1" name=""/>
-        <p:cNvGrpSpPr/>
-        <p:nvPr/>
-      </p:nvGrpSpPr>
-      <p:grpSpPr>
-        <a:xfrm>
-          <a:off x="0" y="0"/>
-          <a:ext cx="0" cy="0"/>
-          <a:chOff x="0" y="0"/>
-          <a:chExt cx="0" cy="0"/>
-        </a:xfrm>
-      </p:grpSpPr>
-      <p:sp>
-        <p:nvSpPr>
-          <p:cNvPr id="2" name="Symbol zastępczy obrazu slajdu 1"/>
-          <p:cNvSpPr>
-            <a:spLocks noGrp="1" noRot="1" noChangeAspect="1"/>
-          </p:cNvSpPr>
-          <p:nvPr>
-            <p:ph type="sldImg"/>
-          </p:nvPr>
-        </p:nvSpPr>
-        <p:spPr/>
-      </p:sp>
-      <p:sp>
-        <p:nvSpPr>
-          <p:cNvPr id="3" name="Symbol zastępczy notatek 2"/>
-          <p:cNvSpPr>
-            <a:spLocks noGrp="1"/>
-          </p:cNvSpPr>
-          <p:nvPr>
-            <p:ph type="body" idx="1"/>
-          </p:nvPr>
-        </p:nvSpPr>
-        <p:spPr/>
-        <p:txBody>
-          <a:bodyPr/>
-          <a:lstStyle/>
-          <a:p>
-            <a:endParaRPr lang="pl-PL" dirty="0"/>
-          </a:p>
-        </p:txBody>
-      </p:sp>
-      <p:sp>
-        <p:nvSpPr>
-          <p:cNvPr id="4" name="Symbol zastępczy numeru slajdu 3"/>
-          <p:cNvSpPr>
-            <a:spLocks noGrp="1"/>
-          </p:cNvSpPr>
-          <p:nvPr>
-            <p:ph type="sldNum" sz="quarter" idx="10"/>
-          </p:nvPr>
-        </p:nvSpPr>
-        <p:spPr/>
-        <p:txBody>
-          <a:bodyPr/>
-          <a:lstStyle/>
-          <a:p>
-            <a:fld id="{22743367-B784-4F71-8C29-C0F62797FE66}" type="slidenum">
-              <a:rPr lang="pl-PL" smtClean="0"/>
-              <a:t>20</a:t>
             </a:fld>
             <a:endParaRPr lang="pl-PL"/>
           </a:p>
@@ -3139,6 +1617,133 @@
         <p:txBody>
           <a:bodyPr/>
           <a:lstStyle/>
+          <a:p>
+            <a:r>
+              <a:rPr lang="en-US" b="1" dirty="0" smtClean="0"/>
+              <a:t>Android Architecture</a:t>
+            </a:r>
+          </a:p>
+          <a:p>
+            <a:r>
+              <a:rPr lang="en-US" dirty="0" smtClean="0"/>
+              <a:t>The objective is the </a:t>
+            </a:r>
+            <a:r>
+              <a:rPr lang="en-US" sz="1200" b="1" kern="1200" dirty="0" smtClean="0">
+                <a:solidFill>
+                  <a:schemeClr val="tx1"/>
+                </a:solidFill>
+                <a:effectLst/>
+                <a:latin typeface="+mn-lt"/>
+                <a:ea typeface="+mn-ea"/>
+                <a:cs typeface="+mn-cs"/>
+              </a:rPr>
+              <a:t>separation of concerns</a:t>
+            </a:r>
+            <a:r>
+              <a:rPr lang="en-US" dirty="0" smtClean="0"/>
+              <a:t> by keeping the business rules not knowing anything at all about the outside world, thus, they can </a:t>
+            </a:r>
+            <a:r>
+              <a:rPr lang="en-US" dirty="0" err="1" smtClean="0"/>
+              <a:t>can</a:t>
+            </a:r>
+            <a:r>
+              <a:rPr lang="en-US" dirty="0" smtClean="0"/>
+              <a:t> be tested without any dependency to any external element.</a:t>
+            </a:r>
+            <a:br>
+              <a:rPr lang="en-US" dirty="0" smtClean="0"/>
+            </a:br>
+            <a:r>
+              <a:rPr lang="en-US" dirty="0" smtClean="0"/>
+              <a:t>To achieve this, </a:t>
+            </a:r>
+            <a:r>
+              <a:rPr lang="en-US" sz="1200" b="1" kern="1200" dirty="0" smtClean="0">
+                <a:solidFill>
+                  <a:schemeClr val="tx1"/>
+                </a:solidFill>
+                <a:effectLst/>
+                <a:latin typeface="+mn-lt"/>
+                <a:ea typeface="+mn-ea"/>
+                <a:cs typeface="+mn-cs"/>
+              </a:rPr>
+              <a:t>my proposal is about breaking up the project into 3 different layers,</a:t>
+            </a:r>
+            <a:r>
+              <a:rPr lang="en-US" dirty="0" smtClean="0"/>
+              <a:t> in which each one has its own purpose and works separately from the others.</a:t>
+            </a:r>
+            <a:br>
+              <a:rPr lang="en-US" dirty="0" smtClean="0"/>
+            </a:br>
+            <a:r>
+              <a:rPr lang="en-US" dirty="0" smtClean="0"/>
+              <a:t>It is worth mentioning that each layer uses its own data model so this independence can be reached (you will see in code that a data mapper is needed in order to accomplish data transformation, a price to be paid if you do not want to cross the use of your models over the entire application).</a:t>
+            </a:r>
+            <a:br>
+              <a:rPr lang="en-US" dirty="0" smtClean="0"/>
+            </a:br>
+            <a:r>
+              <a:rPr lang="en-US" dirty="0" smtClean="0"/>
+              <a:t>Here is an schema so you can see how it looks like:</a:t>
+            </a:r>
+          </a:p>
+          <a:p>
+            <a:endParaRPr lang="pl-PL" dirty="0" smtClean="0"/>
+          </a:p>
+          <a:p>
+            <a:endParaRPr lang="pl-PL" dirty="0" smtClean="0"/>
+          </a:p>
+          <a:p>
+            <a:pPr marL="0" marR="0" indent="0" algn="l" defTabSz="914400" rtl="0" eaLnBrk="1" fontAlgn="auto" latinLnBrk="0" hangingPunct="1">
+              <a:lnSpc>
+                <a:spcPct val="100000"/>
+              </a:lnSpc>
+              <a:spcBef>
+                <a:spcPts val="0"/>
+              </a:spcBef>
+              <a:spcAft>
+                <a:spcPts val="0"/>
+              </a:spcAft>
+              <a:buClrTx/>
+              <a:buSzTx/>
+              <a:buFontTx/>
+              <a:buNone/>
+              <a:tabLst/>
+              <a:defRPr/>
+            </a:pPr>
+            <a:r>
+              <a:rPr lang="pl-PL" altLang="pl-PL" sz="1200" dirty="0" smtClean="0"/>
+              <a:t>Czy nowoczesne podejście do programowania w Android, tzw. </a:t>
+            </a:r>
+            <a:r>
+              <a:rPr lang="pl-PL" sz="1200" b="1" dirty="0" smtClean="0"/>
+              <a:t>“the </a:t>
+            </a:r>
+            <a:r>
+              <a:rPr lang="pl-PL" sz="1200" b="1" dirty="0" err="1" smtClean="0"/>
+              <a:t>clean</a:t>
+            </a:r>
+            <a:r>
+              <a:rPr lang="pl-PL" sz="1200" b="1" dirty="0" smtClean="0"/>
+              <a:t> </a:t>
+            </a:r>
+            <a:r>
+              <a:rPr lang="pl-PL" sz="1200" b="1" dirty="0" err="1" smtClean="0"/>
+              <a:t>architecture</a:t>
+            </a:r>
+            <a:r>
+              <a:rPr lang="pl-PL" sz="1200" b="1" dirty="0" smtClean="0"/>
+              <a:t>”</a:t>
+            </a:r>
+            <a:r>
+              <a:rPr lang="pl-PL" sz="1200" dirty="0" smtClean="0"/>
+              <a:t>, będzie miało wpływ na poprawienie testowalności i pielęgnowalności aplikacji</a:t>
+            </a:r>
+            <a:endParaRPr lang="pl-PL" altLang="pl-PL" sz="1200" dirty="0" smtClean="0"/>
+          </a:p>
           <a:p>
             <a:endParaRPr lang="pl-PL" dirty="0"/>
           </a:p>
@@ -3486,7 +2091,7 @@
           <a:p>
             <a:fld id="{50135757-D3A2-4B58-B5BC-E38DD5A76FD6}" type="datetimeFigureOut">
               <a:rPr lang="pl-PL" smtClean="0"/>
-              <a:t>2016-03-12</a:t>
+              <a:t>2016-05-01</a:t>
             </a:fld>
             <a:endParaRPr lang="pl-PL"/>
           </a:p>
@@ -3671,7 +2276,7 @@
           <a:p>
             <a:fld id="{50135757-D3A2-4B58-B5BC-E38DD5A76FD6}" type="datetimeFigureOut">
               <a:rPr lang="pl-PL" smtClean="0"/>
-              <a:t>2016-03-12</a:t>
+              <a:t>2016-05-01</a:t>
             </a:fld>
             <a:endParaRPr lang="pl-PL"/>
           </a:p>
@@ -3856,7 +2461,7 @@
           <a:p>
             <a:fld id="{50135757-D3A2-4B58-B5BC-E38DD5A76FD6}" type="datetimeFigureOut">
               <a:rPr lang="pl-PL" smtClean="0"/>
-              <a:t>2016-03-12</a:t>
+              <a:t>2016-05-01</a:t>
             </a:fld>
             <a:endParaRPr lang="pl-PL"/>
           </a:p>
@@ -4041,7 +2646,7 @@
           <a:p>
             <a:fld id="{50135757-D3A2-4B58-B5BC-E38DD5A76FD6}" type="datetimeFigureOut">
               <a:rPr lang="pl-PL" smtClean="0"/>
-              <a:t>2016-03-12</a:t>
+              <a:t>2016-05-01</a:t>
             </a:fld>
             <a:endParaRPr lang="pl-PL"/>
           </a:p>
@@ -4422,7 +3027,7 @@
           <a:p>
             <a:fld id="{50135757-D3A2-4B58-B5BC-E38DD5A76FD6}" type="datetimeFigureOut">
               <a:rPr lang="pl-PL" smtClean="0"/>
-              <a:t>2016-03-12</a:t>
+              <a:t>2016-05-01</a:t>
             </a:fld>
             <a:endParaRPr lang="pl-PL"/>
           </a:p>
@@ -4691,7 +3296,7 @@
           <a:p>
             <a:fld id="{50135757-D3A2-4B58-B5BC-E38DD5A76FD6}" type="datetimeFigureOut">
               <a:rPr lang="pl-PL" smtClean="0"/>
-              <a:t>2016-03-12</a:t>
+              <a:t>2016-05-01</a:t>
             </a:fld>
             <a:endParaRPr lang="pl-PL"/>
           </a:p>
@@ -5076,7 +3681,7 @@
           <a:p>
             <a:fld id="{50135757-D3A2-4B58-B5BC-E38DD5A76FD6}" type="datetimeFigureOut">
               <a:rPr lang="pl-PL" smtClean="0"/>
-              <a:t>2016-03-12</a:t>
+              <a:t>2016-05-01</a:t>
             </a:fld>
             <a:endParaRPr lang="pl-PL"/>
           </a:p>
@@ -5197,7 +3802,7 @@
           <a:p>
             <a:fld id="{50135757-D3A2-4B58-B5BC-E38DD5A76FD6}" type="datetimeFigureOut">
               <a:rPr lang="pl-PL" smtClean="0"/>
-              <a:t>2016-03-12</a:t>
+              <a:t>2016-05-01</a:t>
             </a:fld>
             <a:endParaRPr lang="pl-PL"/>
           </a:p>
@@ -5377,7 +3982,7 @@
           <a:p>
             <a:fld id="{50135757-D3A2-4B58-B5BC-E38DD5A76FD6}" type="datetimeFigureOut">
               <a:rPr lang="pl-PL" smtClean="0"/>
-              <a:t>2016-03-12</a:t>
+              <a:t>2016-05-01</a:t>
             </a:fld>
             <a:endParaRPr lang="pl-PL"/>
           </a:p>
@@ -5711,7 +4316,7 @@
           <a:p>
             <a:fld id="{50135757-D3A2-4B58-B5BC-E38DD5A76FD6}" type="datetimeFigureOut">
               <a:rPr lang="pl-PL" smtClean="0"/>
-              <a:t>2016-03-12</a:t>
+              <a:t>2016-05-01</a:t>
             </a:fld>
             <a:endParaRPr lang="pl-PL"/>
           </a:p>
@@ -6080,7 +4685,7 @@
           <a:p>
             <a:fld id="{50135757-D3A2-4B58-B5BC-E38DD5A76FD6}" type="datetimeFigureOut">
               <a:rPr lang="pl-PL" smtClean="0"/>
-              <a:t>2016-03-12</a:t>
+              <a:t>2016-05-01</a:t>
             </a:fld>
             <a:endParaRPr lang="pl-PL"/>
           </a:p>
@@ -6498,7 +5103,7 @@
           <a:p>
             <a:fld id="{50135757-D3A2-4B58-B5BC-E38DD5A76FD6}" type="datetimeFigureOut">
               <a:rPr lang="pl-PL" smtClean="0"/>
-              <a:t>2016-03-12</a:t>
+              <a:t>2016-05-01</a:t>
             </a:fld>
             <a:endParaRPr lang="pl-PL"/>
           </a:p>
@@ -7122,13 +5727,10 @@
           <a:lstStyle/>
           <a:p>
             <a:r>
-              <a:rPr lang="pl-PL" b="1" dirty="0" smtClean="0"/>
-              <a:t>Po co w ogóle testować</a:t>
-            </a:r>
-            <a:r>
               <a:rPr lang="pl-PL" dirty="0" smtClean="0"/>
-              <a:t>?</a:t>
-            </a:r>
+              <a:t>Standardowa struktura aplikacji dla systemu Android</a:t>
+            </a:r>
+            <a:endParaRPr lang="pl-PL" dirty="0" smtClean="0"/>
           </a:p>
           <a:p>
             <a:pPr marL="0" indent="0">
@@ -7136,11 +5738,18 @@
             </a:pPr>
             <a:endParaRPr lang="pl-PL" sz="2400" dirty="0" smtClean="0"/>
           </a:p>
+          <a:p>
+            <a:pPr>
+              <a:buFont typeface="Wingdings" panose="05000000000000000000" pitchFamily="2" charset="2"/>
+              <a:buChar char="Ø"/>
+            </a:pPr>
+            <a:endParaRPr lang="pl-PL" sz="2400" dirty="0"/>
+          </a:p>
         </p:txBody>
       </p:sp>
       <p:pic>
         <p:nvPicPr>
-          <p:cNvPr id="4" name="Picture 2"/>
+          <p:cNvPr id="4098" name="Picture 2"/>
           <p:cNvPicPr>
             <a:picLocks noChangeAspect="1" noChangeArrowheads="1"/>
           </p:cNvPicPr>
@@ -7161,8 +5770,211 @@
         </p:blipFill>
         <p:spPr bwMode="auto">
           <a:xfrm>
-            <a:off x="971550" y="1520825"/>
-            <a:ext cx="7199313" cy="3816350"/>
+            <a:off x="2552700" y="1932781"/>
+            <a:ext cx="4038600" cy="3800475"/>
+          </a:xfrm>
+          <a:prstGeom prst="rect">
+            <a:avLst/>
+          </a:prstGeom>
+          <a:noFill/>
+          <a:ln>
+            <a:noFill/>
+          </a:ln>
+          <a:extLst>
+            <a:ext uri="{909E8E84-426E-40DD-AFC4-6F175D3DCCD1}">
+              <a14:hiddenFill xmlns:a14="http://schemas.microsoft.com/office/drawing/2010/main">
+                <a:solidFill>
+                  <a:schemeClr val="accent1"/>
+                </a:solidFill>
+              </a14:hiddenFill>
+            </a:ext>
+            <a:ext uri="{91240B29-F687-4F45-9708-019B960494DF}">
+              <a14:hiddenLine xmlns:a14="http://schemas.microsoft.com/office/drawing/2010/main" w="9525">
+                <a:solidFill>
+                  <a:schemeClr val="tx1"/>
+                </a:solidFill>
+                <a:miter lim="800000"/>
+                <a:headEnd/>
+                <a:tailEnd/>
+              </a14:hiddenLine>
+            </a:ext>
+          </a:extLst>
+        </p:spPr>
+      </p:pic>
+    </p:spTree>
+    <p:extLst>
+      <p:ext uri="{BB962C8B-B14F-4D97-AF65-F5344CB8AC3E}">
+        <p14:creationId xmlns:p14="http://schemas.microsoft.com/office/powerpoint/2010/main" val="289452782"/>
+      </p:ext>
+    </p:extLst>
+  </p:cSld>
+  <p:clrMapOvr>
+    <a:masterClrMapping/>
+  </p:clrMapOvr>
+  <p:timing>
+    <p:tnLst>
+      <p:par>
+        <p:cTn id="1" dur="indefinite" restart="never" nodeType="tmRoot"/>
+      </p:par>
+    </p:tnLst>
+  </p:timing>
+</p:sld>
+</file>
+
+<file path=ppt/slides/slide11.xml><?xml version="1.0" encoding="utf-8"?>
+<p:sld xmlns:a="http://schemas.openxmlformats.org/drawingml/2006/main" xmlns:r="http://schemas.openxmlformats.org/officeDocument/2006/relationships" xmlns:p="http://schemas.openxmlformats.org/presentationml/2006/main">
+  <p:cSld>
+    <p:spTree>
+      <p:nvGrpSpPr>
+        <p:cNvPr id="1" name=""/>
+        <p:cNvGrpSpPr/>
+        <p:nvPr/>
+      </p:nvGrpSpPr>
+      <p:grpSpPr>
+        <a:xfrm>
+          <a:off x="0" y="0"/>
+          <a:ext cx="0" cy="0"/>
+          <a:chOff x="0" y="0"/>
+          <a:chExt cx="0" cy="0"/>
+        </a:xfrm>
+      </p:grpSpPr>
+      <p:sp>
+        <p:nvSpPr>
+          <p:cNvPr id="2" name="Tytuł 1"/>
+          <p:cNvSpPr>
+            <a:spLocks noGrp="1"/>
+          </p:cNvSpPr>
+          <p:nvPr>
+            <p:ph type="title"/>
+          </p:nvPr>
+        </p:nvSpPr>
+        <p:spPr>
+          <a:xfrm>
+            <a:off x="467544" y="5661248"/>
+            <a:ext cx="8183880" cy="691520"/>
+          </a:xfrm>
+        </p:spPr>
+        <p:txBody>
+          <a:bodyPr>
+            <a:normAutofit/>
+          </a:bodyPr>
+          <a:lstStyle/>
+          <a:p>
+            <a:r>
+              <a:rPr lang="pl-PL" sz="1400" dirty="0" smtClean="0"/>
+              <a:t>Rafał Sowiak – „Testowalność aplikacji mobilnych na platformę Android”</a:t>
+            </a:r>
+            <a:endParaRPr lang="pl-PL" sz="1400" dirty="0"/>
+          </a:p>
+        </p:txBody>
+      </p:sp>
+      <p:sp>
+        <p:nvSpPr>
+          <p:cNvPr id="3" name="Symbol zastępczy zawartości 2"/>
+          <p:cNvSpPr>
+            <a:spLocks noGrp="1"/>
+          </p:cNvSpPr>
+          <p:nvPr>
+            <p:ph idx="1"/>
+          </p:nvPr>
+        </p:nvSpPr>
+        <p:spPr>
+          <a:xfrm>
+            <a:off x="502920" y="530352"/>
+            <a:ext cx="8183880" cy="5346920"/>
+          </a:xfrm>
+        </p:spPr>
+        <p:txBody>
+          <a:bodyPr>
+            <a:normAutofit/>
+          </a:bodyPr>
+          <a:lstStyle/>
+          <a:p>
+            <a:pPr marL="0" lvl="0" indent="0">
+              <a:buNone/>
+            </a:pPr>
+            <a:r>
+              <a:rPr lang="pl-PL" sz="2400" dirty="0" smtClean="0"/>
+              <a:t>Podejście klasyczne to testów, czyli odwrócona piramida testowania </a:t>
+            </a:r>
+            <a:r>
+              <a:rPr lang="pl-PL" sz="2400" dirty="0" smtClean="0"/>
+              <a:t>– „</a:t>
+            </a:r>
+            <a:r>
+              <a:rPr lang="pl-PL" sz="2400" dirty="0" err="1" smtClean="0"/>
+              <a:t>Ice</a:t>
+            </a:r>
+            <a:r>
+              <a:rPr lang="pl-PL" sz="2400" dirty="0" smtClean="0"/>
+              <a:t> </a:t>
+            </a:r>
+            <a:r>
+              <a:rPr lang="pl-PL" sz="2400" dirty="0" err="1" smtClean="0"/>
+              <a:t>Cream</a:t>
+            </a:r>
+            <a:r>
+              <a:rPr lang="pl-PL" sz="2400" dirty="0" smtClean="0"/>
+              <a:t> </a:t>
+            </a:r>
+            <a:r>
+              <a:rPr lang="pl-PL" sz="2400" dirty="0" err="1" smtClean="0"/>
+              <a:t>AntiPattern</a:t>
+            </a:r>
+            <a:r>
+              <a:rPr lang="pl-PL" sz="2400" dirty="0" smtClean="0"/>
+              <a:t>” </a:t>
+            </a:r>
+            <a:endParaRPr lang="pl-PL" sz="2400" dirty="0" smtClean="0"/>
+          </a:p>
+          <a:p>
+            <a:pPr marL="0" lvl="0" indent="0">
+              <a:buNone/>
+            </a:pPr>
+            <a:r>
+              <a:rPr lang="pl-PL" sz="1400" dirty="0" smtClean="0"/>
+              <a:t>(</a:t>
+            </a:r>
+            <a:r>
+              <a:rPr lang="pl-PL" sz="1400" dirty="0"/>
+              <a:t>Źródło: </a:t>
+            </a:r>
+            <a:r>
+              <a:rPr lang="pl-PL" sz="1400" dirty="0" smtClean="0"/>
+              <a:t>watirmelon.com)</a:t>
+            </a:r>
+          </a:p>
+          <a:p>
+            <a:pPr lvl="0"/>
+            <a:endParaRPr lang="pl-PL" sz="1400" dirty="0"/>
+          </a:p>
+        </p:txBody>
+      </p:sp>
+      <p:pic>
+        <p:nvPicPr>
+          <p:cNvPr id="6146" name="Picture 2"/>
+          <p:cNvPicPr>
+            <a:picLocks noChangeAspect="1" noChangeArrowheads="1"/>
+          </p:cNvPicPr>
+          <p:nvPr/>
+        </p:nvPicPr>
+        <p:blipFill>
+          <a:blip r:embed="rId3">
+            <a:extLst>
+              <a:ext uri="{28A0092B-C50C-407E-A947-70E740481C1C}">
+                <a14:useLocalDpi xmlns:a14="http://schemas.microsoft.com/office/drawing/2010/main" val="0"/>
+              </a:ext>
+            </a:extLst>
+          </a:blip>
+          <a:srcRect/>
+          <a:stretch>
+            <a:fillRect/>
+          </a:stretch>
+        </p:blipFill>
+        <p:spPr bwMode="auto">
+          <a:xfrm>
+            <a:off x="2555776" y="1761051"/>
+            <a:ext cx="4115671" cy="3972205"/>
           </a:xfrm>
           <a:prstGeom prst="rect">
             <a:avLst/>
@@ -7205,160 +6017,7 @@
     </p:spTree>
     <p:extLst>
       <p:ext uri="{BB962C8B-B14F-4D97-AF65-F5344CB8AC3E}">
-        <p14:creationId xmlns:p14="http://schemas.microsoft.com/office/powerpoint/2010/main" val="1377015515"/>
-      </p:ext>
-    </p:extLst>
-  </p:cSld>
-  <p:clrMapOvr>
-    <a:masterClrMapping/>
-  </p:clrMapOvr>
-  <p:timing>
-    <p:tnLst>
-      <p:par>
-        <p:cTn id="1" dur="indefinite" restart="never" nodeType="tmRoot"/>
-      </p:par>
-    </p:tnLst>
-  </p:timing>
-</p:sld>
-</file>
-
-<file path=ppt/slides/slide11.xml><?xml version="1.0" encoding="utf-8"?>
-<p:sld xmlns:a="http://schemas.openxmlformats.org/drawingml/2006/main" xmlns:r="http://schemas.openxmlformats.org/officeDocument/2006/relationships" xmlns:p="http://schemas.openxmlformats.org/presentationml/2006/main">
-  <p:cSld>
-    <p:spTree>
-      <p:nvGrpSpPr>
-        <p:cNvPr id="1" name=""/>
-        <p:cNvGrpSpPr/>
-        <p:nvPr/>
-      </p:nvGrpSpPr>
-      <p:grpSpPr>
-        <a:xfrm>
-          <a:off x="0" y="0"/>
-          <a:ext cx="0" cy="0"/>
-          <a:chOff x="0" y="0"/>
-          <a:chExt cx="0" cy="0"/>
-        </a:xfrm>
-      </p:grpSpPr>
-      <p:sp>
-        <p:nvSpPr>
-          <p:cNvPr id="2" name="Tytuł 1"/>
-          <p:cNvSpPr>
-            <a:spLocks noGrp="1"/>
-          </p:cNvSpPr>
-          <p:nvPr>
-            <p:ph type="title"/>
-          </p:nvPr>
-        </p:nvSpPr>
-        <p:spPr>
-          <a:xfrm>
-            <a:off x="467544" y="5661248"/>
-            <a:ext cx="8183880" cy="691520"/>
-          </a:xfrm>
-        </p:spPr>
-        <p:txBody>
-          <a:bodyPr>
-            <a:normAutofit/>
-          </a:bodyPr>
-          <a:lstStyle/>
-          <a:p>
-            <a:r>
-              <a:rPr lang="pl-PL" sz="1400" dirty="0" smtClean="0"/>
-              <a:t>Rafał Sowiak – „Testowalność aplikacji mobilnych na platformę Android”</a:t>
-            </a:r>
-            <a:endParaRPr lang="pl-PL" sz="1400" dirty="0"/>
-          </a:p>
-        </p:txBody>
-      </p:sp>
-      <p:sp>
-        <p:nvSpPr>
-          <p:cNvPr id="3" name="Symbol zastępczy zawartości 2"/>
-          <p:cNvSpPr>
-            <a:spLocks noGrp="1"/>
-          </p:cNvSpPr>
-          <p:nvPr>
-            <p:ph idx="1"/>
-          </p:nvPr>
-        </p:nvSpPr>
-        <p:spPr>
-          <a:xfrm>
-            <a:off x="502920" y="530352"/>
-            <a:ext cx="8183880" cy="5346920"/>
-          </a:xfrm>
-        </p:spPr>
-        <p:txBody>
-          <a:bodyPr>
-            <a:normAutofit/>
-          </a:bodyPr>
-          <a:lstStyle/>
-          <a:p>
-            <a:r>
-              <a:rPr lang="pl-PL" b="1" dirty="0" smtClean="0"/>
-              <a:t>Jak to jest z tą testowalnością aplikacji dla Android</a:t>
-            </a:r>
-            <a:r>
-              <a:rPr lang="pl-PL" dirty="0" smtClean="0"/>
-              <a:t>?</a:t>
-            </a:r>
-          </a:p>
-          <a:p>
-            <a:pPr marL="0" indent="0">
-              <a:buNone/>
-            </a:pPr>
-            <a:endParaRPr lang="pl-PL" sz="2400" dirty="0" smtClean="0"/>
-          </a:p>
-          <a:p>
-            <a:pPr marL="0" indent="0">
-              <a:buNone/>
-            </a:pPr>
-            <a:endParaRPr lang="pl-PL" sz="2400" dirty="0"/>
-          </a:p>
-        </p:txBody>
-      </p:sp>
-      <p:pic>
-        <p:nvPicPr>
-          <p:cNvPr id="4" name="Picture 2" descr="C:\Users\raso\AppData\Local\Microsoft\Windows\Temporary Internet Files\Content.IE5\TXWZ5SD4\question-mark[1].jpg"/>
-          <p:cNvPicPr>
-            <a:picLocks noChangeAspect="1" noChangeArrowheads="1"/>
-          </p:cNvPicPr>
-          <p:nvPr/>
-        </p:nvPicPr>
-        <p:blipFill>
-          <a:blip r:embed="rId3">
-            <a:extLst>
-              <a:ext uri="{28A0092B-C50C-407E-A947-70E740481C1C}">
-                <a14:useLocalDpi xmlns:a14="http://schemas.microsoft.com/office/drawing/2010/main" val="0"/>
-              </a:ext>
-            </a:extLst>
-          </a:blip>
-          <a:srcRect/>
-          <a:stretch>
-            <a:fillRect/>
-          </a:stretch>
-        </p:blipFill>
-        <p:spPr bwMode="auto">
-          <a:xfrm>
-            <a:off x="2195735" y="1844824"/>
-            <a:ext cx="4800533" cy="3600400"/>
-          </a:xfrm>
-          <a:prstGeom prst="rect">
-            <a:avLst/>
-          </a:prstGeom>
-          <a:noFill/>
-          <a:extLst>
-            <a:ext uri="{909E8E84-426E-40DD-AFC4-6F175D3DCCD1}">
-              <a14:hiddenFill xmlns:a14="http://schemas.microsoft.com/office/drawing/2010/main">
-                <a:solidFill>
-                  <a:srgbClr val="FFFFFF"/>
-                </a:solidFill>
-              </a14:hiddenFill>
-            </a:ext>
-          </a:extLst>
-        </p:spPr>
-      </p:pic>
-    </p:spTree>
-    <p:extLst>
-      <p:ext uri="{BB962C8B-B14F-4D97-AF65-F5344CB8AC3E}">
-        <p14:creationId xmlns:p14="http://schemas.microsoft.com/office/powerpoint/2010/main" val="3768977986"/>
+        <p14:creationId xmlns:p14="http://schemas.microsoft.com/office/powerpoint/2010/main" val="1914693615"/>
       </p:ext>
     </p:extLst>
   </p:cSld>
@@ -7444,75 +6103,111 @@
           </a:bodyPr>
           <a:lstStyle/>
           <a:p>
-            <a:r>
-              <a:rPr lang="pl-PL" b="1" dirty="0"/>
-              <a:t>Jak to jest z tą testowalnością aplikacji dla Android</a:t>
-            </a:r>
-            <a:r>
-              <a:rPr lang="pl-PL" dirty="0"/>
-              <a:t>?</a:t>
-            </a:r>
-            <a:endParaRPr lang="pl-PL" dirty="0" smtClean="0"/>
-          </a:p>
-          <a:p>
-            <a:pPr marL="0" indent="0">
+            <a:pPr marL="0" lvl="0" indent="0">
               <a:buNone/>
             </a:pPr>
-            <a:endParaRPr lang="pl-PL" sz="2400" dirty="0" smtClean="0"/>
-          </a:p>
-          <a:p>
-            <a:pPr>
-              <a:buFont typeface="Wingdings" panose="05000000000000000000" pitchFamily="2" charset="2"/>
-              <a:buChar char="Ø"/>
+            <a:r>
+              <a:rPr lang="pl-PL" sz="2400" dirty="0" smtClean="0"/>
+              <a:t>Idealna piramida testowania </a:t>
+            </a:r>
+          </a:p>
+          <a:p>
+            <a:pPr marL="0" lvl="0" indent="0">
+              <a:buNone/>
             </a:pPr>
             <a:r>
-              <a:rPr lang="pl-PL" altLang="pl-PL" sz="2400" dirty="0" smtClean="0"/>
-              <a:t>Czy aktualna struktura aplikacji jest testowalna?</a:t>
-            </a:r>
-            <a:endParaRPr lang="pl-PL" altLang="pl-PL" sz="2400" dirty="0"/>
-          </a:p>
-          <a:p>
-            <a:pPr>
-              <a:buFont typeface="Wingdings" panose="05000000000000000000" pitchFamily="2" charset="2"/>
-              <a:buChar char="Ø"/>
-            </a:pPr>
-            <a:endParaRPr lang="pl-PL" altLang="pl-PL" sz="2400" b="1" dirty="0" smtClean="0"/>
-          </a:p>
-          <a:p>
-            <a:pPr>
-              <a:buFont typeface="Wingdings" panose="05000000000000000000" pitchFamily="2" charset="2"/>
-              <a:buChar char="Ø"/>
-            </a:pPr>
-            <a:r>
-              <a:rPr lang="pl-PL" altLang="pl-PL" sz="2400" dirty="0" smtClean="0"/>
-              <a:t>Czy da się tak poprawić strukturę, aby aplikacje były bardziej testowalne niż obecnie?</a:t>
-            </a:r>
-            <a:endParaRPr lang="pl-PL" altLang="pl-PL" sz="2400" dirty="0"/>
-          </a:p>
-          <a:p>
-            <a:pPr>
-              <a:buFont typeface="Wingdings" panose="05000000000000000000" pitchFamily="2" charset="2"/>
-              <a:buChar char="Ø"/>
-            </a:pPr>
-            <a:endParaRPr lang="pl-PL" altLang="pl-PL" sz="2400" b="1" dirty="0" smtClean="0"/>
-          </a:p>
-          <a:p>
-            <a:pPr>
-              <a:buFont typeface="Wingdings" panose="05000000000000000000" pitchFamily="2" charset="2"/>
-              <a:buChar char="Ø"/>
-            </a:pPr>
-            <a:r>
-              <a:rPr lang="pl-PL" altLang="pl-PL" sz="2400" b="1" dirty="0" smtClean="0"/>
-              <a:t>Na te pytania postaram się odpowiedzieć w mojej pracy.</a:t>
-            </a:r>
-            <a:endParaRPr lang="pl-PL" sz="2400" dirty="0"/>
-          </a:p>
-        </p:txBody>
-      </p:sp>
+              <a:rPr lang="pl-PL" sz="1400" dirty="0" smtClean="0"/>
+              <a:t>(</a:t>
+            </a:r>
+            <a:r>
+              <a:rPr lang="pl-PL" sz="1400" dirty="0"/>
+              <a:t>Źródło: Mike Cohn „</a:t>
+            </a:r>
+            <a:r>
+              <a:rPr lang="pl-PL" sz="1400" dirty="0" err="1"/>
+              <a:t>Succeeding</a:t>
+            </a:r>
+            <a:r>
+              <a:rPr lang="pl-PL" sz="1400" dirty="0"/>
+              <a:t> </a:t>
+            </a:r>
+            <a:r>
+              <a:rPr lang="pl-PL" sz="1400" dirty="0" smtClean="0"/>
+              <a:t>with </a:t>
+            </a:r>
+            <a:r>
+              <a:rPr lang="pl-PL" sz="1400" dirty="0"/>
+              <a:t>Agile</a:t>
+            </a:r>
+            <a:r>
+              <a:rPr lang="pl-PL" sz="1400" dirty="0" smtClean="0"/>
+              <a:t>”)</a:t>
+            </a:r>
+          </a:p>
+          <a:p>
+            <a:pPr lvl="0"/>
+            <a:endParaRPr lang="pl-PL" sz="1400" dirty="0"/>
+          </a:p>
+        </p:txBody>
+      </p:sp>
+      <p:pic>
+        <p:nvPicPr>
+          <p:cNvPr id="7170" name="Picture 2"/>
+          <p:cNvPicPr>
+            <a:picLocks noChangeAspect="1" noChangeArrowheads="1"/>
+          </p:cNvPicPr>
+          <p:nvPr/>
+        </p:nvPicPr>
+        <p:blipFill>
+          <a:blip r:embed="rId3">
+            <a:extLst>
+              <a:ext uri="{28A0092B-C50C-407E-A947-70E740481C1C}">
+                <a14:useLocalDpi xmlns:a14="http://schemas.microsoft.com/office/drawing/2010/main" val="0"/>
+              </a:ext>
+            </a:extLst>
+          </a:blip>
+          <a:srcRect/>
+          <a:stretch>
+            <a:fillRect/>
+          </a:stretch>
+        </p:blipFill>
+        <p:spPr bwMode="auto">
+          <a:xfrm>
+            <a:off x="2627784" y="1484784"/>
+            <a:ext cx="4048101" cy="4286225"/>
+          </a:xfrm>
+          <a:prstGeom prst="rect">
+            <a:avLst/>
+          </a:prstGeom>
+          <a:noFill/>
+          <a:ln>
+            <a:noFill/>
+          </a:ln>
+          <a:extLst>
+            <a:ext uri="{909E8E84-426E-40DD-AFC4-6F175D3DCCD1}">
+              <a14:hiddenFill xmlns:a14="http://schemas.microsoft.com/office/drawing/2010/main">
+                <a:solidFill>
+                  <a:schemeClr val="accent1"/>
+                </a:solidFill>
+              </a14:hiddenFill>
+            </a:ext>
+            <a:ext uri="{91240B29-F687-4F45-9708-019B960494DF}">
+              <a14:hiddenLine xmlns:a14="http://schemas.microsoft.com/office/drawing/2010/main" w="9525">
+                <a:solidFill>
+                  <a:schemeClr val="tx1"/>
+                </a:solidFill>
+                <a:miter lim="800000"/>
+                <a:headEnd/>
+                <a:tailEnd/>
+              </a14:hiddenLine>
+            </a:ext>
+          </a:extLst>
+        </p:spPr>
+      </p:pic>
     </p:spTree>
     <p:extLst>
       <p:ext uri="{BB962C8B-B14F-4D97-AF65-F5344CB8AC3E}">
-        <p14:creationId xmlns:p14="http://schemas.microsoft.com/office/powerpoint/2010/main" val="3580686282"/>
+        <p14:creationId xmlns:p14="http://schemas.microsoft.com/office/powerpoint/2010/main" val="2886702679"/>
       </p:ext>
     </p:extLst>
   </p:cSld>
@@ -7598,29 +6293,37 @@
           </a:bodyPr>
           <a:lstStyle/>
           <a:p>
+            <a:r>
+              <a:rPr lang="pl-PL" dirty="0" smtClean="0"/>
+              <a:t>Nowe podejście do architektury systemu</a:t>
+            </a:r>
+            <a:endParaRPr lang="pl-PL" dirty="0" smtClean="0"/>
+          </a:p>
+          <a:p>
             <a:pPr marL="0" indent="0">
               <a:buNone/>
             </a:pPr>
-            <a:r>
-              <a:rPr lang="pl-PL" sz="2400" b="1" dirty="0" smtClean="0"/>
-              <a:t>Podejście standardowe przy tworzeniu aplikacji dla Android</a:t>
-            </a:r>
-          </a:p>
-          <a:p>
+            <a:endParaRPr lang="pl-PL" sz="2400" dirty="0" smtClean="0"/>
+          </a:p>
+          <a:p>
+            <a:pPr>
+              <a:buFont typeface="Wingdings" panose="05000000000000000000" pitchFamily="2" charset="2"/>
+              <a:buChar char="Ø"/>
+            </a:pPr>
             <a:endParaRPr lang="pl-PL" sz="2400" dirty="0"/>
           </a:p>
         </p:txBody>
       </p:sp>
       <p:pic>
         <p:nvPicPr>
-          <p:cNvPr id="1027" name="Picture 3"/>
+          <p:cNvPr id="5122" name="Picture 2"/>
           <p:cNvPicPr>
             <a:picLocks noChangeAspect="1" noChangeArrowheads="1"/>
           </p:cNvPicPr>
           <p:nvPr/>
         </p:nvPicPr>
         <p:blipFill>
-          <a:blip r:embed="rId3" cstate="print">
+          <a:blip r:embed="rId3">
             <a:extLst>
               <a:ext uri="{28A0092B-C50C-407E-A947-70E740481C1C}">
                 <a14:useLocalDpi xmlns:a14="http://schemas.microsoft.com/office/drawing/2010/main" val="0"/>
@@ -7634,8 +6337,8 @@
         </p:blipFill>
         <p:spPr bwMode="auto">
           <a:xfrm>
-            <a:off x="1115616" y="2323257"/>
-            <a:ext cx="5895975" cy="2401887"/>
+            <a:off x="1259632" y="1412776"/>
+            <a:ext cx="6612953" cy="4146972"/>
           </a:xfrm>
           <a:prstGeom prst="rect">
             <a:avLst/>
@@ -7644,7 +6347,6 @@
           <a:ln>
             <a:noFill/>
           </a:ln>
-          <a:effectLst/>
           <a:extLst>
             <a:ext uri="{909E8E84-426E-40DD-AFC4-6F175D3DCCD1}">
               <a14:hiddenFill xmlns:a14="http://schemas.microsoft.com/office/drawing/2010/main">
@@ -7663,22 +6365,13 @@
                 <a:tailEnd/>
               </a14:hiddenLine>
             </a:ext>
-            <a:ext uri="{AF507438-7753-43E0-B8FC-AC1667EBCBE1}">
-              <a14:hiddenEffects xmlns:a14="http://schemas.microsoft.com/office/drawing/2010/main">
-                <a:effectLst>
-                  <a:outerShdw dist="35921" dir="2700000" algn="ctr" rotWithShape="0">
-                    <a:schemeClr val="bg2"/>
-                  </a:outerShdw>
-                </a:effectLst>
-              </a14:hiddenEffects>
-            </a:ext>
           </a:extLst>
         </p:spPr>
       </p:pic>
     </p:spTree>
     <p:extLst>
       <p:ext uri="{BB962C8B-B14F-4D97-AF65-F5344CB8AC3E}">
-        <p14:creationId xmlns:p14="http://schemas.microsoft.com/office/powerpoint/2010/main" val="1107495247"/>
+        <p14:creationId xmlns:p14="http://schemas.microsoft.com/office/powerpoint/2010/main" val="875745482"/>
       </p:ext>
     </p:extLst>
   </p:cSld>
@@ -7714,169 +6407,103 @@
       </p:grpSpPr>
       <p:sp>
         <p:nvSpPr>
-          <p:cNvPr id="2" name="Tytuł 1"/>
-          <p:cNvSpPr>
-            <a:spLocks noGrp="1"/>
-          </p:cNvSpPr>
-          <p:nvPr>
-            <p:ph type="title"/>
-          </p:nvPr>
-        </p:nvSpPr>
-        <p:spPr>
+          <p:cNvPr id="3" name="Symbol zastępczy zawartości 2"/>
+          <p:cNvSpPr>
+            <a:spLocks noGrp="1"/>
+          </p:cNvSpPr>
+          <p:nvPr>
+            <p:ph idx="1"/>
+          </p:nvPr>
+        </p:nvSpPr>
+        <p:spPr/>
+        <p:txBody>
+          <a:bodyPr/>
+          <a:lstStyle/>
+          <a:p>
+            <a:r>
+              <a:rPr lang="pl-PL" dirty="0" smtClean="0"/>
+              <a:t>Technika </a:t>
+            </a:r>
+            <a:r>
+              <a:rPr lang="pl-PL" i="1" dirty="0" smtClean="0"/>
+              <a:t>Test </a:t>
+            </a:r>
+            <a:r>
+              <a:rPr lang="pl-PL" i="1" dirty="0" err="1" smtClean="0"/>
+              <a:t>Driven</a:t>
+            </a:r>
+            <a:r>
+              <a:rPr lang="pl-PL" i="1" dirty="0" smtClean="0"/>
+              <a:t> Development</a:t>
+            </a:r>
+            <a:endParaRPr lang="pl-PL" i="1" dirty="0"/>
+          </a:p>
+        </p:txBody>
+      </p:sp>
+      <p:pic>
+        <p:nvPicPr>
+          <p:cNvPr id="8194" name="Picture 2"/>
+          <p:cNvPicPr>
+            <a:picLocks noChangeAspect="1" noChangeArrowheads="1"/>
+          </p:cNvPicPr>
+          <p:nvPr/>
+        </p:nvPicPr>
+        <p:blipFill>
+          <a:blip r:embed="rId2">
+            <a:extLst>
+              <a:ext uri="{28A0092B-C50C-407E-A947-70E740481C1C}">
+                <a14:useLocalDpi xmlns:a14="http://schemas.microsoft.com/office/drawing/2010/main" val="0"/>
+              </a:ext>
+            </a:extLst>
+          </a:blip>
+          <a:srcRect/>
+          <a:stretch>
+            <a:fillRect/>
+          </a:stretch>
+        </p:blipFill>
+        <p:spPr bwMode="auto">
           <a:xfrm>
-            <a:off x="467544" y="5661248"/>
-            <a:ext cx="8183880" cy="691520"/>
+            <a:off x="1643048" y="1315580"/>
+            <a:ext cx="5737264" cy="4493780"/>
           </a:xfrm>
+          <a:prstGeom prst="rect">
+            <a:avLst/>
+          </a:prstGeom>
+          <a:noFill/>
+          <a:ln>
+            <a:noFill/>
+          </a:ln>
+          <a:extLst>
+            <a:ext uri="{909E8E84-426E-40DD-AFC4-6F175D3DCCD1}">
+              <a14:hiddenFill xmlns:a14="http://schemas.microsoft.com/office/drawing/2010/main">
+                <a:solidFill>
+                  <a:schemeClr val="accent1"/>
+                </a:solidFill>
+              </a14:hiddenFill>
+            </a:ext>
+            <a:ext uri="{91240B29-F687-4F45-9708-019B960494DF}">
+              <a14:hiddenLine xmlns:a14="http://schemas.microsoft.com/office/drawing/2010/main" w="9525">
+                <a:solidFill>
+                  <a:schemeClr val="tx1"/>
+                </a:solidFill>
+                <a:miter lim="800000"/>
+                <a:headEnd/>
+                <a:tailEnd/>
+              </a14:hiddenLine>
+            </a:ext>
+          </a:extLst>
         </p:spPr>
-        <p:txBody>
-          <a:bodyPr>
-            <a:normAutofit/>
-          </a:bodyPr>
-          <a:lstStyle/>
-          <a:p>
-            <a:r>
-              <a:rPr lang="pl-PL" sz="1400" dirty="0" smtClean="0"/>
-              <a:t>Rafał Sowiak – „Testowalność aplikacji mobilnych na platformę Android”</a:t>
-            </a:r>
-            <a:endParaRPr lang="pl-PL" sz="1400" dirty="0"/>
-          </a:p>
-        </p:txBody>
-      </p:sp>
-      <p:sp>
-        <p:nvSpPr>
-          <p:cNvPr id="3" name="Symbol zastępczy zawartości 2"/>
-          <p:cNvSpPr>
-            <a:spLocks noGrp="1"/>
-          </p:cNvSpPr>
-          <p:nvPr>
-            <p:ph idx="1"/>
-          </p:nvPr>
-        </p:nvSpPr>
-        <p:spPr>
-          <a:xfrm>
-            <a:off x="502920" y="530352"/>
-            <a:ext cx="8183880" cy="5346920"/>
-          </a:xfrm>
-        </p:spPr>
-        <p:txBody>
-          <a:bodyPr>
-            <a:normAutofit/>
-          </a:bodyPr>
-          <a:lstStyle/>
-          <a:p>
-            <a:pPr lvl="0"/>
-            <a:r>
-              <a:rPr lang="pl-PL" sz="2400" dirty="0" smtClean="0"/>
-              <a:t>Nie </a:t>
-            </a:r>
-            <a:r>
-              <a:rPr lang="pl-PL" sz="2400" dirty="0"/>
-              <a:t>jest zachowana zasada pojedynczej odpowiedzialności,</a:t>
-            </a:r>
-          </a:p>
-          <a:p>
-            <a:pPr lvl="0"/>
-            <a:r>
-              <a:rPr lang="pl-PL" sz="2400" dirty="0" smtClean="0"/>
-              <a:t>Warstwa </a:t>
-            </a:r>
-            <a:r>
-              <a:rPr lang="pl-PL" sz="2400" dirty="0"/>
-              <a:t>odpowiedzialna za logikę domenową jest pomieszana z warstwą </a:t>
-            </a:r>
-            <a:r>
-              <a:rPr lang="pl-PL" sz="2400" dirty="0" smtClean="0"/>
-              <a:t>UI,</a:t>
-            </a:r>
-            <a:endParaRPr lang="pl-PL" sz="2400" dirty="0"/>
-          </a:p>
-          <a:p>
-            <a:pPr lvl="0"/>
-            <a:r>
-              <a:rPr lang="pl-PL" sz="2400" dirty="0" smtClean="0"/>
-              <a:t>Logika </a:t>
-            </a:r>
-            <a:r>
-              <a:rPr lang="pl-PL" sz="2400" dirty="0"/>
-              <a:t>UI jest pomieszana z asynchronicznym pobieraniem danych,</a:t>
-            </a:r>
-          </a:p>
-          <a:p>
-            <a:pPr lvl="0"/>
-            <a:r>
-              <a:rPr lang="pl-PL" sz="2400" dirty="0" smtClean="0"/>
-              <a:t>Funkcje </a:t>
-            </a:r>
-            <a:r>
-              <a:rPr lang="pl-PL" sz="2400" i="1" dirty="0" err="1"/>
-              <a:t>callback</a:t>
-            </a:r>
-            <a:r>
-              <a:rPr lang="pl-PL" sz="2400" dirty="0"/>
-              <a:t> </a:t>
-            </a:r>
-            <a:r>
-              <a:rPr lang="pl-PL" sz="2400" dirty="0" smtClean="0"/>
-              <a:t>są </a:t>
-            </a:r>
-            <a:r>
-              <a:rPr lang="pl-PL" sz="2400" dirty="0"/>
-              <a:t>wszędzie,</a:t>
-            </a:r>
-          </a:p>
-          <a:p>
-            <a:pPr lvl="0"/>
-            <a:r>
-              <a:rPr lang="pl-PL" sz="2400" dirty="0" smtClean="0"/>
-              <a:t>Elementy UI</a:t>
-            </a:r>
-            <a:r>
-              <a:rPr lang="pl-PL" sz="2400" dirty="0"/>
-              <a:t>: Activity i Fragmenty </a:t>
-            </a:r>
-            <a:r>
-              <a:rPr lang="pl-PL" sz="2400" dirty="0" smtClean="0"/>
-              <a:t>po 1000+ linii kodu,</a:t>
-            </a:r>
-            <a:endParaRPr lang="pl-PL" sz="2400" dirty="0"/>
-          </a:p>
-          <a:p>
-            <a:pPr lvl="0"/>
-            <a:r>
-              <a:rPr lang="pl-PL" sz="2400" dirty="0" smtClean="0"/>
-              <a:t>Na </a:t>
-            </a:r>
-            <a:r>
-              <a:rPr lang="pl-PL" sz="2400" dirty="0"/>
-              <a:t>każdej warstwie odwołujemy się do środowiska Android (import android.*)</a:t>
-            </a:r>
-          </a:p>
-          <a:p>
-            <a:r>
-              <a:rPr lang="pl-PL" sz="2400" dirty="0" smtClean="0"/>
-              <a:t>Brak testów</a:t>
-            </a:r>
-            <a:endParaRPr lang="pl-PL" sz="2400" dirty="0"/>
-          </a:p>
-        </p:txBody>
-      </p:sp>
+      </p:pic>
     </p:spTree>
     <p:extLst>
       <p:ext uri="{BB962C8B-B14F-4D97-AF65-F5344CB8AC3E}">
-        <p14:creationId xmlns:p14="http://schemas.microsoft.com/office/powerpoint/2010/main" val="3403292432"/>
+        <p14:creationId xmlns:p14="http://schemas.microsoft.com/office/powerpoint/2010/main" val="1065285049"/>
       </p:ext>
     </p:extLst>
   </p:cSld>
   <p:clrMapOvr>
     <a:masterClrMapping/>
   </p:clrMapOvr>
-  <p:timing>
-    <p:tnLst>
-      <p:par>
-        <p:cTn id="1" dur="indefinite" restart="never" nodeType="tmRoot"/>
-      </p:par>
-    </p:tnLst>
-  </p:timing>
 </p:sld>
 </file>
 
@@ -7899,110 +6526,199 @@
       </p:grpSpPr>
       <p:sp>
         <p:nvSpPr>
-          <p:cNvPr id="2" name="Tytuł 1"/>
-          <p:cNvSpPr>
-            <a:spLocks noGrp="1"/>
-          </p:cNvSpPr>
-          <p:nvPr>
-            <p:ph type="title"/>
-          </p:nvPr>
-        </p:nvSpPr>
-        <p:spPr>
-          <a:xfrm>
-            <a:off x="467544" y="5661248"/>
-            <a:ext cx="8183880" cy="691520"/>
-          </a:xfrm>
-        </p:spPr>
-        <p:txBody>
-          <a:bodyPr>
-            <a:normAutofit/>
-          </a:bodyPr>
+          <p:cNvPr id="3" name="Symbol zastępczy zawartości 2"/>
+          <p:cNvSpPr>
+            <a:spLocks noGrp="1"/>
+          </p:cNvSpPr>
+          <p:nvPr>
+            <p:ph idx="1"/>
+          </p:nvPr>
+        </p:nvSpPr>
+        <p:spPr/>
+        <p:txBody>
+          <a:bodyPr/>
           <a:lstStyle/>
           <a:p>
             <a:r>
-              <a:rPr lang="pl-PL" sz="1400" dirty="0" smtClean="0"/>
-              <a:t>Rafał Sowiak – „Testowalność aplikacji mobilnych na platformę Android”</a:t>
-            </a:r>
-            <a:endParaRPr lang="pl-PL" sz="1400" dirty="0"/>
-          </a:p>
-        </p:txBody>
-      </p:sp>
-      <p:sp>
-        <p:nvSpPr>
-          <p:cNvPr id="3" name="Symbol zastępczy zawartości 2"/>
-          <p:cNvSpPr>
-            <a:spLocks noGrp="1"/>
-          </p:cNvSpPr>
-          <p:nvPr>
-            <p:ph idx="1"/>
-          </p:nvPr>
-        </p:nvSpPr>
-        <p:spPr>
-          <a:xfrm>
-            <a:off x="502920" y="530352"/>
-            <a:ext cx="8183880" cy="5346920"/>
-          </a:xfrm>
-        </p:spPr>
-        <p:txBody>
-          <a:bodyPr>
-            <a:normAutofit/>
-          </a:bodyPr>
-          <a:lstStyle/>
-          <a:p>
-            <a:pPr marL="0" lvl="0" indent="0">
-              <a:buNone/>
-            </a:pPr>
-            <a:r>
-              <a:rPr lang="pl-PL" sz="2400" b="1" dirty="0" smtClean="0"/>
-              <a:t>Idealna piramida testowania</a:t>
-            </a:r>
-            <a:r>
-              <a:rPr lang="pl-PL" sz="2400" dirty="0" smtClean="0"/>
-              <a:t> </a:t>
-            </a:r>
-          </a:p>
-          <a:p>
-            <a:pPr marL="0" lvl="0" indent="0">
-              <a:buNone/>
-            </a:pPr>
-            <a:r>
-              <a:rPr lang="pl-PL" sz="1400" dirty="0" smtClean="0"/>
-              <a:t>(</a:t>
-            </a:r>
-            <a:r>
-              <a:rPr lang="pl-PL" sz="1400" dirty="0"/>
-              <a:t>Źródło: Mike Cohn „</a:t>
-            </a:r>
-            <a:r>
-              <a:rPr lang="pl-PL" sz="1400" dirty="0" err="1"/>
-              <a:t>Succeeding</a:t>
-            </a:r>
-            <a:r>
-              <a:rPr lang="pl-PL" sz="1400" dirty="0"/>
-              <a:t> </a:t>
-            </a:r>
-            <a:r>
-              <a:rPr lang="pl-PL" sz="1400" dirty="0" smtClean="0"/>
-              <a:t>with </a:t>
-            </a:r>
-            <a:r>
-              <a:rPr lang="pl-PL" sz="1400" dirty="0"/>
-              <a:t>Agile</a:t>
-            </a:r>
-            <a:r>
-              <a:rPr lang="pl-PL" sz="1400" dirty="0" smtClean="0"/>
-              <a:t>”)</a:t>
-            </a:r>
-          </a:p>
-          <a:p>
-            <a:pPr lvl="0"/>
-            <a:endParaRPr lang="pl-PL" sz="1400" dirty="0"/>
+              <a:rPr lang="pl-PL" dirty="0" smtClean="0"/>
+              <a:t>Zastosowanie The </a:t>
+            </a:r>
+            <a:r>
+              <a:rPr lang="pl-PL" dirty="0" err="1" smtClean="0"/>
+              <a:t>Clean</a:t>
+            </a:r>
+            <a:r>
+              <a:rPr lang="pl-PL" dirty="0" smtClean="0"/>
+              <a:t> Architecture</a:t>
+            </a:r>
+            <a:endParaRPr lang="pl-PL" i="1" dirty="0"/>
           </a:p>
         </p:txBody>
       </p:sp>
       <p:pic>
         <p:nvPicPr>
-          <p:cNvPr id="2050" name="Picture 2"/>
+          <p:cNvPr id="9218" name="Picture 2"/>
+          <p:cNvPicPr>
+            <a:picLocks noChangeAspect="1" noChangeArrowheads="1"/>
+          </p:cNvPicPr>
+          <p:nvPr/>
+        </p:nvPicPr>
+        <p:blipFill>
+          <a:blip r:embed="rId2">
+            <a:extLst>
+              <a:ext uri="{28A0092B-C50C-407E-A947-70E740481C1C}">
+                <a14:useLocalDpi xmlns:a14="http://schemas.microsoft.com/office/drawing/2010/main" val="0"/>
+              </a:ext>
+            </a:extLst>
+          </a:blip>
+          <a:srcRect/>
+          <a:stretch>
+            <a:fillRect/>
+          </a:stretch>
+        </p:blipFill>
+        <p:spPr bwMode="auto">
+          <a:xfrm>
+            <a:off x="1763688" y="1196752"/>
+            <a:ext cx="5349032" cy="4531906"/>
+          </a:xfrm>
+          <a:prstGeom prst="rect">
+            <a:avLst/>
+          </a:prstGeom>
+          <a:noFill/>
+          <a:ln>
+            <a:noFill/>
+          </a:ln>
+          <a:extLst>
+            <a:ext uri="{909E8E84-426E-40DD-AFC4-6F175D3DCCD1}">
+              <a14:hiddenFill xmlns:a14="http://schemas.microsoft.com/office/drawing/2010/main">
+                <a:solidFill>
+                  <a:schemeClr val="accent1"/>
+                </a:solidFill>
+              </a14:hiddenFill>
+            </a:ext>
+            <a:ext uri="{91240B29-F687-4F45-9708-019B960494DF}">
+              <a14:hiddenLine xmlns:a14="http://schemas.microsoft.com/office/drawing/2010/main" w="9525">
+                <a:solidFill>
+                  <a:schemeClr val="tx1"/>
+                </a:solidFill>
+                <a:miter lim="800000"/>
+                <a:headEnd/>
+                <a:tailEnd/>
+              </a14:hiddenLine>
+            </a:ext>
+          </a:extLst>
+        </p:spPr>
+      </p:pic>
+    </p:spTree>
+    <p:extLst>
+      <p:ext uri="{BB962C8B-B14F-4D97-AF65-F5344CB8AC3E}">
+        <p14:creationId xmlns:p14="http://schemas.microsoft.com/office/powerpoint/2010/main" val="4022801385"/>
+      </p:ext>
+    </p:extLst>
+  </p:cSld>
+  <p:clrMapOvr>
+    <a:masterClrMapping/>
+  </p:clrMapOvr>
+</p:sld>
+</file>
+
+<file path=ppt/slides/slide16.xml><?xml version="1.0" encoding="utf-8"?>
+<p:sld xmlns:a="http://schemas.openxmlformats.org/drawingml/2006/main" xmlns:r="http://schemas.openxmlformats.org/officeDocument/2006/relationships" xmlns:p="http://schemas.openxmlformats.org/presentationml/2006/main">
+  <p:cSld>
+    <p:spTree>
+      <p:nvGrpSpPr>
+        <p:cNvPr id="1" name=""/>
+        <p:cNvGrpSpPr/>
+        <p:nvPr/>
+      </p:nvGrpSpPr>
+      <p:grpSpPr>
+        <a:xfrm>
+          <a:off x="0" y="0"/>
+          <a:ext cx="0" cy="0"/>
+          <a:chOff x="0" y="0"/>
+          <a:chExt cx="0" cy="0"/>
+        </a:xfrm>
+      </p:grpSpPr>
+      <p:sp>
+        <p:nvSpPr>
+          <p:cNvPr id="3" name="Symbol zastępczy zawartości 2"/>
+          <p:cNvSpPr>
+            <a:spLocks noGrp="1"/>
+          </p:cNvSpPr>
+          <p:nvPr>
+            <p:ph idx="1"/>
+          </p:nvPr>
+        </p:nvSpPr>
+        <p:spPr/>
+        <p:txBody>
+          <a:bodyPr/>
+          <a:lstStyle/>
+          <a:p>
+            <a:r>
+              <a:rPr lang="pl-PL" dirty="0" smtClean="0"/>
+              <a:t>Wyniki analizy na podstawie przykładowej aplikacji (testy jednostkowe)</a:t>
+            </a:r>
+            <a:endParaRPr lang="pl-PL" i="1" dirty="0"/>
+          </a:p>
+        </p:txBody>
+      </p:sp>
+      <p:pic>
+        <p:nvPicPr>
+          <p:cNvPr id="10242" name="Picture 2"/>
+          <p:cNvPicPr>
+            <a:picLocks noChangeAspect="1" noChangeArrowheads="1"/>
+          </p:cNvPicPr>
+          <p:nvPr/>
+        </p:nvPicPr>
+        <p:blipFill>
+          <a:blip r:embed="rId2">
+            <a:extLst>
+              <a:ext uri="{28A0092B-C50C-407E-A947-70E740481C1C}">
+                <a14:useLocalDpi xmlns:a14="http://schemas.microsoft.com/office/drawing/2010/main" val="0"/>
+              </a:ext>
+            </a:extLst>
+          </a:blip>
+          <a:srcRect/>
+          <a:stretch>
+            <a:fillRect/>
+          </a:stretch>
+        </p:blipFill>
+        <p:spPr bwMode="auto">
+          <a:xfrm>
+            <a:off x="683568" y="1772816"/>
+            <a:ext cx="3649436" cy="3361953"/>
+          </a:xfrm>
+          <a:prstGeom prst="rect">
+            <a:avLst/>
+          </a:prstGeom>
+          <a:noFill/>
+          <a:ln>
+            <a:noFill/>
+          </a:ln>
+          <a:extLst>
+            <a:ext uri="{909E8E84-426E-40DD-AFC4-6F175D3DCCD1}">
+              <a14:hiddenFill xmlns:a14="http://schemas.microsoft.com/office/drawing/2010/main">
+                <a:solidFill>
+                  <a:schemeClr val="accent1"/>
+                </a:solidFill>
+              </a14:hiddenFill>
+            </a:ext>
+            <a:ext uri="{91240B29-F687-4F45-9708-019B960494DF}">
+              <a14:hiddenLine xmlns:a14="http://schemas.microsoft.com/office/drawing/2010/main" w="9525">
+                <a:solidFill>
+                  <a:schemeClr val="tx1"/>
+                </a:solidFill>
+                <a:miter lim="800000"/>
+                <a:headEnd/>
+                <a:tailEnd/>
+              </a14:hiddenLine>
+            </a:ext>
+          </a:extLst>
+        </p:spPr>
+      </p:pic>
+      <p:pic>
+        <p:nvPicPr>
+          <p:cNvPr id="10243" name="Picture 3"/>
           <p:cNvPicPr>
             <a:picLocks noChangeAspect="1" noChangeArrowheads="1"/>
           </p:cNvPicPr>
@@ -8023,8 +6739,8 @@
         </p:blipFill>
         <p:spPr bwMode="auto">
           <a:xfrm>
-            <a:off x="1835696" y="1466898"/>
-            <a:ext cx="5548087" cy="3978326"/>
+            <a:off x="4644008" y="1804539"/>
+            <a:ext cx="3924642" cy="3330230"/>
           </a:xfrm>
           <a:prstGeom prst="rect">
             <a:avLst/>
@@ -8033,7 +6749,6 @@
           <a:ln>
             <a:noFill/>
           </a:ln>
-          <a:effectLst/>
           <a:extLst>
             <a:ext uri="{909E8E84-426E-40DD-AFC4-6F175D3DCCD1}">
               <a14:hiddenFill xmlns:a14="http://schemas.microsoft.com/office/drawing/2010/main">
@@ -8052,233 +6767,19 @@
                 <a:tailEnd/>
               </a14:hiddenLine>
             </a:ext>
-            <a:ext uri="{AF507438-7753-43E0-B8FC-AC1667EBCBE1}">
-              <a14:hiddenEffects xmlns:a14="http://schemas.microsoft.com/office/drawing/2010/main">
-                <a:effectLst>
-                  <a:outerShdw dist="35921" dir="2700000" algn="ctr" rotWithShape="0">
-                    <a:schemeClr val="bg2"/>
-                  </a:outerShdw>
-                </a:effectLst>
-              </a14:hiddenEffects>
-            </a:ext>
           </a:extLst>
         </p:spPr>
       </p:pic>
     </p:spTree>
     <p:extLst>
       <p:ext uri="{BB962C8B-B14F-4D97-AF65-F5344CB8AC3E}">
-        <p14:creationId xmlns:p14="http://schemas.microsoft.com/office/powerpoint/2010/main" val="2886702679"/>
+        <p14:creationId xmlns:p14="http://schemas.microsoft.com/office/powerpoint/2010/main" val="653770442"/>
       </p:ext>
     </p:extLst>
   </p:cSld>
   <p:clrMapOvr>
     <a:masterClrMapping/>
   </p:clrMapOvr>
-  <p:timing>
-    <p:tnLst>
-      <p:par>
-        <p:cTn id="1" dur="indefinite" restart="never" nodeType="tmRoot"/>
-      </p:par>
-    </p:tnLst>
-  </p:timing>
-</p:sld>
-</file>
-
-<file path=ppt/slides/slide16.xml><?xml version="1.0" encoding="utf-8"?>
-<p:sld xmlns:a="http://schemas.openxmlformats.org/drawingml/2006/main" xmlns:r="http://schemas.openxmlformats.org/officeDocument/2006/relationships" xmlns:p="http://schemas.openxmlformats.org/presentationml/2006/main">
-  <p:cSld>
-    <p:spTree>
-      <p:nvGrpSpPr>
-        <p:cNvPr id="1" name=""/>
-        <p:cNvGrpSpPr/>
-        <p:nvPr/>
-      </p:nvGrpSpPr>
-      <p:grpSpPr>
-        <a:xfrm>
-          <a:off x="0" y="0"/>
-          <a:ext cx="0" cy="0"/>
-          <a:chOff x="0" y="0"/>
-          <a:chExt cx="0" cy="0"/>
-        </a:xfrm>
-      </p:grpSpPr>
-      <p:sp>
-        <p:nvSpPr>
-          <p:cNvPr id="2" name="Tytuł 1"/>
-          <p:cNvSpPr>
-            <a:spLocks noGrp="1"/>
-          </p:cNvSpPr>
-          <p:nvPr>
-            <p:ph type="title"/>
-          </p:nvPr>
-        </p:nvSpPr>
-        <p:spPr>
-          <a:xfrm>
-            <a:off x="467544" y="5661248"/>
-            <a:ext cx="8183880" cy="691520"/>
-          </a:xfrm>
-        </p:spPr>
-        <p:txBody>
-          <a:bodyPr>
-            <a:normAutofit/>
-          </a:bodyPr>
-          <a:lstStyle/>
-          <a:p>
-            <a:r>
-              <a:rPr lang="pl-PL" sz="1400" dirty="0" smtClean="0"/>
-              <a:t>Rafał Sowiak – „Testowalność aplikacji mobilnych na platformę Android”</a:t>
-            </a:r>
-            <a:endParaRPr lang="pl-PL" sz="1400" dirty="0"/>
-          </a:p>
-        </p:txBody>
-      </p:sp>
-      <p:sp>
-        <p:nvSpPr>
-          <p:cNvPr id="3" name="Symbol zastępczy zawartości 2"/>
-          <p:cNvSpPr>
-            <a:spLocks noGrp="1"/>
-          </p:cNvSpPr>
-          <p:nvPr>
-            <p:ph idx="1"/>
-          </p:nvPr>
-        </p:nvSpPr>
-        <p:spPr>
-          <a:xfrm>
-            <a:off x="502920" y="530352"/>
-            <a:ext cx="8183880" cy="5346920"/>
-          </a:xfrm>
-        </p:spPr>
-        <p:txBody>
-          <a:bodyPr>
-            <a:normAutofit/>
-          </a:bodyPr>
-          <a:lstStyle/>
-          <a:p>
-            <a:pPr marL="0" lvl="0" indent="0">
-              <a:buNone/>
-            </a:pPr>
-            <a:r>
-              <a:rPr lang="pl-PL" sz="2400" b="1" dirty="0" err="1" smtClean="0"/>
-              <a:t>Antypattern</a:t>
-            </a:r>
-            <a:r>
-              <a:rPr lang="pl-PL" sz="2400" b="1" dirty="0" smtClean="0"/>
-              <a:t> testowania – „</a:t>
-            </a:r>
-            <a:r>
-              <a:rPr lang="pl-PL" sz="2400" b="1" dirty="0" err="1" smtClean="0"/>
-              <a:t>Ice</a:t>
-            </a:r>
-            <a:r>
-              <a:rPr lang="pl-PL" sz="2400" b="1" dirty="0" smtClean="0"/>
-              <a:t> </a:t>
-            </a:r>
-            <a:r>
-              <a:rPr lang="pl-PL" sz="2400" b="1" dirty="0" err="1" smtClean="0"/>
-              <a:t>Cream</a:t>
-            </a:r>
-            <a:r>
-              <a:rPr lang="pl-PL" sz="2400" b="1" dirty="0" smtClean="0"/>
-              <a:t>”</a:t>
-            </a:r>
-            <a:r>
-              <a:rPr lang="pl-PL" sz="2400" dirty="0" smtClean="0"/>
-              <a:t> </a:t>
-            </a:r>
-          </a:p>
-          <a:p>
-            <a:pPr marL="0" lvl="0" indent="0">
-              <a:buNone/>
-            </a:pPr>
-            <a:r>
-              <a:rPr lang="pl-PL" sz="1400" dirty="0" smtClean="0"/>
-              <a:t>(</a:t>
-            </a:r>
-            <a:r>
-              <a:rPr lang="pl-PL" sz="1400" dirty="0"/>
-              <a:t>Źródło: </a:t>
-            </a:r>
-            <a:r>
-              <a:rPr lang="pl-PL" sz="1400" dirty="0" smtClean="0"/>
-              <a:t>watirmelon.com)</a:t>
-            </a:r>
-          </a:p>
-          <a:p>
-            <a:pPr lvl="0"/>
-            <a:endParaRPr lang="pl-PL" sz="1400" dirty="0"/>
-          </a:p>
-        </p:txBody>
-      </p:sp>
-      <p:pic>
-        <p:nvPicPr>
-          <p:cNvPr id="3074" name="Picture 2" descr="softwaretestingicecreamconeantipattern"/>
-          <p:cNvPicPr>
-            <a:picLocks noChangeAspect="1" noChangeArrowheads="1"/>
-          </p:cNvPicPr>
-          <p:nvPr/>
-        </p:nvPicPr>
-        <p:blipFill>
-          <a:blip r:embed="rId3">
-            <a:extLst>
-              <a:ext uri="{28A0092B-C50C-407E-A947-70E740481C1C}">
-                <a14:useLocalDpi xmlns:a14="http://schemas.microsoft.com/office/drawing/2010/main" val="0"/>
-              </a:ext>
-            </a:extLst>
-          </a:blip>
-          <a:srcRect/>
-          <a:stretch>
-            <a:fillRect/>
-          </a:stretch>
-        </p:blipFill>
-        <p:spPr bwMode="auto">
-          <a:xfrm>
-            <a:off x="3018904" y="1268760"/>
-            <a:ext cx="3497312" cy="4314773"/>
-          </a:xfrm>
-          <a:prstGeom prst="rect">
-            <a:avLst/>
-          </a:prstGeom>
-          <a:noFill/>
-          <a:ln>
-            <a:noFill/>
-          </a:ln>
-          <a:extLst>
-            <a:ext uri="{909E8E84-426E-40DD-AFC4-6F175D3DCCD1}">
-              <a14:hiddenFill xmlns:a14="http://schemas.microsoft.com/office/drawing/2010/main">
-                <a:solidFill>
-                  <a:srgbClr val="FFFFFF"/>
-                </a:solidFill>
-              </a14:hiddenFill>
-            </a:ext>
-            <a:ext uri="{91240B29-F687-4F45-9708-019B960494DF}">
-              <a14:hiddenLine xmlns:a14="http://schemas.microsoft.com/office/drawing/2010/main" w="9525">
-                <a:solidFill>
-                  <a:srgbClr val="000000"/>
-                </a:solidFill>
-                <a:miter lim="800000"/>
-                <a:headEnd/>
-                <a:tailEnd/>
-              </a14:hiddenLine>
-            </a:ext>
-          </a:extLst>
-        </p:spPr>
-      </p:pic>
-    </p:spTree>
-    <p:extLst>
-      <p:ext uri="{BB962C8B-B14F-4D97-AF65-F5344CB8AC3E}">
-        <p14:creationId xmlns:p14="http://schemas.microsoft.com/office/powerpoint/2010/main" val="1914693615"/>
-      </p:ext>
-    </p:extLst>
-  </p:cSld>
-  <p:clrMapOvr>
-    <a:masterClrMapping/>
-  </p:clrMapOvr>
-  <p:timing>
-    <p:tnLst>
-      <p:par>
-        <p:cTn id="1" dur="indefinite" restart="never" nodeType="tmRoot"/>
-      </p:par>
-    </p:tnLst>
-  </p:timing>
 </p:sld>
 </file>
 
@@ -8301,129 +6802,37 @@
       </p:grpSpPr>
       <p:sp>
         <p:nvSpPr>
-          <p:cNvPr id="2" name="Tytuł 1"/>
-          <p:cNvSpPr>
-            <a:spLocks noGrp="1"/>
-          </p:cNvSpPr>
-          <p:nvPr>
-            <p:ph type="title"/>
-          </p:nvPr>
-        </p:nvSpPr>
-        <p:spPr>
-          <a:xfrm>
-            <a:off x="467544" y="5661248"/>
-            <a:ext cx="8183880" cy="691520"/>
-          </a:xfrm>
-        </p:spPr>
-        <p:txBody>
-          <a:bodyPr>
-            <a:normAutofit/>
-          </a:bodyPr>
+          <p:cNvPr id="3" name="Symbol zastępczy zawartości 2"/>
+          <p:cNvSpPr>
+            <a:spLocks noGrp="1"/>
+          </p:cNvSpPr>
+          <p:nvPr>
+            <p:ph idx="1"/>
+          </p:nvPr>
+        </p:nvSpPr>
+        <p:spPr/>
+        <p:txBody>
+          <a:bodyPr/>
           <a:lstStyle/>
           <a:p>
             <a:r>
-              <a:rPr lang="pl-PL" sz="1400" dirty="0" smtClean="0"/>
-              <a:t>Rafał Sowiak – „Testowalność aplikacji mobilnych na platformę Android”</a:t>
-            </a:r>
-            <a:endParaRPr lang="pl-PL" sz="1400" dirty="0"/>
-          </a:p>
-        </p:txBody>
-      </p:sp>
-      <p:sp>
-        <p:nvSpPr>
-          <p:cNvPr id="3" name="Symbol zastępczy zawartości 2"/>
-          <p:cNvSpPr>
-            <a:spLocks noGrp="1"/>
-          </p:cNvSpPr>
-          <p:nvPr>
-            <p:ph idx="1"/>
-          </p:nvPr>
-        </p:nvSpPr>
-        <p:spPr>
-          <a:xfrm>
-            <a:off x="502920" y="530352"/>
-            <a:ext cx="8183880" cy="5346920"/>
-          </a:xfrm>
-        </p:spPr>
-        <p:txBody>
-          <a:bodyPr>
-            <a:normAutofit/>
-          </a:bodyPr>
-          <a:lstStyle/>
-          <a:p>
-            <a:pPr marL="0" lvl="0" indent="0">
-              <a:buNone/>
-            </a:pPr>
-            <a:r>
-              <a:rPr lang="pl-PL" sz="2400" b="1" dirty="0" smtClean="0"/>
-              <a:t>Propozycja rozwiązania</a:t>
-            </a:r>
-          </a:p>
-          <a:p>
-            <a:pPr lvl="0"/>
-            <a:endParaRPr lang="pl-PL" sz="1400" dirty="0" smtClean="0"/>
-          </a:p>
-          <a:p>
-            <a:pPr lvl="0"/>
-            <a:endParaRPr lang="pl-PL" sz="1400" dirty="0"/>
-          </a:p>
-        </p:txBody>
-      </p:sp>
-      <p:sp>
-        <p:nvSpPr>
-          <p:cNvPr id="7" name="AutoShape 2"/>
-          <p:cNvSpPr>
-            <a:spLocks noChangeShapeType="1"/>
-          </p:cNvSpPr>
-          <p:nvPr/>
-        </p:nvSpPr>
-        <p:spPr bwMode="auto">
-          <a:xfrm>
-            <a:off x="4283968" y="2780928"/>
-            <a:ext cx="628650" cy="0"/>
-          </a:xfrm>
-          <a:prstGeom prst="straightConnector1">
-            <a:avLst/>
-          </a:prstGeom>
-          <a:noFill/>
-          <a:ln w="9525">
-            <a:solidFill>
-              <a:srgbClr val="000000"/>
-            </a:solidFill>
-            <a:round/>
-            <a:headEnd/>
-            <a:tailEnd type="triangle" w="med" len="med"/>
-          </a:ln>
-          <a:extLst>
-            <a:ext uri="{909E8E84-426E-40DD-AFC4-6F175D3DCCD1}">
-              <a14:hiddenFill xmlns:a14="http://schemas.microsoft.com/office/drawing/2010/main">
-                <a:noFill/>
-              </a14:hiddenFill>
-            </a:ext>
-          </a:extLst>
-        </p:spPr>
-        <p:txBody>
-          <a:bodyPr vert="horz" wrap="square" lIns="91440" tIns="45720" rIns="91440" bIns="45720" numCol="1" anchor="t" anchorCtr="0" compatLnSpc="1">
-            <a:prstTxWarp prst="textNoShape">
-              <a:avLst/>
-            </a:prstTxWarp>
-          </a:bodyPr>
-          <a:lstStyle/>
-          <a:p>
-            <a:endParaRPr lang="pl-PL"/>
+              <a:rPr lang="pl-PL" dirty="0" smtClean="0"/>
+              <a:t>Wyniki analizy na podstawie przykładowej aplikacji (testy integracyjne)</a:t>
+            </a:r>
+            <a:endParaRPr lang="pl-PL" i="1" dirty="0"/>
           </a:p>
         </p:txBody>
       </p:sp>
       <p:pic>
         <p:nvPicPr>
-          <p:cNvPr id="2050" name="Picture 2"/>
+          <p:cNvPr id="11266" name="Picture 2"/>
           <p:cNvPicPr>
             <a:picLocks noChangeAspect="1" noChangeArrowheads="1"/>
           </p:cNvPicPr>
           <p:nvPr/>
         </p:nvPicPr>
         <p:blipFill>
-          <a:blip r:embed="rId3" cstate="print">
+          <a:blip r:embed="rId2">
             <a:extLst>
               <a:ext uri="{28A0092B-C50C-407E-A947-70E740481C1C}">
                 <a14:useLocalDpi xmlns:a14="http://schemas.microsoft.com/office/drawing/2010/main" val="0"/>
@@ -8437,8 +6846,8 @@
         </p:blipFill>
         <p:spPr bwMode="auto">
           <a:xfrm>
-            <a:off x="1624013" y="1638300"/>
-            <a:ext cx="5895975" cy="3581400"/>
+            <a:off x="2627784" y="1791033"/>
+            <a:ext cx="4099917" cy="3885865"/>
           </a:xfrm>
           <a:prstGeom prst="rect">
             <a:avLst/>
@@ -8447,7 +6856,6 @@
           <a:ln>
             <a:noFill/>
           </a:ln>
-          <a:effectLst/>
           <a:extLst>
             <a:ext uri="{909E8E84-426E-40DD-AFC4-6F175D3DCCD1}">
               <a14:hiddenFill xmlns:a14="http://schemas.microsoft.com/office/drawing/2010/main">
@@ -8466,35 +6874,19 @@
                 <a:tailEnd/>
               </a14:hiddenLine>
             </a:ext>
-            <a:ext uri="{AF507438-7753-43E0-B8FC-AC1667EBCBE1}">
-              <a14:hiddenEffects xmlns:a14="http://schemas.microsoft.com/office/drawing/2010/main">
-                <a:effectLst>
-                  <a:outerShdw dist="35921" dir="2700000" algn="ctr" rotWithShape="0">
-                    <a:schemeClr val="bg2"/>
-                  </a:outerShdw>
-                </a:effectLst>
-              </a14:hiddenEffects>
-            </a:ext>
           </a:extLst>
         </p:spPr>
       </p:pic>
     </p:spTree>
     <p:extLst>
       <p:ext uri="{BB962C8B-B14F-4D97-AF65-F5344CB8AC3E}">
-        <p14:creationId xmlns:p14="http://schemas.microsoft.com/office/powerpoint/2010/main" val="3009693655"/>
+        <p14:creationId xmlns:p14="http://schemas.microsoft.com/office/powerpoint/2010/main" val="2792823914"/>
       </p:ext>
     </p:extLst>
   </p:cSld>
   <p:clrMapOvr>
     <a:masterClrMapping/>
   </p:clrMapOvr>
-  <p:timing>
-    <p:tnLst>
-      <p:par>
-        <p:cTn id="1" dur="indefinite" restart="never" nodeType="tmRoot"/>
-      </p:par>
-    </p:tnLst>
-  </p:timing>
 </p:sld>
 </file>
 
@@ -8557,8 +6949,8 @@
         </p:nvSpPr>
         <p:spPr>
           <a:xfrm>
-            <a:off x="502920" y="530352"/>
-            <a:ext cx="8183880" cy="5346920"/>
+            <a:off x="502920" y="2924944"/>
+            <a:ext cx="8183880" cy="720080"/>
           </a:xfrm>
         </p:spPr>
         <p:txBody>
@@ -8567,268 +6959,21 @@
           </a:bodyPr>
           <a:lstStyle/>
           <a:p>
-            <a:pPr lvl="0"/>
-            <a:endParaRPr lang="pl-PL" sz="1400" dirty="0" smtClean="0"/>
-          </a:p>
-          <a:p>
-            <a:pPr lvl="0"/>
-            <a:endParaRPr lang="pl-PL" sz="1400" dirty="0"/>
-          </a:p>
-        </p:txBody>
-      </p:sp>
-      <p:pic>
-        <p:nvPicPr>
-          <p:cNvPr id="6146" name="Picture 2" descr="CleanArchitecture-81565aba46f035911a5018e77a0f2d4e"/>
-          <p:cNvPicPr>
-            <a:picLocks noChangeAspect="1" noChangeArrowheads="1"/>
-          </p:cNvPicPr>
-          <p:nvPr/>
-        </p:nvPicPr>
-        <p:blipFill>
-          <a:blip r:embed="rId3">
-            <a:extLst>
-              <a:ext uri="{28A0092B-C50C-407E-A947-70E740481C1C}">
-                <a14:useLocalDpi xmlns:a14="http://schemas.microsoft.com/office/drawing/2010/main" val="0"/>
-              </a:ext>
-            </a:extLst>
-          </a:blip>
-          <a:srcRect/>
-          <a:stretch>
-            <a:fillRect/>
-          </a:stretch>
-        </p:blipFill>
-        <p:spPr bwMode="auto">
-          <a:xfrm>
-            <a:off x="1115616" y="548680"/>
-            <a:ext cx="6768752" cy="4967518"/>
-          </a:xfrm>
-          <a:prstGeom prst="rect">
-            <a:avLst/>
-          </a:prstGeom>
-          <a:noFill/>
-          <a:ln>
-            <a:noFill/>
-          </a:ln>
-          <a:extLst>
-            <a:ext uri="{909E8E84-426E-40DD-AFC4-6F175D3DCCD1}">
-              <a14:hiddenFill xmlns:a14="http://schemas.microsoft.com/office/drawing/2010/main">
-                <a:solidFill>
-                  <a:srgbClr val="FFFFFF"/>
-                </a:solidFill>
-              </a14:hiddenFill>
-            </a:ext>
-            <a:ext uri="{91240B29-F687-4F45-9708-019B960494DF}">
-              <a14:hiddenLine xmlns:a14="http://schemas.microsoft.com/office/drawing/2010/main" w="9525">
-                <a:solidFill>
-                  <a:srgbClr val="000000"/>
-                </a:solidFill>
-                <a:miter lim="800000"/>
-                <a:headEnd/>
-                <a:tailEnd/>
-              </a14:hiddenLine>
-            </a:ext>
-          </a:extLst>
-        </p:spPr>
-      </p:pic>
-      <p:sp>
-        <p:nvSpPr>
-          <p:cNvPr id="5" name="pole tekstowe 4"/>
-          <p:cNvSpPr txBox="1"/>
-          <p:nvPr/>
-        </p:nvSpPr>
-        <p:spPr>
-          <a:xfrm>
-            <a:off x="467544" y="5597655"/>
-            <a:ext cx="6773008" cy="261610"/>
-          </a:xfrm>
-          <a:prstGeom prst="rect">
-            <a:avLst/>
-          </a:prstGeom>
-          <a:noFill/>
-        </p:spPr>
-        <p:txBody>
-          <a:bodyPr wrap="none" rtlCol="0">
-            <a:spAutoFit/>
-          </a:bodyPr>
-          <a:lstStyle/>
-          <a:p>
-            <a:r>
-              <a:rPr lang="en-US" sz="1100" dirty="0"/>
-              <a:t>Clean architecture of Android </a:t>
-            </a:r>
-            <a:r>
-              <a:rPr lang="en-US" sz="1100" dirty="0" err="1"/>
-              <a:t>według</a:t>
-            </a:r>
-            <a:r>
-              <a:rPr lang="en-US" sz="1100" dirty="0"/>
-              <a:t> Uncle Ben. </a:t>
-            </a:r>
-            <a:r>
-              <a:rPr lang="pl-PL" sz="1100" dirty="0"/>
-              <a:t>Źródło: http://</a:t>
-            </a:r>
-            <a:r>
-              <a:rPr lang="pl-PL" sz="1100" dirty="0" smtClean="0"/>
-              <a:t>blog.8thlight.com/uncle-bob</a:t>
-            </a:r>
-            <a:endParaRPr lang="pl-PL" sz="1100" dirty="0"/>
+            <a:pPr marL="0" indent="0" algn="ctr">
+              <a:buNone/>
+            </a:pPr>
+            <a:r>
+              <a:rPr lang="pl-PL" b="1" dirty="0" smtClean="0"/>
+              <a:t>Dziękuję za uwagę</a:t>
+            </a:r>
+            <a:endParaRPr lang="pl-PL" dirty="0" smtClean="0"/>
           </a:p>
         </p:txBody>
       </p:sp>
     </p:spTree>
     <p:extLst>
       <p:ext uri="{BB962C8B-B14F-4D97-AF65-F5344CB8AC3E}">
-        <p14:creationId xmlns:p14="http://schemas.microsoft.com/office/powerpoint/2010/main" val="3432213611"/>
-      </p:ext>
-    </p:extLst>
-  </p:cSld>
-  <p:clrMapOvr>
-    <a:masterClrMapping/>
-  </p:clrMapOvr>
-  <p:timing>
-    <p:tnLst>
-      <p:par>
-        <p:cTn id="1" dur="indefinite" restart="never" nodeType="tmRoot"/>
-      </p:par>
-    </p:tnLst>
-  </p:timing>
-</p:sld>
-</file>
-
-<file path=ppt/slides/slide19.xml><?xml version="1.0" encoding="utf-8"?>
-<p:sld xmlns:a="http://schemas.openxmlformats.org/drawingml/2006/main" xmlns:r="http://schemas.openxmlformats.org/officeDocument/2006/relationships" xmlns:p="http://schemas.openxmlformats.org/presentationml/2006/main">
-  <p:cSld>
-    <p:spTree>
-      <p:nvGrpSpPr>
-        <p:cNvPr id="1" name=""/>
-        <p:cNvGrpSpPr/>
-        <p:nvPr/>
-      </p:nvGrpSpPr>
-      <p:grpSpPr>
-        <a:xfrm>
-          <a:off x="0" y="0"/>
-          <a:ext cx="0" cy="0"/>
-          <a:chOff x="0" y="0"/>
-          <a:chExt cx="0" cy="0"/>
-        </a:xfrm>
-      </p:grpSpPr>
-      <p:sp>
-        <p:nvSpPr>
-          <p:cNvPr id="2" name="Tytuł 1"/>
-          <p:cNvSpPr>
-            <a:spLocks noGrp="1"/>
-          </p:cNvSpPr>
-          <p:nvPr>
-            <p:ph type="title"/>
-          </p:nvPr>
-        </p:nvSpPr>
-        <p:spPr>
-          <a:xfrm>
-            <a:off x="467544" y="5661248"/>
-            <a:ext cx="8183880" cy="691520"/>
-          </a:xfrm>
-        </p:spPr>
-        <p:txBody>
-          <a:bodyPr>
-            <a:normAutofit/>
-          </a:bodyPr>
-          <a:lstStyle/>
-          <a:p>
-            <a:r>
-              <a:rPr lang="pl-PL" sz="1400" dirty="0" smtClean="0"/>
-              <a:t>Rafał Sowiak – „Testowalność aplikacji mobilnych na platformę Android”</a:t>
-            </a:r>
-            <a:endParaRPr lang="pl-PL" sz="1400" dirty="0"/>
-          </a:p>
-        </p:txBody>
-      </p:sp>
-      <p:sp>
-        <p:nvSpPr>
-          <p:cNvPr id="3" name="Symbol zastępczy zawartości 2"/>
-          <p:cNvSpPr>
-            <a:spLocks noGrp="1"/>
-          </p:cNvSpPr>
-          <p:nvPr>
-            <p:ph idx="1"/>
-          </p:nvPr>
-        </p:nvSpPr>
-        <p:spPr>
-          <a:xfrm>
-            <a:off x="502920" y="530352"/>
-            <a:ext cx="8183880" cy="5346920"/>
-          </a:xfrm>
-        </p:spPr>
-        <p:txBody>
-          <a:bodyPr>
-            <a:normAutofit/>
-          </a:bodyPr>
-          <a:lstStyle/>
-          <a:p>
-            <a:pPr marL="0" indent="0">
-              <a:buNone/>
-            </a:pPr>
-            <a:r>
-              <a:rPr lang="pl-PL" sz="2400" b="1" dirty="0"/>
-              <a:t>W ten sposób teoretycznie jesteśmy w stanie stworzyć architekturę, która</a:t>
-            </a:r>
-            <a:r>
-              <a:rPr lang="pl-PL" sz="2400" b="1" dirty="0" smtClean="0"/>
-              <a:t>:</a:t>
-            </a:r>
-          </a:p>
-          <a:p>
-            <a:pPr marL="0" indent="0">
-              <a:buNone/>
-            </a:pPr>
-            <a:endParaRPr lang="pl-PL" sz="2400" dirty="0"/>
-          </a:p>
-          <a:p>
-            <a:pPr lvl="0"/>
-            <a:r>
-              <a:rPr lang="pl-PL" sz="2400" dirty="0" smtClean="0"/>
-              <a:t>Jest </a:t>
-            </a:r>
-            <a:r>
-              <a:rPr lang="pl-PL" sz="2400" dirty="0"/>
-              <a:t>niezależna od </a:t>
-            </a:r>
-            <a:r>
-              <a:rPr lang="pl-PL" sz="2400" dirty="0" err="1"/>
-              <a:t>frameworka</a:t>
-            </a:r>
-            <a:r>
-              <a:rPr lang="pl-PL" sz="2400" dirty="0"/>
-              <a:t> (tutaj Android SDK) – i zachowujemy zasadę zależności,</a:t>
-            </a:r>
-          </a:p>
-          <a:p>
-            <a:pPr lvl="0"/>
-            <a:r>
-              <a:rPr lang="pl-PL" sz="2400" dirty="0" smtClean="0"/>
-              <a:t>Jest </a:t>
-            </a:r>
-            <a:r>
-              <a:rPr lang="pl-PL" sz="2400" dirty="0"/>
-              <a:t>niezależna od UI, bazy danych lub innych urządzeń zewnętrznych,</a:t>
-            </a:r>
-          </a:p>
-          <a:p>
-            <a:r>
-              <a:rPr lang="pl-PL" sz="2400" dirty="0" smtClean="0"/>
-              <a:t>Jest </a:t>
-            </a:r>
-            <a:r>
-              <a:rPr lang="pl-PL" sz="2400" dirty="0"/>
-              <a:t>testowalna, w oderwaniu od warstwy zawierającej interfejsy wymienione powyżej, czyli od wszystkiego, co czyni testy na Androidzie trudnymi.</a:t>
-            </a:r>
-          </a:p>
-        </p:txBody>
-      </p:sp>
-    </p:spTree>
-    <p:extLst>
-      <p:ext uri="{BB962C8B-B14F-4D97-AF65-F5344CB8AC3E}">
-        <p14:creationId xmlns:p14="http://schemas.microsoft.com/office/powerpoint/2010/main" val="1641556172"/>
+        <p14:creationId xmlns:p14="http://schemas.microsoft.com/office/powerpoint/2010/main" val="4162598889"/>
       </p:ext>
     </p:extLst>
   </p:cSld>
@@ -8916,8 +7061,9 @@
           <a:p>
             <a:r>
               <a:rPr lang="pl-PL" dirty="0" smtClean="0"/>
-              <a:t>Android jako system operacyjny</a:t>
-            </a:r>
+              <a:t>Platforma Android</a:t>
+            </a:r>
+            <a:endParaRPr lang="pl-PL" dirty="0" smtClean="0"/>
           </a:p>
           <a:p>
             <a:pPr marL="0" indent="0">
@@ -8944,6 +7090,13 @@
               <a:buFont typeface="Wingdings" panose="05000000000000000000" pitchFamily="2" charset="2"/>
               <a:buChar char="ü"/>
             </a:pPr>
+            <a:endParaRPr lang="pl-PL" sz="2400" dirty="0" smtClean="0"/>
+          </a:p>
+          <a:p>
+            <a:pPr>
+              <a:buFont typeface="Wingdings" panose="05000000000000000000" pitchFamily="2" charset="2"/>
+              <a:buChar char="ü"/>
+            </a:pPr>
             <a:r>
               <a:rPr lang="pl-PL" sz="2400" dirty="0" smtClean="0"/>
               <a:t>- </a:t>
@@ -8958,15 +7111,11 @@
             </a:r>
             <a:r>
               <a:rPr lang="pl-PL" sz="2400" dirty="0"/>
-              <a:t>– system operacyjny z jądrem Linux dla urządzeń mobilnych takich jak telefony komórkowe, smartfony, tablety (tablety PC) i </a:t>
-            </a:r>
-            <a:r>
-              <a:rPr lang="pl-PL" sz="2400" dirty="0" err="1"/>
-              <a:t>netbooki</a:t>
-            </a:r>
-            <a:r>
-              <a:rPr lang="pl-PL" sz="2400" dirty="0"/>
-              <a:t>. </a:t>
+              <a:t>– system operacyjny z jądrem Linux dla urządzeń </a:t>
+            </a:r>
+            <a:r>
+              <a:rPr lang="pl-PL" sz="2400" dirty="0" smtClean="0"/>
+              <a:t>mobilnych, z których najpopularniejszymi są smartfony i tablety. </a:t>
             </a:r>
             <a:endParaRPr lang="pl-PL" sz="2400" dirty="0" smtClean="0"/>
           </a:p>
@@ -8976,106 +7125,6 @@
     <p:extLst>
       <p:ext uri="{BB962C8B-B14F-4D97-AF65-F5344CB8AC3E}">
         <p14:creationId xmlns:p14="http://schemas.microsoft.com/office/powerpoint/2010/main" val="650990516"/>
-      </p:ext>
-    </p:extLst>
-  </p:cSld>
-  <p:clrMapOvr>
-    <a:masterClrMapping/>
-  </p:clrMapOvr>
-  <p:timing>
-    <p:tnLst>
-      <p:par>
-        <p:cTn id="1" dur="indefinite" restart="never" nodeType="tmRoot"/>
-      </p:par>
-    </p:tnLst>
-  </p:timing>
-</p:sld>
-</file>
-
-<file path=ppt/slides/slide20.xml><?xml version="1.0" encoding="utf-8"?>
-<p:sld xmlns:a="http://schemas.openxmlformats.org/drawingml/2006/main" xmlns:r="http://schemas.openxmlformats.org/officeDocument/2006/relationships" xmlns:p="http://schemas.openxmlformats.org/presentationml/2006/main">
-  <p:cSld>
-    <p:spTree>
-      <p:nvGrpSpPr>
-        <p:cNvPr id="1" name=""/>
-        <p:cNvGrpSpPr/>
-        <p:nvPr/>
-      </p:nvGrpSpPr>
-      <p:grpSpPr>
-        <a:xfrm>
-          <a:off x="0" y="0"/>
-          <a:ext cx="0" cy="0"/>
-          <a:chOff x="0" y="0"/>
-          <a:chExt cx="0" cy="0"/>
-        </a:xfrm>
-      </p:grpSpPr>
-      <p:sp>
-        <p:nvSpPr>
-          <p:cNvPr id="2" name="Tytuł 1"/>
-          <p:cNvSpPr>
-            <a:spLocks noGrp="1"/>
-          </p:cNvSpPr>
-          <p:nvPr>
-            <p:ph type="title"/>
-          </p:nvPr>
-        </p:nvSpPr>
-        <p:spPr>
-          <a:xfrm>
-            <a:off x="467544" y="5661248"/>
-            <a:ext cx="8183880" cy="691520"/>
-          </a:xfrm>
-        </p:spPr>
-        <p:txBody>
-          <a:bodyPr>
-            <a:normAutofit/>
-          </a:bodyPr>
-          <a:lstStyle/>
-          <a:p>
-            <a:r>
-              <a:rPr lang="pl-PL" sz="1400" dirty="0" smtClean="0"/>
-              <a:t>Rafał Sowiak – „Testowalność aplikacji mobilnych na platformę Android”</a:t>
-            </a:r>
-            <a:endParaRPr lang="pl-PL" sz="1400" dirty="0"/>
-          </a:p>
-        </p:txBody>
-      </p:sp>
-      <p:sp>
-        <p:nvSpPr>
-          <p:cNvPr id="3" name="Symbol zastępczy zawartości 2"/>
-          <p:cNvSpPr>
-            <a:spLocks noGrp="1"/>
-          </p:cNvSpPr>
-          <p:nvPr>
-            <p:ph idx="1"/>
-          </p:nvPr>
-        </p:nvSpPr>
-        <p:spPr>
-          <a:xfrm>
-            <a:off x="502920" y="2924944"/>
-            <a:ext cx="8183880" cy="720080"/>
-          </a:xfrm>
-        </p:spPr>
-        <p:txBody>
-          <a:bodyPr>
-            <a:normAutofit/>
-          </a:bodyPr>
-          <a:lstStyle/>
-          <a:p>
-            <a:pPr marL="0" indent="0" algn="ctr">
-              <a:buNone/>
-            </a:pPr>
-            <a:r>
-              <a:rPr lang="pl-PL" b="1" dirty="0" smtClean="0"/>
-              <a:t>Dziękuję za uwagę</a:t>
-            </a:r>
-            <a:endParaRPr lang="pl-PL" dirty="0" smtClean="0"/>
-          </a:p>
-        </p:txBody>
-      </p:sp>
-    </p:spTree>
-    <p:extLst>
-      <p:ext uri="{BB962C8B-B14F-4D97-AF65-F5344CB8AC3E}">
-        <p14:creationId xmlns:p14="http://schemas.microsoft.com/office/powerpoint/2010/main" val="4162598889"/>
       </p:ext>
     </p:extLst>
   </p:cSld>
@@ -9163,20 +7212,25 @@
           <a:p>
             <a:r>
               <a:rPr lang="pl-PL" dirty="0" smtClean="0"/>
-              <a:t>Android – udział w rynku urządzeń mobilnych w Polsce </a:t>
+              <a:t>Android – udział w rynku urządzeń mobilnych </a:t>
+            </a:r>
+            <a:r>
+              <a:rPr lang="pl-PL" dirty="0" smtClean="0"/>
+              <a:t>na świecie </a:t>
             </a:r>
             <a:r>
               <a:rPr lang="pl-PL" sz="1300" dirty="0" smtClean="0"/>
               <a:t>(źródło: portal </a:t>
             </a:r>
             <a:r>
-              <a:rPr lang="pl-PL" sz="1300" dirty="0" err="1" smtClean="0"/>
-              <a:t>AntyWeb</a:t>
+              <a:rPr lang="pl-PL" sz="1300" dirty="0"/>
+              <a:t>a</a:t>
             </a:r>
             <a:r>
               <a:rPr lang="pl-PL" sz="1300" dirty="0" smtClean="0"/>
-              <a:t>, 05/2015)</a:t>
-            </a:r>
+              <a:t>ndroid.com.pl)</a:t>
+            </a:r>
+            <a:endParaRPr lang="pl-PL" sz="1300" dirty="0" smtClean="0"/>
           </a:p>
           <a:p>
             <a:pPr marL="0" indent="0">
@@ -9202,7 +7256,7 @@
       </p:sp>
       <p:pic>
         <p:nvPicPr>
-          <p:cNvPr id="1026" name="Picture 2"/>
+          <p:cNvPr id="4" name="Picture 2"/>
           <p:cNvPicPr>
             <a:picLocks noChangeAspect="1" noChangeArrowheads="1"/>
           </p:cNvPicPr>
@@ -9223,8 +7277,8 @@
         </p:blipFill>
         <p:spPr bwMode="auto">
           <a:xfrm>
-            <a:off x="1079179" y="1599517"/>
-            <a:ext cx="6949205" cy="3845707"/>
+            <a:off x="1026122" y="1628800"/>
+            <a:ext cx="7019925" cy="4210050"/>
           </a:xfrm>
           <a:prstGeom prst="rect">
             <a:avLst/>
@@ -9345,12 +7399,21 @@
           <a:p>
             <a:r>
               <a:rPr lang="pl-PL" dirty="0" smtClean="0"/>
-              <a:t>Android – udział w rynku urządzeń mobilnych na świecie </a:t>
+              <a:t>Android – udział w rynku urządzeń mobilnych </a:t>
+            </a:r>
+            <a:r>
+              <a:rPr lang="pl-PL" dirty="0" smtClean="0"/>
+              <a:t>w Polsce </a:t>
             </a:r>
             <a:r>
               <a:rPr lang="pl-PL" sz="1300" dirty="0" smtClean="0"/>
-              <a:t>(źródło: portal android.com.pl, 09/2015)</a:t>
-            </a:r>
+              <a:t>(źródło: portal </a:t>
+            </a:r>
+            <a:r>
+              <a:rPr lang="pl-PL" sz="1300" dirty="0" smtClean="0"/>
+              <a:t>antyweb.pl)</a:t>
+            </a:r>
+            <a:endParaRPr lang="pl-PL" sz="1300" dirty="0" smtClean="0"/>
           </a:p>
           <a:p>
             <a:pPr marL="0" indent="0">
@@ -9376,7 +7439,7 @@
       </p:sp>
       <p:pic>
         <p:nvPicPr>
-          <p:cNvPr id="2050" name="Picture 2"/>
+          <p:cNvPr id="4" name="Picture 2"/>
           <p:cNvPicPr>
             <a:picLocks noChangeAspect="1" noChangeArrowheads="1"/>
           </p:cNvPicPr>
@@ -9397,8 +7460,8 @@
         </p:blipFill>
         <p:spPr bwMode="auto">
           <a:xfrm>
-            <a:off x="395535" y="2060848"/>
-            <a:ext cx="8339255" cy="3518123"/>
+            <a:off x="1038225" y="1628800"/>
+            <a:ext cx="7067550" cy="4191000"/>
           </a:xfrm>
           <a:prstGeom prst="rect">
             <a:avLst/>
@@ -9508,19 +7571,24 @@
         <p:spPr>
           <a:xfrm>
             <a:off x="502920" y="530352"/>
-            <a:ext cx="8183880" cy="3906760"/>
+            <a:ext cx="8183880" cy="5130896"/>
           </a:xfrm>
         </p:spPr>
         <p:txBody>
           <a:bodyPr>
-            <a:normAutofit lnSpcReduction="10000"/>
+            <a:normAutofit/>
           </a:bodyPr>
           <a:lstStyle/>
           <a:p>
             <a:r>
               <a:rPr lang="pl-PL" dirty="0" smtClean="0"/>
-              <a:t>Android jako system operacyjny</a:t>
-            </a:r>
+              <a:t>Android jako system </a:t>
+            </a:r>
+            <a:r>
+              <a:rPr lang="pl-PL" dirty="0" smtClean="0"/>
+              <a:t>operacyjny</a:t>
+            </a:r>
+            <a:endParaRPr lang="pl-PL" dirty="0" smtClean="0"/>
           </a:p>
           <a:p>
             <a:pPr marL="0" indent="0">
@@ -9534,7 +7602,7 @@
               <a:buChar char="ü"/>
             </a:pPr>
             <a:r>
-              <a:rPr lang="pl-PL" sz="2400" dirty="0"/>
+              <a:rPr lang="pl-PL" sz="2400" dirty="0" smtClean="0"/>
               <a:t>Android </a:t>
             </a:r>
             <a:r>
@@ -9546,7 +7614,7 @@
               <a:t>przy sobie dużą społeczność deweloperów piszących </a:t>
             </a:r>
             <a:r>
-              <a:rPr lang="pl-PL" sz="2400" b="1" dirty="0"/>
+              <a:rPr lang="pl-PL" sz="2400" i="1" dirty="0"/>
               <a:t>aplikacje</a:t>
             </a:r>
             <a:r>
@@ -9563,97 +7631,54 @@
             <a:endParaRPr lang="pl-PL" sz="2400" dirty="0" smtClean="0"/>
           </a:p>
           <a:p>
+            <a:r>
+              <a:rPr lang="pl-PL" sz="2400" dirty="0" smtClean="0"/>
+              <a:t>W pierwszym </a:t>
+            </a:r>
+            <a:r>
+              <a:rPr lang="pl-PL" sz="2400" dirty="0"/>
+              <a:t>kwartale 2016 roku </a:t>
+            </a:r>
+            <a:r>
+              <a:rPr lang="pl-PL" sz="2400" dirty="0" smtClean="0"/>
+              <a:t>w internetowym </a:t>
+            </a:r>
+            <a:r>
+              <a:rPr lang="pl-PL" sz="2400" dirty="0"/>
+              <a:t>sklepie Google Play (wcześniej Android </a:t>
+            </a:r>
+            <a:r>
+              <a:rPr lang="pl-PL" sz="2400" dirty="0" smtClean="0"/>
+              <a:t>Market) dostępnych było </a:t>
+            </a:r>
+            <a:r>
+              <a:rPr lang="pl-PL" sz="2400" dirty="0"/>
+              <a:t>ponad 1,9 miliona </a:t>
+            </a:r>
+            <a:r>
+              <a:rPr lang="pl-PL" sz="2400" dirty="0" smtClean="0"/>
+              <a:t>aplikacji </a:t>
+            </a:r>
+            <a:r>
+              <a:rPr lang="pl-PL" sz="1300" dirty="0"/>
+              <a:t>(źródło: portal android.com.pl)</a:t>
+            </a:r>
+          </a:p>
+          <a:p>
+            <a:pPr marL="0" indent="0">
+              <a:buNone/>
+            </a:pPr>
+            <a:endParaRPr lang="pl-PL" sz="4000" dirty="0"/>
+          </a:p>
+          <a:p>
             <a:pPr>
               <a:buFont typeface="Wingdings" panose="05000000000000000000" pitchFamily="2" charset="2"/>
               <a:buChar char="ü"/>
             </a:pPr>
-            <a:r>
-              <a:rPr lang="pl-PL" sz="2400" dirty="0" smtClean="0"/>
-              <a:t>W </a:t>
-            </a:r>
-            <a:r>
-              <a:rPr lang="pl-PL" sz="2400" dirty="0"/>
-              <a:t>sierpniu 2014 było dla tego systemu dostępnych ponad 1,3 miliona </a:t>
-            </a:r>
-            <a:r>
-              <a:rPr lang="pl-PL" sz="2400" dirty="0" smtClean="0"/>
-              <a:t/>
-            </a:r>
-            <a:br>
-              <a:rPr lang="pl-PL" sz="2400" dirty="0" smtClean="0"/>
-            </a:br>
-            <a:r>
-              <a:rPr lang="pl-PL" sz="2400" dirty="0" smtClean="0"/>
-              <a:t>aplikacji </a:t>
-            </a:r>
-            <a:r>
-              <a:rPr lang="pl-PL" sz="2400" dirty="0"/>
-              <a:t>w Google Play </a:t>
-            </a:r>
-            <a:r>
-              <a:rPr lang="pl-PL" sz="2400" dirty="0" smtClean="0"/>
-              <a:t/>
-            </a:r>
-            <a:br>
-              <a:rPr lang="pl-PL" sz="2400" dirty="0" smtClean="0"/>
-            </a:br>
-            <a:r>
-              <a:rPr lang="pl-PL" sz="2400" dirty="0" smtClean="0"/>
-              <a:t>(</a:t>
-            </a:r>
-            <a:r>
-              <a:rPr lang="pl-PL" sz="2400" dirty="0"/>
-              <a:t>wcześniej Android Market</a:t>
-            </a:r>
-            <a:r>
-              <a:rPr lang="pl-PL" sz="2400" dirty="0" smtClean="0"/>
-              <a:t>)</a:t>
-            </a:r>
             <a:endParaRPr lang="pl-PL" sz="2400" dirty="0"/>
           </a:p>
         </p:txBody>
       </p:sp>
-      <p:pic>
-        <p:nvPicPr>
-          <p:cNvPr id="1028" name="Picture 4" descr="https://encrypted-tbn0.gstatic.com/images?q=tbn:ANd9GcQBcE1SdhbR-3HCNtqQ13rw0GiatdcE7hBwpgF9h56dHPXuXTCmDA"/>
-          <p:cNvPicPr>
-            <a:picLocks noChangeAspect="1" noChangeArrowheads="1"/>
-          </p:cNvPicPr>
-          <p:nvPr/>
-        </p:nvPicPr>
-        <p:blipFill>
-          <a:blip r:embed="rId3">
-            <a:extLst>
-              <a:ext uri="{28A0092B-C50C-407E-A947-70E740481C1C}">
-                <a14:useLocalDpi xmlns:a14="http://schemas.microsoft.com/office/drawing/2010/main" val="0"/>
-              </a:ext>
-            </a:extLst>
-          </a:blip>
-          <a:srcRect/>
-          <a:stretch>
-            <a:fillRect/>
-          </a:stretch>
-        </p:blipFill>
-        <p:spPr bwMode="auto">
-          <a:xfrm>
-            <a:off x="6156176" y="3659010"/>
-            <a:ext cx="1944216" cy="1940648"/>
-          </a:xfrm>
-          <a:prstGeom prst="rect">
-            <a:avLst/>
-          </a:prstGeom>
-          <a:noFill/>
-          <a:extLst>
-            <a:ext uri="{909E8E84-426E-40DD-AFC4-6F175D3DCCD1}">
-              <a14:hiddenFill xmlns:a14="http://schemas.microsoft.com/office/drawing/2010/main">
-                <a:solidFill>
-                  <a:srgbClr val="FFFFFF"/>
-                </a:solidFill>
-              </a14:hiddenFill>
-            </a:ext>
-          </a:extLst>
-        </p:spPr>
-      </p:pic>
     </p:spTree>
     <p:extLst>
       <p:ext uri="{BB962C8B-B14F-4D97-AF65-F5344CB8AC3E}">
@@ -10031,47 +8056,6 @@
           </a:p>
         </p:txBody>
       </p:sp>
-      <p:pic>
-        <p:nvPicPr>
-          <p:cNvPr id="6" name="Picture 3" descr="C:\Users\raso\AppData\Local\Microsoft\Windows\Temporary Internet Files\Content.IE5\L4PLJBYJ\4055448363_327ff6c9a4_z[1].jpg"/>
-          <p:cNvPicPr>
-            <a:picLocks noChangeAspect="1" noChangeArrowheads="1"/>
-          </p:cNvPicPr>
-          <p:nvPr/>
-        </p:nvPicPr>
-        <p:blipFill>
-          <a:blip r:embed="rId3" cstate="print">
-            <a:extLst>
-              <a:ext uri="{28A0092B-C50C-407E-A947-70E740481C1C}">
-                <a14:useLocalDpi xmlns:a14="http://schemas.microsoft.com/office/drawing/2010/main" val="0"/>
-              </a:ext>
-            </a:extLst>
-          </a:blip>
-          <a:srcRect/>
-          <a:stretch>
-            <a:fillRect/>
-          </a:stretch>
-        </p:blipFill>
-        <p:spPr bwMode="auto">
-          <a:xfrm>
-            <a:off x="7164288" y="2060848"/>
-            <a:ext cx="1351951" cy="1614270"/>
-          </a:xfrm>
-          <a:prstGeom prst="rect">
-            <a:avLst/>
-          </a:prstGeom>
-          <a:noFill/>
-          <a:extLst>
-            <a:ext uri="{909E8E84-426E-40DD-AFC4-6F175D3DCCD1}">
-              <a14:hiddenFill xmlns:a14="http://schemas.microsoft.com/office/drawing/2010/main">
-                <a:solidFill>
-                  <a:srgbClr val="FFFFFF"/>
-                </a:solidFill>
-              </a14:hiddenFill>
-            </a:ext>
-          </a:extLst>
-        </p:spPr>
-      </p:pic>
     </p:spTree>
     <p:extLst>
       <p:ext uri="{BB962C8B-B14F-4D97-AF65-F5344CB8AC3E}">
@@ -10152,7 +8136,7 @@
         <p:spPr>
           <a:xfrm>
             <a:off x="502920" y="530352"/>
-            <a:ext cx="8183880" cy="5490936"/>
+            <a:ext cx="8183880" cy="5346920"/>
           </a:xfrm>
         </p:spPr>
         <p:txBody>
@@ -10162,193 +8146,72 @@
           <a:lstStyle/>
           <a:p>
             <a:r>
-              <a:rPr lang="pl-PL" b="1" dirty="0" smtClean="0"/>
-              <a:t>Po co w ogóle testować</a:t>
-            </a:r>
-            <a:r>
               <a:rPr lang="pl-PL" dirty="0" smtClean="0"/>
-              <a:t>?</a:t>
-            </a:r>
+              <a:t>Korzyści z testowania oprogramowania</a:t>
+            </a:r>
+            <a:endParaRPr lang="pl-PL" dirty="0" smtClean="0"/>
           </a:p>
           <a:p>
             <a:pPr marL="0" indent="0">
               <a:buNone/>
-              <a:defRPr/>
             </a:pPr>
             <a:endParaRPr lang="pl-PL" sz="2400" dirty="0" smtClean="0"/>
-          </a:p>
-          <a:p>
-            <a:pPr marL="0" indent="0">
-              <a:buNone/>
-              <a:defRPr/>
-            </a:pPr>
-            <a:r>
-              <a:rPr lang="pl-PL" sz="2400" dirty="0" smtClean="0"/>
-              <a:t>Człowiek </a:t>
-            </a:r>
-            <a:r>
-              <a:rPr lang="pl-PL" sz="2400" dirty="0"/>
-              <a:t>może popełnić </a:t>
-            </a:r>
-            <a:r>
-              <a:rPr lang="pl-PL" sz="2400" b="1" dirty="0"/>
-              <a:t>błąd (pomyłkę)</a:t>
-            </a:r>
-            <a:r>
-              <a:rPr lang="pl-PL" sz="2400" dirty="0"/>
-              <a:t>, która spowoduje powstanie </a:t>
-            </a:r>
-            <a:r>
-              <a:rPr lang="pl-PL" sz="2400" b="1" dirty="0"/>
-              <a:t>defektu (usterki, pluskwy)</a:t>
-            </a:r>
-            <a:r>
-              <a:rPr lang="pl-PL" sz="2400" dirty="0"/>
-              <a:t> w kodzie programu lub dokumencie. Jeżeli kod zawierający defekt zostaje wykonany, system nie zrobi tego co powinien powodując </a:t>
-            </a:r>
-            <a:r>
-              <a:rPr lang="pl-PL" sz="2400" b="1" dirty="0"/>
-              <a:t>awarię</a:t>
-            </a:r>
-            <a:r>
-              <a:rPr lang="pl-PL" sz="2400" dirty="0"/>
-              <a:t>.</a:t>
-            </a:r>
           </a:p>
           <a:p>
             <a:pPr>
               <a:buFont typeface="Wingdings" panose="05000000000000000000" pitchFamily="2" charset="2"/>
               <a:buChar char="Ø"/>
-              <a:defRPr/>
             </a:pPr>
             <a:r>
-              <a:rPr lang="pl-PL" sz="2400" u="sng" dirty="0" smtClean="0"/>
-              <a:t>Defekty</a:t>
-            </a:r>
-            <a:r>
-              <a:rPr lang="pl-PL" sz="2400" dirty="0" smtClean="0"/>
-              <a:t> </a:t>
-            </a:r>
-            <a:r>
-              <a:rPr lang="pl-PL" sz="2400" dirty="0"/>
-              <a:t>powstają, ponieważ </a:t>
-            </a:r>
-            <a:r>
-              <a:rPr lang="pl-PL" sz="2400" dirty="0" smtClean="0"/>
-              <a:t/>
-            </a:r>
-            <a:br>
-              <a:rPr lang="pl-PL" sz="2400" dirty="0" smtClean="0"/>
-            </a:br>
-            <a:r>
-              <a:rPr lang="pl-PL" sz="2400" b="1" dirty="0" smtClean="0"/>
-              <a:t>ludzie </a:t>
-            </a:r>
-            <a:r>
-              <a:rPr lang="pl-PL" sz="2400" b="1" dirty="0"/>
-              <a:t>są omylni</a:t>
-            </a:r>
-            <a:r>
-              <a:rPr lang="pl-PL" sz="2400" dirty="0"/>
-              <a:t>.</a:t>
+              <a:rPr lang="pl-PL" altLang="pl-PL" sz="2400" dirty="0"/>
+              <a:t>Za pomocą testów można zmierzyć jakość oprogramowania wyrażoną przez ilość znalezionych usterek.</a:t>
             </a:r>
           </a:p>
           <a:p>
             <a:pPr>
               <a:buFont typeface="Wingdings" panose="05000000000000000000" pitchFamily="2" charset="2"/>
               <a:buChar char="Ø"/>
-              <a:defRPr/>
             </a:pPr>
-            <a:r>
-              <a:rPr lang="pl-PL" sz="2400" u="sng" dirty="0" smtClean="0"/>
-              <a:t>Awarie</a:t>
-            </a:r>
-            <a:r>
-              <a:rPr lang="pl-PL" sz="2400" dirty="0" smtClean="0"/>
-              <a:t> </a:t>
-            </a:r>
-            <a:r>
-              <a:rPr lang="pl-PL" sz="2400" dirty="0"/>
-              <a:t>mogą być spowodowane </a:t>
-            </a:r>
-            <a:r>
-              <a:rPr lang="pl-PL" sz="2400" dirty="0" smtClean="0"/>
-              <a:t/>
-            </a:r>
-            <a:br>
-              <a:rPr lang="pl-PL" sz="2400" dirty="0" smtClean="0"/>
-            </a:br>
-            <a:r>
-              <a:rPr lang="pl-PL" sz="2400" dirty="0" smtClean="0"/>
-              <a:t>też </a:t>
-            </a:r>
-            <a:r>
-              <a:rPr lang="pl-PL" sz="2400" dirty="0"/>
-              <a:t>przez warunki środowiskowe: promieniowanie, pole magnetyczne </a:t>
-            </a:r>
-            <a:r>
-              <a:rPr lang="pl-PL" sz="2400" dirty="0" smtClean="0"/>
-              <a:t/>
-            </a:r>
-            <a:br>
-              <a:rPr lang="pl-PL" sz="2400" dirty="0" smtClean="0"/>
-            </a:br>
-            <a:r>
-              <a:rPr lang="pl-PL" sz="2400" dirty="0" smtClean="0"/>
-              <a:t>i </a:t>
-            </a:r>
-            <a:r>
-              <a:rPr lang="pl-PL" sz="2400" dirty="0"/>
-              <a:t>elektryczne czy zanieczyszczenia</a:t>
-            </a:r>
-          </a:p>
-        </p:txBody>
-      </p:sp>
-      <p:pic>
-        <p:nvPicPr>
-          <p:cNvPr id="4" name="Picture 2" descr="C:\Users\raso\AppData\Local\Microsoft\Windows\Temporary Internet Files\Content.IE5\L4PLJBYJ\przepraszamy_za_usterki[1].jpg"/>
-          <p:cNvPicPr>
-            <a:picLocks noChangeAspect="1" noChangeArrowheads="1"/>
-          </p:cNvPicPr>
-          <p:nvPr/>
-        </p:nvPicPr>
-        <p:blipFill>
-          <a:blip r:embed="rId3">
-            <a:extLst>
-              <a:ext uri="{28A0092B-C50C-407E-A947-70E740481C1C}">
-                <a14:useLocalDpi xmlns:a14="http://schemas.microsoft.com/office/drawing/2010/main" val="0"/>
-              </a:ext>
-            </a:extLst>
-          </a:blip>
-          <a:srcRect/>
-          <a:stretch>
-            <a:fillRect/>
-          </a:stretch>
-        </p:blipFill>
-        <p:spPr bwMode="auto">
-          <a:xfrm>
-            <a:off x="6205552" y="3429000"/>
-            <a:ext cx="2239605" cy="1705305"/>
-          </a:xfrm>
-          <a:prstGeom prst="rect">
-            <a:avLst/>
-          </a:prstGeom>
-          <a:noFill/>
-          <a:extLst>
-            <a:ext uri="{909E8E84-426E-40DD-AFC4-6F175D3DCCD1}">
-              <a14:hiddenFill xmlns:a14="http://schemas.microsoft.com/office/drawing/2010/main">
-                <a:solidFill>
-                  <a:srgbClr val="FFFFFF"/>
-                </a:solidFill>
-              </a14:hiddenFill>
-            </a:ext>
-          </a:extLst>
-        </p:spPr>
-      </p:pic>
+            <a:endParaRPr lang="pl-PL" altLang="pl-PL" sz="2400" dirty="0"/>
+          </a:p>
+          <a:p>
+            <a:pPr>
+              <a:buFont typeface="Wingdings" panose="05000000000000000000" pitchFamily="2" charset="2"/>
+              <a:buChar char="Ø"/>
+            </a:pPr>
+            <a:r>
+              <a:rPr lang="pl-PL" altLang="pl-PL" sz="2400" dirty="0"/>
+              <a:t>Testowanie może budować zaufanie do jakości oprogramowania jeżeli osoby testujące znajdują mało usterek bądź nie znajdują ich wcale.</a:t>
+            </a:r>
+          </a:p>
+          <a:p>
+            <a:pPr>
+              <a:buFont typeface="Wingdings" panose="05000000000000000000" pitchFamily="2" charset="2"/>
+              <a:buChar char="Ø"/>
+            </a:pPr>
+            <a:endParaRPr lang="pl-PL" altLang="pl-PL" sz="2400" dirty="0"/>
+          </a:p>
+          <a:p>
+            <a:pPr>
+              <a:buFont typeface="Wingdings" panose="05000000000000000000" pitchFamily="2" charset="2"/>
+              <a:buChar char="Ø"/>
+            </a:pPr>
+            <a:r>
+              <a:rPr lang="pl-PL" altLang="pl-PL" sz="2400" dirty="0"/>
+              <a:t>Testowanie samo w sobie nie poprawia jakości </a:t>
+            </a:r>
+            <a:r>
+              <a:rPr lang="pl-PL" altLang="pl-PL" sz="2400" dirty="0" smtClean="0"/>
+              <a:t>oprogramowania.</a:t>
+            </a:r>
+            <a:endParaRPr lang="pl-PL" sz="2400" dirty="0"/>
+          </a:p>
+        </p:txBody>
+      </p:sp>
     </p:spTree>
     <p:extLst>
       <p:ext uri="{BB962C8B-B14F-4D97-AF65-F5344CB8AC3E}">
-        <p14:creationId xmlns:p14="http://schemas.microsoft.com/office/powerpoint/2010/main" val="1927217264"/>
+        <p14:creationId xmlns:p14="http://schemas.microsoft.com/office/powerpoint/2010/main" val="672776117"/>
       </p:ext>
     </p:extLst>
   </p:cSld>
@@ -10435,13 +8298,10 @@
           <a:lstStyle/>
           <a:p>
             <a:r>
-              <a:rPr lang="pl-PL" b="1" dirty="0" smtClean="0"/>
-              <a:t>Po co w ogóle testować</a:t>
-            </a:r>
-            <a:r>
               <a:rPr lang="pl-PL" dirty="0" smtClean="0"/>
-              <a:t>?</a:t>
-            </a:r>
+              <a:t>Korzyści z testowania oprogramowania</a:t>
+            </a:r>
+            <a:endParaRPr lang="pl-PL" dirty="0" smtClean="0"/>
           </a:p>
           <a:p>
             <a:pPr marL="0" indent="0">
@@ -10449,57 +8309,76 @@
             </a:pPr>
             <a:endParaRPr lang="pl-PL" sz="2400" dirty="0" smtClean="0"/>
           </a:p>
-          <a:p>
-            <a:pPr>
-              <a:buFont typeface="Wingdings" panose="05000000000000000000" pitchFamily="2" charset="2"/>
-              <a:buChar char="Ø"/>
-            </a:pPr>
-            <a:r>
-              <a:rPr lang="pl-PL" altLang="pl-PL" sz="2400" dirty="0"/>
-              <a:t>Za pomocą testów można zmierzyć jakość oprogramowania wyrażoną przez ilość znalezionych usterek.</a:t>
-            </a:r>
-          </a:p>
-          <a:p>
-            <a:pPr>
-              <a:buFont typeface="Wingdings" panose="05000000000000000000" pitchFamily="2" charset="2"/>
-              <a:buChar char="Ø"/>
-            </a:pPr>
-            <a:endParaRPr lang="pl-PL" altLang="pl-PL" sz="2400" dirty="0"/>
-          </a:p>
-          <a:p>
-            <a:pPr>
-              <a:buFont typeface="Wingdings" panose="05000000000000000000" pitchFamily="2" charset="2"/>
-              <a:buChar char="Ø"/>
-            </a:pPr>
-            <a:r>
-              <a:rPr lang="pl-PL" altLang="pl-PL" sz="2400" dirty="0"/>
-              <a:t>Testowanie może budować zaufanie do jakości oprogramowania jeżeli osoby testujące znajdują mało usterek bądź nie znajdują ich wcale.</a:t>
-            </a:r>
-          </a:p>
-          <a:p>
-            <a:pPr>
-              <a:buFont typeface="Wingdings" panose="05000000000000000000" pitchFamily="2" charset="2"/>
-              <a:buChar char="Ø"/>
-            </a:pPr>
-            <a:endParaRPr lang="pl-PL" altLang="pl-PL" sz="2400" dirty="0"/>
-          </a:p>
-          <a:p>
-            <a:pPr>
-              <a:buFont typeface="Wingdings" panose="05000000000000000000" pitchFamily="2" charset="2"/>
-              <a:buChar char="Ø"/>
-            </a:pPr>
-            <a:r>
-              <a:rPr lang="pl-PL" altLang="pl-PL" sz="2400" b="1" dirty="0"/>
-              <a:t>Testowanie samo w sobie nie poprawia jakości oprogramowania!</a:t>
-            </a:r>
-            <a:endParaRPr lang="pl-PL" sz="2400" dirty="0"/>
-          </a:p>
-        </p:txBody>
-      </p:sp>
+        </p:txBody>
+      </p:sp>
+      <p:pic>
+        <p:nvPicPr>
+          <p:cNvPr id="4" name="Picture 2"/>
+          <p:cNvPicPr>
+            <a:picLocks noChangeAspect="1" noChangeArrowheads="1"/>
+          </p:cNvPicPr>
+          <p:nvPr/>
+        </p:nvPicPr>
+        <p:blipFill>
+          <a:blip r:embed="rId3">
+            <a:extLst>
+              <a:ext uri="{28A0092B-C50C-407E-A947-70E740481C1C}">
+                <a14:useLocalDpi xmlns:a14="http://schemas.microsoft.com/office/drawing/2010/main" val="0"/>
+              </a:ext>
+            </a:extLst>
+          </a:blip>
+          <a:srcRect/>
+          <a:stretch>
+            <a:fillRect/>
+          </a:stretch>
+        </p:blipFill>
+        <p:spPr bwMode="auto">
+          <a:xfrm>
+            <a:off x="971550" y="1520825"/>
+            <a:ext cx="7199313" cy="3816350"/>
+          </a:xfrm>
+          <a:prstGeom prst="rect">
+            <a:avLst/>
+          </a:prstGeom>
+          <a:noFill/>
+          <a:ln>
+            <a:noFill/>
+          </a:ln>
+          <a:effectLst/>
+          <a:extLst>
+            <a:ext uri="{909E8E84-426E-40DD-AFC4-6F175D3DCCD1}">
+              <a14:hiddenFill xmlns:a14="http://schemas.microsoft.com/office/drawing/2010/main">
+                <a:solidFill>
+                  <a:schemeClr val="accent1"/>
+                </a:solidFill>
+              </a14:hiddenFill>
+            </a:ext>
+            <a:ext uri="{91240B29-F687-4F45-9708-019B960494DF}">
+              <a14:hiddenLine xmlns:a14="http://schemas.microsoft.com/office/drawing/2010/main" w="9525">
+                <a:solidFill>
+                  <a:schemeClr val="tx1"/>
+                </a:solidFill>
+                <a:miter lim="800000"/>
+                <a:headEnd/>
+                <a:tailEnd/>
+              </a14:hiddenLine>
+            </a:ext>
+            <a:ext uri="{AF507438-7753-43E0-B8FC-AC1667EBCBE1}">
+              <a14:hiddenEffects xmlns:a14="http://schemas.microsoft.com/office/drawing/2010/main">
+                <a:effectLst>
+                  <a:outerShdw dist="35921" dir="2700000" algn="ctr" rotWithShape="0">
+                    <a:schemeClr val="bg2"/>
+                  </a:outerShdw>
+                </a:effectLst>
+              </a14:hiddenEffects>
+            </a:ext>
+          </a:extLst>
+        </p:spPr>
+      </p:pic>
     </p:spTree>
     <p:extLst>
       <p:ext uri="{BB962C8B-B14F-4D97-AF65-F5344CB8AC3E}">
-        <p14:creationId xmlns:p14="http://schemas.microsoft.com/office/powerpoint/2010/main" val="672776117"/>
+        <p14:creationId xmlns:p14="http://schemas.microsoft.com/office/powerpoint/2010/main" val="1377015515"/>
       </p:ext>
     </p:extLst>
   </p:cSld>
